--- a/Slide/00-Introduction to Programming Applications with Python.pptx
+++ b/Slide/00-Introduction to Programming Applications with Python.pptx
@@ -5,10 +5,10 @@
     <p:sldMasterId id="2147483714" r:id="rId4"/>
   </p:sldMasterIdLst>
   <p:notesMasterIdLst>
-    <p:notesMasterId r:id="rId18"/>
+    <p:notesMasterId r:id="rId27"/>
   </p:notesMasterIdLst>
   <p:handoutMasterIdLst>
-    <p:handoutMasterId r:id="rId19"/>
+    <p:handoutMasterId r:id="rId28"/>
   </p:handoutMasterIdLst>
   <p:sldIdLst>
     <p:sldId id="263" r:id="rId5"/>
@@ -23,7 +23,16 @@
     <p:sldId id="268" r:id="rId14"/>
     <p:sldId id="271" r:id="rId15"/>
     <p:sldId id="274" r:id="rId16"/>
-    <p:sldId id="269" r:id="rId17"/>
+    <p:sldId id="276" r:id="rId17"/>
+    <p:sldId id="277" r:id="rId18"/>
+    <p:sldId id="278" r:id="rId19"/>
+    <p:sldId id="279" r:id="rId20"/>
+    <p:sldId id="280" r:id="rId21"/>
+    <p:sldId id="281" r:id="rId22"/>
+    <p:sldId id="282" r:id="rId23"/>
+    <p:sldId id="283" r:id="rId24"/>
+    <p:sldId id="284" r:id="rId25"/>
+    <p:sldId id="269" r:id="rId26"/>
   </p:sldIdLst>
   <p:sldSz cx="12192000" cy="6858000"/>
   <p:notesSz cx="6858000" cy="9144000"/>
@@ -6507,10 +6516,9 @@
           <a:lstStyle/>
           <a:p>
             <a:r>
-              <a:rPr lang="en-US" b="1"/>
+              <a:rPr lang="en-US" b="1" dirty="0"/>
               <a:t>Introduction to Programming Applications with Python</a:t>
             </a:r>
-            <a:endParaRPr lang="en-US" b="1" dirty="0"/>
           </a:p>
         </p:txBody>
       </p:sp>
@@ -6812,33 +6820,76 @@
         </p:nvSpPr>
         <p:spPr/>
         <p:txBody>
-          <a:bodyPr/>
+          <a:bodyPr>
+            <a:normAutofit fontScale="92500" lnSpcReduction="20000"/>
+          </a:bodyPr>
           <a:lstStyle/>
+          <a:p>
+            <a:r>
+              <a:rPr lang="en-US" dirty="0"/>
+              <a:t>Python workshop abut AI and DS</a:t>
+            </a:r>
+          </a:p>
+          <a:p>
+            <a:r>
+              <a:rPr lang="en-US" dirty="0"/>
+              <a:t>Python Coding class for assignments</a:t>
+            </a:r>
+          </a:p>
+          <a:p>
+            <a:r>
+              <a:rPr lang="en-US" dirty="0"/>
+              <a:t>Python Event for CE department </a:t>
+            </a:r>
+            <a:r>
+              <a:rPr lang="en-US" sz="2200" dirty="0"/>
+              <a:t>(maybe)</a:t>
+            </a:r>
+            <a:endParaRPr lang="en-US" dirty="0"/>
+          </a:p>
+          <a:p>
+            <a:r>
+              <a:rPr lang="en-US" dirty="0"/>
+              <a:t>Useful Python toolkits in industry:</a:t>
+            </a:r>
+          </a:p>
+          <a:p>
+            <a:pPr lvl="1"/>
+            <a:r>
+              <a:rPr lang="en-US" dirty="0"/>
+              <a:t>Git, GitHub</a:t>
+            </a:r>
+          </a:p>
+          <a:p>
+            <a:pPr lvl="1"/>
+            <a:r>
+              <a:rPr lang="en-US" dirty="0"/>
+              <a:t>Docker</a:t>
+            </a:r>
+          </a:p>
+          <a:p>
+            <a:pPr lvl="1"/>
+            <a:r>
+              <a:rPr lang="en-US" dirty="0" err="1"/>
+              <a:t>FastAPI</a:t>
+            </a:r>
+            <a:endParaRPr lang="en-US" dirty="0"/>
+          </a:p>
+          <a:p>
+            <a:pPr lvl="1"/>
+            <a:r>
+              <a:rPr lang="en-US" dirty="0"/>
+              <a:t>…</a:t>
+            </a:r>
+          </a:p>
           <a:p>
             <a:pPr marL="0" indent="0">
               <a:buNone/>
             </a:pPr>
-            <a:endParaRPr lang="en-US" dirty="0"/>
-          </a:p>
-          <a:p>
-            <a:pPr marL="0" indent="0">
-              <a:buNone/>
-            </a:pPr>
-            <a:endParaRPr lang="en-US" dirty="0"/>
-          </a:p>
-          <a:p>
-            <a:pPr marL="0" indent="0">
-              <a:buNone/>
-            </a:pPr>
             <a:r>
               <a:rPr lang="en-US" dirty="0"/>
               <a:t>					</a:t>
             </a:r>
-            <a:r>
-              <a:rPr lang="en-US" sz="13800" dirty="0"/>
-              <a:t>?</a:t>
-            </a:r>
-            <a:endParaRPr lang="en-US" dirty="0"/>
           </a:p>
         </p:txBody>
       </p:sp>
@@ -6924,8 +6975,9 @@
           <a:p>
             <a:r>
               <a:rPr lang="en-US" dirty="0"/>
-              <a:t>What is Computation?</a:t>
-            </a:r>
+              <a:t>Discussion about Python in Research and Industries</a:t>
+            </a:r>
+            <a:endParaRPr lang="fa-IR" dirty="0"/>
           </a:p>
         </p:txBody>
       </p:sp>
@@ -6990,10 +7042,10 @@
       </p:grpSpPr>
       <p:sp>
         <p:nvSpPr>
-          <p:cNvPr id="2" name="Title 1">
+          <p:cNvPr id="4" name="Title 3">
             <a:extLst>
               <a:ext uri="{FF2B5EF4-FFF2-40B4-BE49-F238E27FC236}">
-                <a16:creationId xmlns:a16="http://schemas.microsoft.com/office/drawing/2014/main" id="{E971B2D1-ED4F-3F7E-6680-17E47645F005}"/>
+                <a16:creationId xmlns:a16="http://schemas.microsoft.com/office/drawing/2014/main" id="{CDFAC395-6684-6EC5-A547-29745A5C169E}"/>
               </a:ext>
             </a:extLst>
           </p:cNvPr>
@@ -7011,17 +7063,17 @@
           <a:p>
             <a:r>
               <a:rPr lang="en-US" dirty="0"/>
-              <a:t>Lecture Resources</a:t>
-            </a:r>
-          </a:p>
-        </p:txBody>
-      </p:sp>
-      <p:sp>
-        <p:nvSpPr>
-          <p:cNvPr id="3" name="Content Placeholder 2">
+              <a:t>What is programming?</a:t>
+            </a:r>
+          </a:p>
+        </p:txBody>
+      </p:sp>
+      <p:sp>
+        <p:nvSpPr>
+          <p:cNvPr id="5" name="Content Placeholder 4">
             <a:extLst>
               <a:ext uri="{FF2B5EF4-FFF2-40B4-BE49-F238E27FC236}">
-                <a16:creationId xmlns:a16="http://schemas.microsoft.com/office/drawing/2014/main" id="{048171A8-7BC9-A1CC-24DE-D1A363BFCAAB}"/>
+                <a16:creationId xmlns:a16="http://schemas.microsoft.com/office/drawing/2014/main" id="{EE4C67D5-DEBD-312C-10BD-FED589DCCC92}"/>
               </a:ext>
             </a:extLst>
           </p:cNvPr>
@@ -7043,10 +7095,10 @@
       </p:sp>
       <p:sp>
         <p:nvSpPr>
-          <p:cNvPr id="4" name="Slide Number Placeholder 3">
+          <p:cNvPr id="3" name="Slide Number Placeholder 2">
             <a:extLst>
               <a:ext uri="{FF2B5EF4-FFF2-40B4-BE49-F238E27FC236}">
-                <a16:creationId xmlns:a16="http://schemas.microsoft.com/office/drawing/2014/main" id="{1A07D2F6-E8B4-DCE8-6D7F-E8A49CF5128B}"/>
+                <a16:creationId xmlns:a16="http://schemas.microsoft.com/office/drawing/2014/main" id="{FB79BD38-7419-F0AA-97D9-3A0FCAC0216A}"/>
               </a:ext>
             </a:extLst>
           </p:cNvPr>
@@ -7073,7 +7125,646 @@
     </p:spTree>
     <p:extLst>
       <p:ext uri="{BB962C8B-B14F-4D97-AF65-F5344CB8AC3E}">
-        <p14:creationId xmlns:p14="http://schemas.microsoft.com/office/powerpoint/2010/main" val="3233585793"/>
+        <p14:creationId xmlns:p14="http://schemas.microsoft.com/office/powerpoint/2010/main" val="1620350319"/>
+      </p:ext>
+    </p:extLst>
+  </p:cSld>
+  <p:clrMapOvr>
+    <a:masterClrMapping/>
+  </p:clrMapOvr>
+</p:sld>
+</file>
+
+<file path=ppt/slides/slide14.xml><?xml version="1.0" encoding="utf-8"?>
+<p:sld xmlns:a="http://schemas.openxmlformats.org/drawingml/2006/main" xmlns:r="http://schemas.openxmlformats.org/officeDocument/2006/relationships" xmlns:p="http://schemas.openxmlformats.org/presentationml/2006/main">
+  <p:cSld>
+    <p:spTree>
+      <p:nvGrpSpPr>
+        <p:cNvPr id="1" name=""/>
+        <p:cNvGrpSpPr/>
+        <p:nvPr/>
+      </p:nvGrpSpPr>
+      <p:grpSpPr>
+        <a:xfrm>
+          <a:off x="0" y="0"/>
+          <a:ext cx="0" cy="0"/>
+          <a:chOff x="0" y="0"/>
+          <a:chExt cx="0" cy="0"/>
+        </a:xfrm>
+      </p:grpSpPr>
+      <p:sp>
+        <p:nvSpPr>
+          <p:cNvPr id="2" name="Title 1">
+            <a:extLst>
+              <a:ext uri="{FF2B5EF4-FFF2-40B4-BE49-F238E27FC236}">
+                <a16:creationId xmlns:a16="http://schemas.microsoft.com/office/drawing/2014/main" id="{6921409E-6881-0281-7758-3BE5076737D2}"/>
+              </a:ext>
+            </a:extLst>
+          </p:cNvPr>
+          <p:cNvSpPr>
+            <a:spLocks noGrp="1"/>
+          </p:cNvSpPr>
+          <p:nvPr>
+            <p:ph type="title"/>
+          </p:nvPr>
+        </p:nvSpPr>
+        <p:spPr/>
+        <p:txBody>
+          <a:bodyPr/>
+          <a:lstStyle/>
+          <a:p>
+            <a:r>
+              <a:rPr lang="en-US" dirty="0"/>
+              <a:t>What is Python?</a:t>
+            </a:r>
+          </a:p>
+        </p:txBody>
+      </p:sp>
+      <p:sp>
+        <p:nvSpPr>
+          <p:cNvPr id="3" name="Content Placeholder 2">
+            <a:extLst>
+              <a:ext uri="{FF2B5EF4-FFF2-40B4-BE49-F238E27FC236}">
+                <a16:creationId xmlns:a16="http://schemas.microsoft.com/office/drawing/2014/main" id="{0BF238A0-F075-0C25-E8F5-2D6C2A6B3888}"/>
+              </a:ext>
+            </a:extLst>
+          </p:cNvPr>
+          <p:cNvSpPr>
+            <a:spLocks noGrp="1"/>
+          </p:cNvSpPr>
+          <p:nvPr>
+            <p:ph idx="1"/>
+          </p:nvPr>
+        </p:nvSpPr>
+        <p:spPr/>
+        <p:txBody>
+          <a:bodyPr/>
+          <a:lstStyle/>
+          <a:p>
+            <a:endParaRPr lang="en-US"/>
+          </a:p>
+        </p:txBody>
+      </p:sp>
+      <p:sp>
+        <p:nvSpPr>
+          <p:cNvPr id="4" name="Slide Number Placeholder 3">
+            <a:extLst>
+              <a:ext uri="{FF2B5EF4-FFF2-40B4-BE49-F238E27FC236}">
+                <a16:creationId xmlns:a16="http://schemas.microsoft.com/office/drawing/2014/main" id="{A9734763-A69F-3C8F-A8B4-07694A112660}"/>
+              </a:ext>
+            </a:extLst>
+          </p:cNvPr>
+          <p:cNvSpPr>
+            <a:spLocks noGrp="1"/>
+          </p:cNvSpPr>
+          <p:nvPr>
+            <p:ph type="sldNum" sz="quarter" idx="12"/>
+          </p:nvPr>
+        </p:nvSpPr>
+        <p:spPr/>
+        <p:txBody>
+          <a:bodyPr/>
+          <a:lstStyle/>
+          <a:p>
+            <a:fld id="{0079CAC6-A72B-4EF8-B465-34FA47827E7F}" type="slidenum">
+              <a:rPr lang="en-US" smtClean="0"/>
+              <a:t>14</a:t>
+            </a:fld>
+            <a:endParaRPr lang="en-US" dirty="0"/>
+          </a:p>
+        </p:txBody>
+      </p:sp>
+    </p:spTree>
+    <p:extLst>
+      <p:ext uri="{BB962C8B-B14F-4D97-AF65-F5344CB8AC3E}">
+        <p14:creationId xmlns:p14="http://schemas.microsoft.com/office/powerpoint/2010/main" val="2926809325"/>
+      </p:ext>
+    </p:extLst>
+  </p:cSld>
+  <p:clrMapOvr>
+    <a:masterClrMapping/>
+  </p:clrMapOvr>
+</p:sld>
+</file>
+
+<file path=ppt/slides/slide15.xml><?xml version="1.0" encoding="utf-8"?>
+<p:sld xmlns:a="http://schemas.openxmlformats.org/drawingml/2006/main" xmlns:r="http://schemas.openxmlformats.org/officeDocument/2006/relationships" xmlns:p="http://schemas.openxmlformats.org/presentationml/2006/main">
+  <p:cSld>
+    <p:spTree>
+      <p:nvGrpSpPr>
+        <p:cNvPr id="1" name=""/>
+        <p:cNvGrpSpPr/>
+        <p:nvPr/>
+      </p:nvGrpSpPr>
+      <p:grpSpPr>
+        <a:xfrm>
+          <a:off x="0" y="0"/>
+          <a:ext cx="0" cy="0"/>
+          <a:chOff x="0" y="0"/>
+          <a:chExt cx="0" cy="0"/>
+        </a:xfrm>
+      </p:grpSpPr>
+      <p:sp>
+        <p:nvSpPr>
+          <p:cNvPr id="2" name="Title 1">
+            <a:extLst>
+              <a:ext uri="{FF2B5EF4-FFF2-40B4-BE49-F238E27FC236}">
+                <a16:creationId xmlns:a16="http://schemas.microsoft.com/office/drawing/2014/main" id="{5ECF98D6-7A9C-162D-C5DB-5E967F002229}"/>
+              </a:ext>
+            </a:extLst>
+          </p:cNvPr>
+          <p:cNvSpPr>
+            <a:spLocks noGrp="1"/>
+          </p:cNvSpPr>
+          <p:nvPr>
+            <p:ph type="title"/>
+          </p:nvPr>
+        </p:nvSpPr>
+        <p:spPr/>
+        <p:txBody>
+          <a:bodyPr/>
+          <a:lstStyle/>
+          <a:p>
+            <a:r>
+              <a:rPr lang="en-US" dirty="0"/>
+              <a:t>Do you know about its applications?</a:t>
+            </a:r>
+          </a:p>
+        </p:txBody>
+      </p:sp>
+      <p:sp>
+        <p:nvSpPr>
+          <p:cNvPr id="3" name="Content Placeholder 2">
+            <a:extLst>
+              <a:ext uri="{FF2B5EF4-FFF2-40B4-BE49-F238E27FC236}">
+                <a16:creationId xmlns:a16="http://schemas.microsoft.com/office/drawing/2014/main" id="{A380C208-D467-BA21-B41F-D68C102D06D3}"/>
+              </a:ext>
+            </a:extLst>
+          </p:cNvPr>
+          <p:cNvSpPr>
+            <a:spLocks noGrp="1"/>
+          </p:cNvSpPr>
+          <p:nvPr>
+            <p:ph idx="1"/>
+          </p:nvPr>
+        </p:nvSpPr>
+        <p:spPr/>
+        <p:txBody>
+          <a:bodyPr/>
+          <a:lstStyle/>
+          <a:p>
+            <a:endParaRPr lang="en-US"/>
+          </a:p>
+        </p:txBody>
+      </p:sp>
+      <p:sp>
+        <p:nvSpPr>
+          <p:cNvPr id="4" name="Slide Number Placeholder 3">
+            <a:extLst>
+              <a:ext uri="{FF2B5EF4-FFF2-40B4-BE49-F238E27FC236}">
+                <a16:creationId xmlns:a16="http://schemas.microsoft.com/office/drawing/2014/main" id="{58F41133-E423-BC64-0577-329B9D774C39}"/>
+              </a:ext>
+            </a:extLst>
+          </p:cNvPr>
+          <p:cNvSpPr>
+            <a:spLocks noGrp="1"/>
+          </p:cNvSpPr>
+          <p:nvPr>
+            <p:ph type="sldNum" sz="quarter" idx="12"/>
+          </p:nvPr>
+        </p:nvSpPr>
+        <p:spPr/>
+        <p:txBody>
+          <a:bodyPr/>
+          <a:lstStyle/>
+          <a:p>
+            <a:fld id="{0079CAC6-A72B-4EF8-B465-34FA47827E7F}" type="slidenum">
+              <a:rPr lang="en-US" smtClean="0"/>
+              <a:t>15</a:t>
+            </a:fld>
+            <a:endParaRPr lang="en-US" dirty="0"/>
+          </a:p>
+        </p:txBody>
+      </p:sp>
+    </p:spTree>
+    <p:extLst>
+      <p:ext uri="{BB962C8B-B14F-4D97-AF65-F5344CB8AC3E}">
+        <p14:creationId xmlns:p14="http://schemas.microsoft.com/office/powerpoint/2010/main" val="4187081450"/>
+      </p:ext>
+    </p:extLst>
+  </p:cSld>
+  <p:clrMapOvr>
+    <a:masterClrMapping/>
+  </p:clrMapOvr>
+</p:sld>
+</file>
+
+<file path=ppt/slides/slide16.xml><?xml version="1.0" encoding="utf-8"?>
+<p:sld xmlns:a="http://schemas.openxmlformats.org/drawingml/2006/main" xmlns:r="http://schemas.openxmlformats.org/officeDocument/2006/relationships" xmlns:p="http://schemas.openxmlformats.org/presentationml/2006/main">
+  <p:cSld>
+    <p:spTree>
+      <p:nvGrpSpPr>
+        <p:cNvPr id="1" name=""/>
+        <p:cNvGrpSpPr/>
+        <p:nvPr/>
+      </p:nvGrpSpPr>
+      <p:grpSpPr>
+        <a:xfrm>
+          <a:off x="0" y="0"/>
+          <a:ext cx="0" cy="0"/>
+          <a:chOff x="0" y="0"/>
+          <a:chExt cx="0" cy="0"/>
+        </a:xfrm>
+      </p:grpSpPr>
+      <p:sp>
+        <p:nvSpPr>
+          <p:cNvPr id="5" name="Title 4">
+            <a:extLst>
+              <a:ext uri="{FF2B5EF4-FFF2-40B4-BE49-F238E27FC236}">
+                <a16:creationId xmlns:a16="http://schemas.microsoft.com/office/drawing/2014/main" id="{3E1FC432-A453-870C-34F6-F5AB1E824DD3}"/>
+              </a:ext>
+            </a:extLst>
+          </p:cNvPr>
+          <p:cNvSpPr>
+            <a:spLocks noGrp="1"/>
+          </p:cNvSpPr>
+          <p:nvPr>
+            <p:ph type="title"/>
+          </p:nvPr>
+        </p:nvSpPr>
+        <p:spPr/>
+        <p:txBody>
+          <a:bodyPr/>
+          <a:lstStyle/>
+          <a:p>
+            <a:r>
+              <a:rPr lang="en-US" dirty="0"/>
+              <a:t>Why we use Python?</a:t>
+            </a:r>
+            <a:endParaRPr lang="fa-IR" dirty="0"/>
+          </a:p>
+        </p:txBody>
+      </p:sp>
+      <p:sp>
+        <p:nvSpPr>
+          <p:cNvPr id="4" name="Slide Number Placeholder 3">
+            <a:extLst>
+              <a:ext uri="{FF2B5EF4-FFF2-40B4-BE49-F238E27FC236}">
+                <a16:creationId xmlns:a16="http://schemas.microsoft.com/office/drawing/2014/main" id="{872D2B23-7846-DE1D-E096-383132454A1B}"/>
+              </a:ext>
+            </a:extLst>
+          </p:cNvPr>
+          <p:cNvSpPr>
+            <a:spLocks noGrp="1"/>
+          </p:cNvSpPr>
+          <p:nvPr>
+            <p:ph type="sldNum" sz="quarter" idx="12"/>
+          </p:nvPr>
+        </p:nvSpPr>
+        <p:spPr/>
+        <p:txBody>
+          <a:bodyPr/>
+          <a:lstStyle/>
+          <a:p>
+            <a:fld id="{0079CAC6-A72B-4EF8-B465-34FA47827E7F}" type="slidenum">
+              <a:rPr lang="en-US" smtClean="0"/>
+              <a:t>16</a:t>
+            </a:fld>
+            <a:endParaRPr lang="en-US" dirty="0"/>
+          </a:p>
+        </p:txBody>
+      </p:sp>
+    </p:spTree>
+    <p:extLst>
+      <p:ext uri="{BB962C8B-B14F-4D97-AF65-F5344CB8AC3E}">
+        <p14:creationId xmlns:p14="http://schemas.microsoft.com/office/powerpoint/2010/main" val="494583432"/>
+      </p:ext>
+    </p:extLst>
+  </p:cSld>
+  <p:clrMapOvr>
+    <a:masterClrMapping/>
+  </p:clrMapOvr>
+</p:sld>
+</file>
+
+<file path=ppt/slides/slide17.xml><?xml version="1.0" encoding="utf-8"?>
+<p:sld xmlns:a="http://schemas.openxmlformats.org/drawingml/2006/main" xmlns:r="http://schemas.openxmlformats.org/officeDocument/2006/relationships" xmlns:p="http://schemas.openxmlformats.org/presentationml/2006/main">
+  <p:cSld>
+    <p:spTree>
+      <p:nvGrpSpPr>
+        <p:cNvPr id="1" name=""/>
+        <p:cNvGrpSpPr/>
+        <p:nvPr/>
+      </p:nvGrpSpPr>
+      <p:grpSpPr>
+        <a:xfrm>
+          <a:off x="0" y="0"/>
+          <a:ext cx="0" cy="0"/>
+          <a:chOff x="0" y="0"/>
+          <a:chExt cx="0" cy="0"/>
+        </a:xfrm>
+      </p:grpSpPr>
+      <p:sp>
+        <p:nvSpPr>
+          <p:cNvPr id="2" name="Title 1">
+            <a:extLst>
+              <a:ext uri="{FF2B5EF4-FFF2-40B4-BE49-F238E27FC236}">
+                <a16:creationId xmlns:a16="http://schemas.microsoft.com/office/drawing/2014/main" id="{46C9694A-76BF-9D2A-8EE9-BC31C9C9BA4B}"/>
+              </a:ext>
+            </a:extLst>
+          </p:cNvPr>
+          <p:cNvSpPr>
+            <a:spLocks noGrp="1"/>
+          </p:cNvSpPr>
+          <p:nvPr>
+            <p:ph type="title"/>
+          </p:nvPr>
+        </p:nvSpPr>
+        <p:spPr/>
+        <p:txBody>
+          <a:bodyPr/>
+          <a:lstStyle/>
+          <a:p>
+            <a:r>
+              <a:rPr lang="en-US" dirty="0"/>
+              <a:t>How to use Python?</a:t>
+            </a:r>
+          </a:p>
+        </p:txBody>
+      </p:sp>
+      <p:sp>
+        <p:nvSpPr>
+          <p:cNvPr id="3" name="Slide Number Placeholder 2">
+            <a:extLst>
+              <a:ext uri="{FF2B5EF4-FFF2-40B4-BE49-F238E27FC236}">
+                <a16:creationId xmlns:a16="http://schemas.microsoft.com/office/drawing/2014/main" id="{0FB8C13E-1F9F-2F6F-E5FF-0C4C2CFB12F6}"/>
+              </a:ext>
+            </a:extLst>
+          </p:cNvPr>
+          <p:cNvSpPr>
+            <a:spLocks noGrp="1"/>
+          </p:cNvSpPr>
+          <p:nvPr>
+            <p:ph type="sldNum" sz="quarter" idx="12"/>
+          </p:nvPr>
+        </p:nvSpPr>
+        <p:spPr/>
+        <p:txBody>
+          <a:bodyPr/>
+          <a:lstStyle/>
+          <a:p>
+            <a:fld id="{0079CAC6-A72B-4EF8-B465-34FA47827E7F}" type="slidenum">
+              <a:rPr lang="en-US" smtClean="0"/>
+              <a:t>17</a:t>
+            </a:fld>
+            <a:endParaRPr lang="en-US" dirty="0"/>
+          </a:p>
+        </p:txBody>
+      </p:sp>
+    </p:spTree>
+    <p:extLst>
+      <p:ext uri="{BB962C8B-B14F-4D97-AF65-F5344CB8AC3E}">
+        <p14:creationId xmlns:p14="http://schemas.microsoft.com/office/powerpoint/2010/main" val="798838522"/>
+      </p:ext>
+    </p:extLst>
+  </p:cSld>
+  <p:clrMapOvr>
+    <a:masterClrMapping/>
+  </p:clrMapOvr>
+</p:sld>
+</file>
+
+<file path=ppt/slides/slide18.xml><?xml version="1.0" encoding="utf-8"?>
+<p:sld xmlns:a="http://schemas.openxmlformats.org/drawingml/2006/main" xmlns:r="http://schemas.openxmlformats.org/officeDocument/2006/relationships" xmlns:p="http://schemas.openxmlformats.org/presentationml/2006/main">
+  <p:cSld>
+    <p:spTree>
+      <p:nvGrpSpPr>
+        <p:cNvPr id="1" name=""/>
+        <p:cNvGrpSpPr/>
+        <p:nvPr/>
+      </p:nvGrpSpPr>
+      <p:grpSpPr>
+        <a:xfrm>
+          <a:off x="0" y="0"/>
+          <a:ext cx="0" cy="0"/>
+          <a:chOff x="0" y="0"/>
+          <a:chExt cx="0" cy="0"/>
+        </a:xfrm>
+      </p:grpSpPr>
+      <p:sp>
+        <p:nvSpPr>
+          <p:cNvPr id="7" name="Title 6">
+            <a:extLst>
+              <a:ext uri="{FF2B5EF4-FFF2-40B4-BE49-F238E27FC236}">
+                <a16:creationId xmlns:a16="http://schemas.microsoft.com/office/drawing/2014/main" id="{13FB7F1A-0AC5-6F75-4C1F-E42F81C38C3A}"/>
+              </a:ext>
+            </a:extLst>
+          </p:cNvPr>
+          <p:cNvSpPr>
+            <a:spLocks noGrp="1"/>
+          </p:cNvSpPr>
+          <p:nvPr>
+            <p:ph type="title"/>
+          </p:nvPr>
+        </p:nvSpPr>
+        <p:spPr/>
+        <p:txBody>
+          <a:bodyPr/>
+          <a:lstStyle/>
+          <a:p>
+            <a:r>
+              <a:rPr lang="en-US" dirty="0"/>
+              <a:t>First, install Python</a:t>
+            </a:r>
+          </a:p>
+        </p:txBody>
+      </p:sp>
+      <p:pic>
+        <p:nvPicPr>
+          <p:cNvPr id="10" name="Content Placeholder 9">
+            <a:extLst>
+              <a:ext uri="{FF2B5EF4-FFF2-40B4-BE49-F238E27FC236}">
+                <a16:creationId xmlns:a16="http://schemas.microsoft.com/office/drawing/2014/main" id="{54D1A209-195C-4A92-6504-343C41F0ED1D}"/>
+              </a:ext>
+            </a:extLst>
+          </p:cNvPr>
+          <p:cNvPicPr>
+            <a:picLocks noGrp="1" noChangeAspect="1"/>
+          </p:cNvPicPr>
+          <p:nvPr>
+            <p:ph idx="1"/>
+          </p:nvPr>
+        </p:nvPicPr>
+        <p:blipFill>
+          <a:blip r:embed="rId2"/>
+          <a:stretch>
+            <a:fillRect/>
+          </a:stretch>
+        </p:blipFill>
+        <p:spPr>
+          <a:xfrm>
+            <a:off x="1624808" y="2011363"/>
+            <a:ext cx="8940796" cy="4206875"/>
+          </a:xfrm>
+        </p:spPr>
+      </p:pic>
+      <p:sp>
+        <p:nvSpPr>
+          <p:cNvPr id="3" name="Slide Number Placeholder 2">
+            <a:extLst>
+              <a:ext uri="{FF2B5EF4-FFF2-40B4-BE49-F238E27FC236}">
+                <a16:creationId xmlns:a16="http://schemas.microsoft.com/office/drawing/2014/main" id="{632CE4F3-484D-2B19-6DCD-60CA5CFDF11B}"/>
+              </a:ext>
+            </a:extLst>
+          </p:cNvPr>
+          <p:cNvSpPr>
+            <a:spLocks noGrp="1"/>
+          </p:cNvSpPr>
+          <p:nvPr>
+            <p:ph type="sldNum" sz="quarter" idx="12"/>
+          </p:nvPr>
+        </p:nvSpPr>
+        <p:spPr/>
+        <p:txBody>
+          <a:bodyPr/>
+          <a:lstStyle/>
+          <a:p>
+            <a:fld id="{0079CAC6-A72B-4EF8-B465-34FA47827E7F}" type="slidenum">
+              <a:rPr lang="en-US" smtClean="0"/>
+              <a:t>18</a:t>
+            </a:fld>
+            <a:endParaRPr lang="en-US" dirty="0"/>
+          </a:p>
+        </p:txBody>
+      </p:sp>
+    </p:spTree>
+    <p:extLst>
+      <p:ext uri="{BB962C8B-B14F-4D97-AF65-F5344CB8AC3E}">
+        <p14:creationId xmlns:p14="http://schemas.microsoft.com/office/powerpoint/2010/main" val="3201571866"/>
+      </p:ext>
+    </p:extLst>
+  </p:cSld>
+  <p:clrMapOvr>
+    <a:masterClrMapping/>
+  </p:clrMapOvr>
+</p:sld>
+</file>
+
+<file path=ppt/slides/slide19.xml><?xml version="1.0" encoding="utf-8"?>
+<p:sld xmlns:a="http://schemas.openxmlformats.org/drawingml/2006/main" xmlns:r="http://schemas.openxmlformats.org/officeDocument/2006/relationships" xmlns:p="http://schemas.openxmlformats.org/presentationml/2006/main">
+  <p:cSld>
+    <p:spTree>
+      <p:nvGrpSpPr>
+        <p:cNvPr id="1" name=""/>
+        <p:cNvGrpSpPr/>
+        <p:nvPr/>
+      </p:nvGrpSpPr>
+      <p:grpSpPr>
+        <a:xfrm>
+          <a:off x="0" y="0"/>
+          <a:ext cx="0" cy="0"/>
+          <a:chOff x="0" y="0"/>
+          <a:chExt cx="0" cy="0"/>
+        </a:xfrm>
+      </p:grpSpPr>
+      <p:sp>
+        <p:nvSpPr>
+          <p:cNvPr id="2" name="Title 1">
+            <a:extLst>
+              <a:ext uri="{FF2B5EF4-FFF2-40B4-BE49-F238E27FC236}">
+                <a16:creationId xmlns:a16="http://schemas.microsoft.com/office/drawing/2014/main" id="{9A2A0C82-C8E1-97BC-230C-F1AA19FFD2F5}"/>
+              </a:ext>
+            </a:extLst>
+          </p:cNvPr>
+          <p:cNvSpPr>
+            <a:spLocks noGrp="1"/>
+          </p:cNvSpPr>
+          <p:nvPr>
+            <p:ph type="title"/>
+          </p:nvPr>
+        </p:nvSpPr>
+        <p:spPr/>
+        <p:txBody>
+          <a:bodyPr/>
+          <a:lstStyle/>
+          <a:p>
+            <a:r>
+              <a:rPr lang="en-US" dirty="0"/>
+              <a:t>Second, install visual studio code (</a:t>
+            </a:r>
+            <a:r>
+              <a:rPr lang="en-US" dirty="0" err="1"/>
+              <a:t>vscode</a:t>
+            </a:r>
+            <a:r>
+              <a:rPr lang="en-US" dirty="0"/>
+              <a:t>)</a:t>
+            </a:r>
+          </a:p>
+        </p:txBody>
+      </p:sp>
+      <p:sp>
+        <p:nvSpPr>
+          <p:cNvPr id="4" name="Slide Number Placeholder 3">
+            <a:extLst>
+              <a:ext uri="{FF2B5EF4-FFF2-40B4-BE49-F238E27FC236}">
+                <a16:creationId xmlns:a16="http://schemas.microsoft.com/office/drawing/2014/main" id="{FF8BAAC5-35CC-9BCF-42E0-8977DA25B7E6}"/>
+              </a:ext>
+            </a:extLst>
+          </p:cNvPr>
+          <p:cNvSpPr>
+            <a:spLocks noGrp="1"/>
+          </p:cNvSpPr>
+          <p:nvPr>
+            <p:ph type="sldNum" sz="quarter" idx="12"/>
+          </p:nvPr>
+        </p:nvSpPr>
+        <p:spPr/>
+        <p:txBody>
+          <a:bodyPr/>
+          <a:lstStyle/>
+          <a:p>
+            <a:fld id="{0079CAC6-A72B-4EF8-B465-34FA47827E7F}" type="slidenum">
+              <a:rPr lang="en-US" smtClean="0"/>
+              <a:t>19</a:t>
+            </a:fld>
+            <a:endParaRPr lang="en-US" dirty="0"/>
+          </a:p>
+        </p:txBody>
+      </p:sp>
+      <p:pic>
+        <p:nvPicPr>
+          <p:cNvPr id="5" name="Content Placeholder 5">
+            <a:extLst>
+              <a:ext uri="{FF2B5EF4-FFF2-40B4-BE49-F238E27FC236}">
+                <a16:creationId xmlns:a16="http://schemas.microsoft.com/office/drawing/2014/main" id="{CF1C0A80-386A-5684-5008-8D9DEA7B0CE3}"/>
+              </a:ext>
+            </a:extLst>
+          </p:cNvPr>
+          <p:cNvPicPr>
+            <a:picLocks noGrp="1" noChangeAspect="1"/>
+          </p:cNvPicPr>
+          <p:nvPr>
+            <p:ph idx="1"/>
+          </p:nvPr>
+        </p:nvPicPr>
+        <p:blipFill>
+          <a:blip r:embed="rId2"/>
+          <a:stretch>
+            <a:fillRect/>
+          </a:stretch>
+        </p:blipFill>
+        <p:spPr>
+          <a:xfrm>
+            <a:off x="1609935" y="2011363"/>
+            <a:ext cx="8970542" cy="4206875"/>
+          </a:xfrm>
+        </p:spPr>
+      </p:pic>
+    </p:spTree>
+    <p:extLst>
+      <p:ext uri="{BB962C8B-B14F-4D97-AF65-F5344CB8AC3E}">
+        <p14:creationId xmlns:p14="http://schemas.microsoft.com/office/powerpoint/2010/main" val="791333922"/>
       </p:ext>
     </p:extLst>
   </p:cSld>
@@ -7157,22 +7848,21 @@
           <a:p>
             <a:r>
               <a:rPr lang="en-US" dirty="0"/>
-              <a:t>Discussion about Python in Research and Industries</a:t>
+              <a:t>Discussion about Programming and Python in Research and Industries</a:t>
+            </a:r>
+          </a:p>
+          <a:p>
+            <a:r>
+              <a:rPr lang="en-US" dirty="0"/>
+              <a:t>Why we use Python</a:t>
+            </a:r>
+          </a:p>
+          <a:p>
+            <a:r>
+              <a:rPr lang="en-US" dirty="0"/>
+              <a:t>How to use Python</a:t>
             </a:r>
             <a:endParaRPr lang="fa-IR" dirty="0"/>
-          </a:p>
-          <a:p>
-            <a:r>
-              <a:rPr lang="en-US" dirty="0"/>
-              <a:t>Chapter 1 </a:t>
-            </a:r>
-            <a:r>
-              <a:rPr lang="en-US" sz="2000" dirty="0"/>
-              <a:t>(How to Think Like a Computer Scientist Learning with Python 3)</a:t>
-            </a:r>
-          </a:p>
-          <a:p>
-            <a:endParaRPr lang="en-US" dirty="0"/>
           </a:p>
         </p:txBody>
       </p:sp>
@@ -7209,6 +7899,350 @@
     <p:extLst>
       <p:ext uri="{BB962C8B-B14F-4D97-AF65-F5344CB8AC3E}">
         <p14:creationId xmlns:p14="http://schemas.microsoft.com/office/powerpoint/2010/main" val="2786932843"/>
+      </p:ext>
+    </p:extLst>
+  </p:cSld>
+  <p:clrMapOvr>
+    <a:masterClrMapping/>
+  </p:clrMapOvr>
+</p:sld>
+</file>
+
+<file path=ppt/slides/slide20.xml><?xml version="1.0" encoding="utf-8"?>
+<p:sld xmlns:a="http://schemas.openxmlformats.org/drawingml/2006/main" xmlns:r="http://schemas.openxmlformats.org/officeDocument/2006/relationships" xmlns:p="http://schemas.openxmlformats.org/presentationml/2006/main">
+  <p:cSld>
+    <p:spTree>
+      <p:nvGrpSpPr>
+        <p:cNvPr id="1" name=""/>
+        <p:cNvGrpSpPr/>
+        <p:nvPr/>
+      </p:nvGrpSpPr>
+      <p:grpSpPr>
+        <a:xfrm>
+          <a:off x="0" y="0"/>
+          <a:ext cx="0" cy="0"/>
+          <a:chOff x="0" y="0"/>
+          <a:chExt cx="0" cy="0"/>
+        </a:xfrm>
+      </p:grpSpPr>
+      <p:sp>
+        <p:nvSpPr>
+          <p:cNvPr id="2" name="Title 1">
+            <a:extLst>
+              <a:ext uri="{FF2B5EF4-FFF2-40B4-BE49-F238E27FC236}">
+                <a16:creationId xmlns:a16="http://schemas.microsoft.com/office/drawing/2014/main" id="{4A178EFB-0C3C-3A93-A920-BC12235451CC}"/>
+              </a:ext>
+            </a:extLst>
+          </p:cNvPr>
+          <p:cNvSpPr>
+            <a:spLocks noGrp="1"/>
+          </p:cNvSpPr>
+          <p:nvPr>
+            <p:ph type="title"/>
+          </p:nvPr>
+        </p:nvSpPr>
+        <p:spPr/>
+        <p:txBody>
+          <a:bodyPr/>
+          <a:lstStyle/>
+          <a:p>
+            <a:r>
+              <a:rPr lang="en-US" dirty="0"/>
+              <a:t>Third, register in GitHub</a:t>
+            </a:r>
+          </a:p>
+        </p:txBody>
+      </p:sp>
+      <p:sp>
+        <p:nvSpPr>
+          <p:cNvPr id="4" name="Slide Number Placeholder 3">
+            <a:extLst>
+              <a:ext uri="{FF2B5EF4-FFF2-40B4-BE49-F238E27FC236}">
+                <a16:creationId xmlns:a16="http://schemas.microsoft.com/office/drawing/2014/main" id="{966E5104-2678-330A-1281-D6CBA5AAA018}"/>
+              </a:ext>
+            </a:extLst>
+          </p:cNvPr>
+          <p:cNvSpPr>
+            <a:spLocks noGrp="1"/>
+          </p:cNvSpPr>
+          <p:nvPr>
+            <p:ph type="sldNum" sz="quarter" idx="12"/>
+          </p:nvPr>
+        </p:nvSpPr>
+        <p:spPr/>
+        <p:txBody>
+          <a:bodyPr/>
+          <a:lstStyle/>
+          <a:p>
+            <a:fld id="{0079CAC6-A72B-4EF8-B465-34FA47827E7F}" type="slidenum">
+              <a:rPr lang="en-US" smtClean="0"/>
+              <a:t>20</a:t>
+            </a:fld>
+            <a:endParaRPr lang="en-US" dirty="0"/>
+          </a:p>
+        </p:txBody>
+      </p:sp>
+      <p:pic>
+        <p:nvPicPr>
+          <p:cNvPr id="10" name="Content Placeholder 9">
+            <a:extLst>
+              <a:ext uri="{FF2B5EF4-FFF2-40B4-BE49-F238E27FC236}">
+                <a16:creationId xmlns:a16="http://schemas.microsoft.com/office/drawing/2014/main" id="{FCC025BC-1A07-0E25-4845-34A0B0BC1A91}"/>
+              </a:ext>
+            </a:extLst>
+          </p:cNvPr>
+          <p:cNvPicPr>
+            <a:picLocks noGrp="1" noChangeAspect="1"/>
+          </p:cNvPicPr>
+          <p:nvPr>
+            <p:ph idx="1"/>
+          </p:nvPr>
+        </p:nvPicPr>
+        <p:blipFill>
+          <a:blip r:embed="rId2"/>
+          <a:stretch>
+            <a:fillRect/>
+          </a:stretch>
+        </p:blipFill>
+        <p:spPr>
+          <a:xfrm>
+            <a:off x="2143425" y="2011363"/>
+            <a:ext cx="7903563" cy="4206875"/>
+          </a:xfrm>
+        </p:spPr>
+      </p:pic>
+    </p:spTree>
+    <p:extLst>
+      <p:ext uri="{BB962C8B-B14F-4D97-AF65-F5344CB8AC3E}">
+        <p14:creationId xmlns:p14="http://schemas.microsoft.com/office/powerpoint/2010/main" val="3392395063"/>
+      </p:ext>
+    </p:extLst>
+  </p:cSld>
+  <p:clrMapOvr>
+    <a:masterClrMapping/>
+  </p:clrMapOvr>
+</p:sld>
+</file>
+
+<file path=ppt/slides/slide21.xml><?xml version="1.0" encoding="utf-8"?>
+<p:sld xmlns:a="http://schemas.openxmlformats.org/drawingml/2006/main" xmlns:r="http://schemas.openxmlformats.org/officeDocument/2006/relationships" xmlns:p="http://schemas.openxmlformats.org/presentationml/2006/main">
+  <p:cSld>
+    <p:spTree>
+      <p:nvGrpSpPr>
+        <p:cNvPr id="1" name=""/>
+        <p:cNvGrpSpPr/>
+        <p:nvPr/>
+      </p:nvGrpSpPr>
+      <p:grpSpPr>
+        <a:xfrm>
+          <a:off x="0" y="0"/>
+          <a:ext cx="0" cy="0"/>
+          <a:chOff x="0" y="0"/>
+          <a:chExt cx="0" cy="0"/>
+        </a:xfrm>
+      </p:grpSpPr>
+      <p:sp>
+        <p:nvSpPr>
+          <p:cNvPr id="2" name="Title 1">
+            <a:extLst>
+              <a:ext uri="{FF2B5EF4-FFF2-40B4-BE49-F238E27FC236}">
+                <a16:creationId xmlns:a16="http://schemas.microsoft.com/office/drawing/2014/main" id="{E92F330D-D4D3-1FB3-78DD-69C8BB218F3E}"/>
+              </a:ext>
+            </a:extLst>
+          </p:cNvPr>
+          <p:cNvSpPr>
+            <a:spLocks noGrp="1"/>
+          </p:cNvSpPr>
+          <p:nvPr>
+            <p:ph type="title"/>
+          </p:nvPr>
+        </p:nvSpPr>
+        <p:spPr/>
+        <p:txBody>
+          <a:bodyPr/>
+          <a:lstStyle/>
+          <a:p>
+            <a:r>
+              <a:rPr lang="en-US" dirty="0"/>
+              <a:t>Fourth, install Git</a:t>
+            </a:r>
+          </a:p>
+        </p:txBody>
+      </p:sp>
+      <p:pic>
+        <p:nvPicPr>
+          <p:cNvPr id="6" name="Content Placeholder 5">
+            <a:extLst>
+              <a:ext uri="{FF2B5EF4-FFF2-40B4-BE49-F238E27FC236}">
+                <a16:creationId xmlns:a16="http://schemas.microsoft.com/office/drawing/2014/main" id="{2EB12FFC-DCE6-835D-1322-F360696BD22B}"/>
+              </a:ext>
+            </a:extLst>
+          </p:cNvPr>
+          <p:cNvPicPr>
+            <a:picLocks noGrp="1" noChangeAspect="1"/>
+          </p:cNvPicPr>
+          <p:nvPr>
+            <p:ph idx="1"/>
+          </p:nvPr>
+        </p:nvPicPr>
+        <p:blipFill>
+          <a:blip r:embed="rId2"/>
+          <a:stretch>
+            <a:fillRect/>
+          </a:stretch>
+        </p:blipFill>
+        <p:spPr>
+          <a:xfrm>
+            <a:off x="1664156" y="2011363"/>
+            <a:ext cx="8862101" cy="4206875"/>
+          </a:xfrm>
+        </p:spPr>
+      </p:pic>
+      <p:sp>
+        <p:nvSpPr>
+          <p:cNvPr id="4" name="Slide Number Placeholder 3">
+            <a:extLst>
+              <a:ext uri="{FF2B5EF4-FFF2-40B4-BE49-F238E27FC236}">
+                <a16:creationId xmlns:a16="http://schemas.microsoft.com/office/drawing/2014/main" id="{210DD302-8964-B399-91AB-E798B0E52FE9}"/>
+              </a:ext>
+            </a:extLst>
+          </p:cNvPr>
+          <p:cNvSpPr>
+            <a:spLocks noGrp="1"/>
+          </p:cNvSpPr>
+          <p:nvPr>
+            <p:ph type="sldNum" sz="quarter" idx="12"/>
+          </p:nvPr>
+        </p:nvSpPr>
+        <p:spPr/>
+        <p:txBody>
+          <a:bodyPr/>
+          <a:lstStyle/>
+          <a:p>
+            <a:fld id="{0079CAC6-A72B-4EF8-B465-34FA47827E7F}" type="slidenum">
+              <a:rPr lang="en-US" smtClean="0"/>
+              <a:t>21</a:t>
+            </a:fld>
+            <a:endParaRPr lang="en-US" dirty="0"/>
+          </a:p>
+        </p:txBody>
+      </p:sp>
+    </p:spTree>
+    <p:extLst>
+      <p:ext uri="{BB962C8B-B14F-4D97-AF65-F5344CB8AC3E}">
+        <p14:creationId xmlns:p14="http://schemas.microsoft.com/office/powerpoint/2010/main" val="168768394"/>
+      </p:ext>
+    </p:extLst>
+  </p:cSld>
+  <p:clrMapOvr>
+    <a:masterClrMapping/>
+  </p:clrMapOvr>
+</p:sld>
+</file>
+
+<file path=ppt/slides/slide22.xml><?xml version="1.0" encoding="utf-8"?>
+<p:sld xmlns:a="http://schemas.openxmlformats.org/drawingml/2006/main" xmlns:r="http://schemas.openxmlformats.org/officeDocument/2006/relationships" xmlns:p="http://schemas.openxmlformats.org/presentationml/2006/main">
+  <p:cSld>
+    <p:spTree>
+      <p:nvGrpSpPr>
+        <p:cNvPr id="1" name=""/>
+        <p:cNvGrpSpPr/>
+        <p:nvPr/>
+      </p:nvGrpSpPr>
+      <p:grpSpPr>
+        <a:xfrm>
+          <a:off x="0" y="0"/>
+          <a:ext cx="0" cy="0"/>
+          <a:chOff x="0" y="0"/>
+          <a:chExt cx="0" cy="0"/>
+        </a:xfrm>
+      </p:grpSpPr>
+      <p:sp>
+        <p:nvSpPr>
+          <p:cNvPr id="2" name="Title 1">
+            <a:extLst>
+              <a:ext uri="{FF2B5EF4-FFF2-40B4-BE49-F238E27FC236}">
+                <a16:creationId xmlns:a16="http://schemas.microsoft.com/office/drawing/2014/main" id="{E971B2D1-ED4F-3F7E-6680-17E47645F005}"/>
+              </a:ext>
+            </a:extLst>
+          </p:cNvPr>
+          <p:cNvSpPr>
+            <a:spLocks noGrp="1"/>
+          </p:cNvSpPr>
+          <p:nvPr>
+            <p:ph type="title"/>
+          </p:nvPr>
+        </p:nvSpPr>
+        <p:spPr/>
+        <p:txBody>
+          <a:bodyPr/>
+          <a:lstStyle/>
+          <a:p>
+            <a:r>
+              <a:rPr lang="en-US" dirty="0"/>
+              <a:t>Lecture Resources</a:t>
+            </a:r>
+          </a:p>
+        </p:txBody>
+      </p:sp>
+      <p:sp>
+        <p:nvSpPr>
+          <p:cNvPr id="3" name="Content Placeholder 2">
+            <a:extLst>
+              <a:ext uri="{FF2B5EF4-FFF2-40B4-BE49-F238E27FC236}">
+                <a16:creationId xmlns:a16="http://schemas.microsoft.com/office/drawing/2014/main" id="{048171A8-7BC9-A1CC-24DE-D1A363BFCAAB}"/>
+              </a:ext>
+            </a:extLst>
+          </p:cNvPr>
+          <p:cNvSpPr>
+            <a:spLocks noGrp="1"/>
+          </p:cNvSpPr>
+          <p:nvPr>
+            <p:ph idx="1"/>
+          </p:nvPr>
+        </p:nvSpPr>
+        <p:spPr/>
+        <p:txBody>
+          <a:bodyPr/>
+          <a:lstStyle/>
+          <a:p>
+            <a:endParaRPr lang="en-US"/>
+          </a:p>
+        </p:txBody>
+      </p:sp>
+      <p:sp>
+        <p:nvSpPr>
+          <p:cNvPr id="4" name="Slide Number Placeholder 3">
+            <a:extLst>
+              <a:ext uri="{FF2B5EF4-FFF2-40B4-BE49-F238E27FC236}">
+                <a16:creationId xmlns:a16="http://schemas.microsoft.com/office/drawing/2014/main" id="{1A07D2F6-E8B4-DCE8-6D7F-E8A49CF5128B}"/>
+              </a:ext>
+            </a:extLst>
+          </p:cNvPr>
+          <p:cNvSpPr>
+            <a:spLocks noGrp="1"/>
+          </p:cNvSpPr>
+          <p:nvPr>
+            <p:ph type="sldNum" sz="quarter" idx="12"/>
+          </p:nvPr>
+        </p:nvSpPr>
+        <p:spPr/>
+        <p:txBody>
+          <a:bodyPr/>
+          <a:lstStyle/>
+          <a:p>
+            <a:fld id="{0079CAC6-A72B-4EF8-B465-34FA47827E7F}" type="slidenum">
+              <a:rPr lang="en-US" smtClean="0"/>
+              <a:t>22</a:t>
+            </a:fld>
+            <a:endParaRPr lang="en-US" dirty="0"/>
+          </a:p>
+        </p:txBody>
+      </p:sp>
+    </p:spTree>
+    <p:extLst>
+      <p:ext uri="{BB962C8B-B14F-4D97-AF65-F5344CB8AC3E}">
+        <p14:creationId xmlns:p14="http://schemas.microsoft.com/office/powerpoint/2010/main" val="3233585793"/>
       </p:ext>
     </p:extLst>
   </p:cSld>
@@ -8065,12 +9099,8 @@
           </a:p>
           <a:p>
             <a:r>
-              <a:rPr lang="en-US" dirty="0" err="1"/>
-              <a:t>Github</a:t>
-            </a:r>
-            <a:r>
               <a:rPr lang="en-US" dirty="0"/>
-              <a:t> organization: github.com/</a:t>
+              <a:t>GitHub organization: github.com/</a:t>
             </a:r>
             <a:r>
               <a:rPr lang="en-US" dirty="0" err="1"/>
@@ -8312,7 +9342,7 @@
         <p:spPr>
           <a:xfrm>
             <a:off x="640943" y="2011680"/>
-            <a:ext cx="10989081" cy="4206240"/>
+            <a:ext cx="11551057" cy="4206240"/>
           </a:xfrm>
         </p:spPr>
         <p:txBody>
@@ -8339,11 +9369,11 @@
           <a:p>
             <a:r>
               <a:rPr lang="en-US" dirty="0"/>
-              <a:t>Some meetings with Python experts in different domain </a:t>
+              <a:t>Some meetings with Python experts in different domains </a:t>
             </a:r>
             <a:r>
               <a:rPr lang="en-US" sz="2400" dirty="0"/>
-              <a:t>(may be)</a:t>
+              <a:t>(maybe)</a:t>
             </a:r>
           </a:p>
           <a:p>

--- a/Slide/00-Introduction to Programming Applications with Python.pptx
+++ b/Slide/00-Introduction to Programming Applications with Python.pptx
@@ -5,34 +5,35 @@
     <p:sldMasterId id="2147483714" r:id="rId4"/>
   </p:sldMasterIdLst>
   <p:notesMasterIdLst>
-    <p:notesMasterId r:id="rId27"/>
+    <p:notesMasterId r:id="rId28"/>
   </p:notesMasterIdLst>
   <p:handoutMasterIdLst>
-    <p:handoutMasterId r:id="rId28"/>
+    <p:handoutMasterId r:id="rId29"/>
   </p:handoutMasterIdLst>
   <p:sldIdLst>
     <p:sldId id="263" r:id="rId5"/>
     <p:sldId id="264" r:id="rId6"/>
-    <p:sldId id="275" r:id="rId7"/>
-    <p:sldId id="265" r:id="rId8"/>
-    <p:sldId id="266" r:id="rId9"/>
-    <p:sldId id="267" r:id="rId10"/>
-    <p:sldId id="273" r:id="rId11"/>
-    <p:sldId id="272" r:id="rId12"/>
-    <p:sldId id="270" r:id="rId13"/>
-    <p:sldId id="268" r:id="rId14"/>
-    <p:sldId id="271" r:id="rId15"/>
+    <p:sldId id="265" r:id="rId7"/>
+    <p:sldId id="266" r:id="rId8"/>
+    <p:sldId id="267" r:id="rId9"/>
+    <p:sldId id="273" r:id="rId10"/>
+    <p:sldId id="272" r:id="rId11"/>
+    <p:sldId id="270" r:id="rId12"/>
+    <p:sldId id="268" r:id="rId13"/>
+    <p:sldId id="271" r:id="rId14"/>
+    <p:sldId id="275" r:id="rId15"/>
     <p:sldId id="274" r:id="rId16"/>
     <p:sldId id="276" r:id="rId17"/>
     <p:sldId id="277" r:id="rId18"/>
     <p:sldId id="278" r:id="rId19"/>
     <p:sldId id="279" r:id="rId20"/>
-    <p:sldId id="280" r:id="rId21"/>
-    <p:sldId id="281" r:id="rId22"/>
-    <p:sldId id="282" r:id="rId23"/>
-    <p:sldId id="283" r:id="rId24"/>
-    <p:sldId id="284" r:id="rId25"/>
-    <p:sldId id="269" r:id="rId26"/>
+    <p:sldId id="285" r:id="rId21"/>
+    <p:sldId id="280" r:id="rId22"/>
+    <p:sldId id="281" r:id="rId23"/>
+    <p:sldId id="282" r:id="rId24"/>
+    <p:sldId id="283" r:id="rId25"/>
+    <p:sldId id="284" r:id="rId26"/>
+    <p:sldId id="269" r:id="rId27"/>
   </p:sldIdLst>
   <p:sldSz cx="12192000" cy="6858000"/>
   <p:notesSz cx="6858000" cy="9144000"/>
@@ -3157,6 +3158,90 @@
 </p:notesMaster>
 </file>
 
+<file path=ppt/notesSlides/notesSlide1.xml><?xml version="1.0" encoding="utf-8"?>
+<p:notes xmlns:a="http://schemas.openxmlformats.org/drawingml/2006/main" xmlns:r="http://schemas.openxmlformats.org/officeDocument/2006/relationships" xmlns:p="http://schemas.openxmlformats.org/presentationml/2006/main">
+  <p:cSld>
+    <p:spTree>
+      <p:nvGrpSpPr>
+        <p:cNvPr id="1" name=""/>
+        <p:cNvGrpSpPr/>
+        <p:nvPr/>
+      </p:nvGrpSpPr>
+      <p:grpSpPr>
+        <a:xfrm>
+          <a:off x="0" y="0"/>
+          <a:ext cx="0" cy="0"/>
+          <a:chOff x="0" y="0"/>
+          <a:chExt cx="0" cy="0"/>
+        </a:xfrm>
+      </p:grpSpPr>
+      <p:sp>
+        <p:nvSpPr>
+          <p:cNvPr id="2" name="Slide Image Placeholder 1"/>
+          <p:cNvSpPr>
+            <a:spLocks noGrp="1" noRot="1" noChangeAspect="1"/>
+          </p:cNvSpPr>
+          <p:nvPr>
+            <p:ph type="sldImg"/>
+          </p:nvPr>
+        </p:nvSpPr>
+        <p:spPr/>
+      </p:sp>
+      <p:sp>
+        <p:nvSpPr>
+          <p:cNvPr id="3" name="Notes Placeholder 2"/>
+          <p:cNvSpPr>
+            <a:spLocks noGrp="1"/>
+          </p:cNvSpPr>
+          <p:nvPr>
+            <p:ph type="body" idx="1"/>
+          </p:nvPr>
+        </p:nvSpPr>
+        <p:spPr/>
+        <p:txBody>
+          <a:bodyPr/>
+          <a:lstStyle/>
+          <a:p>
+            <a:endParaRPr lang="en-US" dirty="0"/>
+          </a:p>
+        </p:txBody>
+      </p:sp>
+      <p:sp>
+        <p:nvSpPr>
+          <p:cNvPr id="4" name="Slide Number Placeholder 3"/>
+          <p:cNvSpPr>
+            <a:spLocks noGrp="1"/>
+          </p:cNvSpPr>
+          <p:nvPr>
+            <p:ph type="sldNum" sz="quarter" idx="5"/>
+          </p:nvPr>
+        </p:nvSpPr>
+        <p:spPr/>
+        <p:txBody>
+          <a:bodyPr/>
+          <a:lstStyle/>
+          <a:p>
+            <a:fld id="{C051351B-2C5D-457B-ABE5-B64DBC7BD410}" type="slidenum">
+              <a:rPr lang="en-US" smtClean="0"/>
+              <a:t>1</a:t>
+            </a:fld>
+            <a:endParaRPr lang="en-US" dirty="0"/>
+          </a:p>
+        </p:txBody>
+      </p:sp>
+    </p:spTree>
+    <p:extLst>
+      <p:ext uri="{BB962C8B-B14F-4D97-AF65-F5344CB8AC3E}">
+        <p14:creationId xmlns:p14="http://schemas.microsoft.com/office/powerpoint/2010/main" val="444486631"/>
+      </p:ext>
+    </p:extLst>
+  </p:cSld>
+  <p:clrMapOvr>
+    <a:masterClrMapping/>
+  </p:clrMapOvr>
+</p:notes>
+</file>
+
 <file path=ppt/slideLayouts/slideLayout1.xml><?xml version="1.0" encoding="utf-8"?>
 <p:sldLayout xmlns:a="http://schemas.openxmlformats.org/drawingml/2006/main" xmlns:r="http://schemas.openxmlformats.org/officeDocument/2006/relationships" xmlns:p="http://schemas.openxmlformats.org/presentationml/2006/main" showMasterSp="0" preserve="1" userDrawn="1">
   <p:cSld name="Title Slide">
@@ -3331,7 +3416,7 @@
           <a:bodyPr/>
           <a:lstStyle/>
           <a:p>
-            <a:fld id="{6074E311-61B3-4C81-B0B8-D0B0499EDF44}" type="datetime1">
+            <a:fld id="{530D48CF-CA04-4783-93AD-979ACAA61BAD}" type="datetime1">
               <a:rPr lang="en-US" smtClean="0"/>
               <a:t>2/4/2023</a:t>
             </a:fld>
@@ -3354,6 +3439,10 @@
           <a:bodyPr/>
           <a:lstStyle/>
           <a:p>
+            <a:r>
+              <a:rPr lang="en-US"/>
+              <a:t>Fundamental Programming with Python</a:t>
+            </a:r>
             <a:endParaRPr lang="en-US" dirty="0"/>
           </a:p>
         </p:txBody>
@@ -3606,7 +3695,7 @@
           <a:bodyPr/>
           <a:lstStyle/>
           <a:p>
-            <a:fld id="{EC8B0AB3-EA75-44F4-B7A9-182D362DAF69}" type="datetime1">
+            <a:fld id="{B3CD8F5E-101B-4FAA-9D82-961F1DB1544E}" type="datetime1">
               <a:rPr lang="en-US" smtClean="0"/>
               <a:t>2/4/2023</a:t>
             </a:fld>
@@ -3629,6 +3718,10 @@
           <a:bodyPr/>
           <a:lstStyle/>
           <a:p>
+            <a:r>
+              <a:rPr lang="en-US"/>
+              <a:t>Fundamental Programming with Python</a:t>
+            </a:r>
             <a:endParaRPr lang="en-US" dirty="0"/>
           </a:p>
         </p:txBody>
@@ -3829,7 +3922,7 @@
           <a:bodyPr/>
           <a:lstStyle/>
           <a:p>
-            <a:fld id="{A235529E-EB58-4FBF-9052-A6E39E49FC73}" type="datetime1">
+            <a:fld id="{ED27139F-35B2-43FA-B637-88921C5FFDC1}" type="datetime1">
               <a:rPr lang="en-US" smtClean="0"/>
               <a:t>2/4/2023</a:t>
             </a:fld>
@@ -3857,6 +3950,10 @@
           <a:bodyPr/>
           <a:lstStyle/>
           <a:p>
+            <a:r>
+              <a:rPr lang="en-US"/>
+              <a:t>Fundamental Programming with Python</a:t>
+            </a:r>
             <a:endParaRPr lang="en-US" dirty="0"/>
           </a:p>
         </p:txBody>
@@ -4026,7 +4123,7 @@
           <a:bodyPr/>
           <a:lstStyle/>
           <a:p>
-            <a:fld id="{6AD828D0-73FF-45FC-8793-B830D03711E1}" type="datetime1">
+            <a:fld id="{B70B01E3-C0B1-4B9B-89A9-02A94F8923FD}" type="datetime1">
               <a:rPr lang="en-US" smtClean="0"/>
               <a:t>2/4/2023</a:t>
             </a:fld>
@@ -4049,6 +4146,10 @@
           <a:bodyPr/>
           <a:lstStyle/>
           <a:p>
+            <a:r>
+              <a:rPr lang="en-US"/>
+              <a:t>Fundamental Programming with Python</a:t>
+            </a:r>
             <a:endParaRPr lang="en-US" dirty="0"/>
           </a:p>
         </p:txBody>
@@ -4213,7 +4314,7 @@
             </a:lvl1pPr>
           </a:lstStyle>
           <a:p>
-            <a:fld id="{1AB558FE-2C7B-4123-912E-1E5D22948D53}" type="datetime1">
+            <a:fld id="{AD6E31F1-ECC9-4BD6-B025-EF3978C15B30}" type="datetime1">
               <a:rPr lang="en-US" smtClean="0"/>
               <a:t>2/4/2023</a:t>
             </a:fld>
@@ -4244,6 +4345,10 @@
             </a:lvl1pPr>
           </a:lstStyle>
           <a:p>
+            <a:r>
+              <a:rPr lang="en-US"/>
+              <a:t>Fundamental Programming with Python</a:t>
+            </a:r>
             <a:endParaRPr lang="en-US" dirty="0"/>
           </a:p>
         </p:txBody>
@@ -4517,7 +4622,7 @@
           <a:bodyPr/>
           <a:lstStyle/>
           <a:p>
-            <a:fld id="{A8CE5F95-73A8-45FD-ABA7-FF400A4607EE}" type="datetime1">
+            <a:fld id="{0723E066-FCF7-4D43-8CE1-1C08EC1A1793}" type="datetime1">
               <a:rPr lang="en-US" smtClean="0"/>
               <a:t>2/4/2023</a:t>
             </a:fld>
@@ -4540,6 +4645,10 @@
           <a:bodyPr/>
           <a:lstStyle/>
           <a:p>
+            <a:r>
+              <a:rPr lang="en-US"/>
+              <a:t>Fundamental Programming with Python</a:t>
+            </a:r>
             <a:endParaRPr lang="en-US" dirty="0"/>
           </a:p>
         </p:txBody>
@@ -4944,7 +5053,7 @@
           <a:bodyPr/>
           <a:lstStyle/>
           <a:p>
-            <a:fld id="{EAC7B53F-F9E0-43E1-AB90-5BEE460CF75A}" type="datetime1">
+            <a:fld id="{56DC8794-11C8-4B79-A4E9-18EDC7F6F0E1}" type="datetime1">
               <a:rPr lang="en-US" smtClean="0"/>
               <a:t>2/4/2023</a:t>
             </a:fld>
@@ -4967,6 +5076,10 @@
           <a:bodyPr/>
           <a:lstStyle/>
           <a:p>
+            <a:r>
+              <a:rPr lang="en-US"/>
+              <a:t>Fundamental Programming with Python</a:t>
+            </a:r>
             <a:endParaRPr lang="en-US" dirty="0"/>
           </a:p>
         </p:txBody>
@@ -5067,7 +5180,7 @@
           <a:bodyPr/>
           <a:lstStyle/>
           <a:p>
-            <a:fld id="{5B150EC5-B44F-43FC-A501-7FEFFE4F6855}" type="datetime1">
+            <a:fld id="{A3CD5C23-9E41-495D-915A-9AA2F40B498D}" type="datetime1">
               <a:rPr lang="en-US" smtClean="0"/>
               <a:t>2/4/2023</a:t>
             </a:fld>
@@ -5090,6 +5203,10 @@
           <a:bodyPr/>
           <a:lstStyle/>
           <a:p>
+            <a:r>
+              <a:rPr lang="en-US"/>
+              <a:t>Fundamental Programming with Python</a:t>
+            </a:r>
             <a:endParaRPr lang="en-US" dirty="0"/>
           </a:p>
         </p:txBody>
@@ -5162,7 +5279,7 @@
           <a:bodyPr/>
           <a:lstStyle/>
           <a:p>
-            <a:fld id="{31E6ED20-EE52-4147-A056-CAECD39B6DD3}" type="datetime1">
+            <a:fld id="{44F57D3B-5F64-44A5-AA84-66F74DA0B34C}" type="datetime1">
               <a:rPr lang="en-US" smtClean="0"/>
               <a:t>2/4/2023</a:t>
             </a:fld>
@@ -5185,6 +5302,10 @@
           <a:bodyPr/>
           <a:lstStyle/>
           <a:p>
+            <a:r>
+              <a:rPr lang="en-US"/>
+              <a:t>Fundamental Programming with Python</a:t>
+            </a:r>
             <a:endParaRPr lang="en-US" dirty="0"/>
           </a:p>
         </p:txBody>
@@ -5463,7 +5584,7 @@
           <a:bodyPr/>
           <a:lstStyle/>
           <a:p>
-            <a:fld id="{70856C4D-F40E-4B4D-A3B6-F23A188297A4}" type="datetime1">
+            <a:fld id="{2A0FC8FD-3A4C-43CB-AF34-DC8E25AC924B}" type="datetime1">
               <a:rPr lang="en-US" smtClean="0"/>
               <a:t>2/4/2023</a:t>
             </a:fld>
@@ -5486,6 +5607,10 @@
           <a:bodyPr/>
           <a:lstStyle/>
           <a:p>
+            <a:r>
+              <a:rPr lang="en-US"/>
+              <a:t>Fundamental Programming with Python</a:t>
+            </a:r>
             <a:endParaRPr lang="en-US" dirty="0"/>
           </a:p>
         </p:txBody>
@@ -5733,7 +5858,7 @@
           <a:bodyPr/>
           <a:lstStyle/>
           <a:p>
-            <a:fld id="{F2C932AA-F909-4EEF-A311-9111BDB501FA}" type="datetime1">
+            <a:fld id="{7B82EBCC-AAFA-45D8-862F-DAF4C6B28F16}" type="datetime1">
               <a:rPr lang="en-US" smtClean="0"/>
               <a:t>2/4/2023</a:t>
             </a:fld>
@@ -5756,6 +5881,10 @@
           <a:bodyPr/>
           <a:lstStyle/>
           <a:p>
+            <a:r>
+              <a:rPr lang="en-US"/>
+              <a:t>Fundamental Programming with Python</a:t>
+            </a:r>
             <a:endParaRPr lang="en-US" dirty="0"/>
           </a:p>
         </p:txBody>
@@ -5980,7 +6109,7 @@
             </a:lvl1pPr>
           </a:lstStyle>
           <a:p>
-            <a:fld id="{9E0417C3-F99C-4B9D-880D-CD7CD075C27A}" type="datetime1">
+            <a:fld id="{DDB2D2ED-04BA-4C3B-A1BA-41B691232536}" type="datetime1">
               <a:rPr lang="en-US" smtClean="0"/>
               <a:t>2/4/2023</a:t>
             </a:fld>
@@ -6019,6 +6148,10 @@
             </a:lvl1pPr>
           </a:lstStyle>
           <a:p>
+            <a:r>
+              <a:rPr lang="en-US"/>
+              <a:t>Fundamental Programming with Python</a:t>
+            </a:r>
             <a:endParaRPr lang="en-US" dirty="0"/>
           </a:p>
         </p:txBody>
@@ -6132,7 +6265,7 @@
     <p:sldLayoutId id="2147483724" r:id="rId10"/>
     <p:sldLayoutId id="2147483725" r:id="rId11"/>
   </p:sldLayoutIdLst>
-  <p:hf hdr="0" ftr="0" dt="0"/>
+  <p:hf hdr="0" dt="0"/>
   <p:txStyles>
     <p:titleStyle>
       <a:lvl1pPr algn="l" defTabSz="914400" rtl="0" eaLnBrk="1" latinLnBrk="0" hangingPunct="1">
@@ -6566,34 +6699,146 @@
             <a:endParaRPr lang="en-US" sz="2400" dirty="0"/>
           </a:p>
           <a:p>
-            <a:r>
-              <a:rPr lang="en-US" sz="1600" b="0" i="1" dirty="0">
+            <a:pPr marL="342900" marR="0" lvl="0" indent="-342900" algn="l" defTabSz="914400" rtl="0" eaLnBrk="1" fontAlgn="auto" latinLnBrk="0" hangingPunct="1">
+              <a:lnSpc>
+                <a:spcPct val="100000"/>
+              </a:lnSpc>
+              <a:spcBef>
+                <a:spcPts val="0"/>
+              </a:spcBef>
+              <a:spcAft>
+                <a:spcPts val="0"/>
+              </a:spcAft>
+              <a:buClrTx/>
+              <a:buSzTx/>
+              <a:buFont typeface="Courier New" panose="02070309020205020404" pitchFamily="49" charset="0"/>
+              <a:buChar char="o"/>
+              <a:tabLst/>
+              <a:defRPr/>
+            </a:pPr>
+            <a:r>
+              <a:rPr lang="en-US" b="0" i="1" dirty="0">
                 <a:effectLst/>
                 <a:latin typeface="-apple-system"/>
               </a:rPr>
-              <a:t>- Senior Data Scientist, Adin</a:t>
-            </a:r>
-            <a:br>
-              <a:rPr lang="en-US" sz="1600" i="1" dirty="0"/>
-            </a:br>
-            <a:r>
-              <a:rPr lang="en-US" sz="1600" b="0" i="1" dirty="0">
+              <a:t>Senior Data Scientist, Adin</a:t>
+            </a:r>
+          </a:p>
+          <a:p>
+            <a:pPr marL="342900" marR="0" lvl="0" indent="-342900" algn="l" defTabSz="914400" rtl="0" eaLnBrk="1" fontAlgn="auto" latinLnBrk="0" hangingPunct="1">
+              <a:lnSpc>
+                <a:spcPct val="100000"/>
+              </a:lnSpc>
+              <a:spcBef>
+                <a:spcPts val="0"/>
+              </a:spcBef>
+              <a:spcAft>
+                <a:spcPts val="0"/>
+              </a:spcAft>
+              <a:buClrTx/>
+              <a:buSzTx/>
+              <a:buFont typeface="Courier New" panose="02070309020205020404" pitchFamily="49" charset="0"/>
+              <a:buChar char="o"/>
+              <a:tabLst/>
+              <a:defRPr/>
+            </a:pPr>
+            <a:r>
+              <a:rPr lang="en-US" b="0" i="1" dirty="0">
                 <a:effectLst/>
                 <a:latin typeface="-apple-system"/>
               </a:rPr>
-              <a:t>- Technical AI Product Manager and Advisor, Mehra</a:t>
-            </a:r>
-            <a:br>
-              <a:rPr lang="en-US" sz="1600" i="1" dirty="0"/>
-            </a:br>
-            <a:r>
-              <a:rPr lang="en-US" sz="1600" b="0" i="1" dirty="0">
+              <a:t>Technical AI Product Manager and Advisor, Mehra</a:t>
+            </a:r>
+          </a:p>
+          <a:p>
+            <a:pPr marL="342900" marR="0" lvl="0" indent="-342900" algn="l" defTabSz="914400" rtl="0" eaLnBrk="1" fontAlgn="auto" latinLnBrk="0" hangingPunct="1">
+              <a:lnSpc>
+                <a:spcPct val="100000"/>
+              </a:lnSpc>
+              <a:spcBef>
+                <a:spcPts val="0"/>
+              </a:spcBef>
+              <a:spcAft>
+                <a:spcPts val="0"/>
+              </a:spcAft>
+              <a:buClrTx/>
+              <a:buSzTx/>
+              <a:buFont typeface="Courier New" panose="02070309020205020404" pitchFamily="49" charset="0"/>
+              <a:buChar char="o"/>
+              <a:tabLst/>
+              <a:defRPr/>
+            </a:pPr>
+            <a:r>
+              <a:rPr lang="en-US" i="1" dirty="0">
+                <a:latin typeface="-apple-system"/>
+              </a:rPr>
+              <a:t>NLP Researcher, </a:t>
+            </a:r>
+            <a:r>
+              <a:rPr lang="en-US" i="1" dirty="0" err="1">
+                <a:latin typeface="-apple-system"/>
+              </a:rPr>
+              <a:t>VoXera</a:t>
+            </a:r>
+            <a:endParaRPr lang="en-US" i="1" dirty="0">
+              <a:latin typeface="-apple-system"/>
+            </a:endParaRPr>
+          </a:p>
+          <a:p>
+            <a:pPr marL="342900" marR="0" lvl="0" indent="-342900" algn="l" defTabSz="914400" rtl="0" eaLnBrk="1" fontAlgn="auto" latinLnBrk="0" hangingPunct="1">
+              <a:lnSpc>
+                <a:spcPct val="100000"/>
+              </a:lnSpc>
+              <a:spcBef>
+                <a:spcPts val="0"/>
+              </a:spcBef>
+              <a:spcAft>
+                <a:spcPts val="0"/>
+              </a:spcAft>
+              <a:buClrTx/>
+              <a:buSzTx/>
+              <a:buFont typeface="Courier New" panose="02070309020205020404" pitchFamily="49" charset="0"/>
+              <a:buChar char="o"/>
+              <a:tabLst/>
+              <a:defRPr/>
+            </a:pPr>
+            <a:r>
+              <a:rPr lang="en-US" b="0" i="1" dirty="0">
                 <a:effectLst/>
                 <a:latin typeface="-apple-system"/>
               </a:rPr>
-              <a:t>- Adjunct Professor, Sharif University of Technology</a:t>
-            </a:r>
-            <a:endParaRPr lang="en-US" sz="1600" i="1" dirty="0"/>
+              <a:t>Adjunct Professor, Sharif University of Technology</a:t>
+            </a:r>
+            <a:endParaRPr lang="en-US" i="1" dirty="0"/>
+          </a:p>
+          <a:p>
+            <a:pPr marL="0" marR="0" lvl="0" indent="0" algn="l" defTabSz="914400" rtl="0" eaLnBrk="1" fontAlgn="auto" latinLnBrk="0" hangingPunct="1">
+              <a:lnSpc>
+                <a:spcPct val="100000"/>
+              </a:lnSpc>
+              <a:spcBef>
+                <a:spcPts val="0"/>
+              </a:spcBef>
+              <a:spcAft>
+                <a:spcPts val="0"/>
+              </a:spcAft>
+              <a:buClrTx/>
+              <a:buSzTx/>
+              <a:buFontTx/>
+              <a:buNone/>
+              <a:tabLst/>
+              <a:defRPr/>
+            </a:pPr>
+            <a:endParaRPr lang="en-US" sz="2400" b="0" i="1" dirty="0">
+              <a:effectLst/>
+              <a:latin typeface="-apple-system"/>
+            </a:endParaRPr>
+          </a:p>
+          <a:p>
+            <a:endParaRPr lang="en-US" sz="1400" dirty="0"/>
+          </a:p>
+          <a:p>
+            <a:endParaRPr lang="en-US" sz="2400" dirty="0"/>
           </a:p>
         </p:txBody>
       </p:sp>
@@ -6623,6 +6868,34 @@
               <a:t>1</a:t>
             </a:fld>
             <a:endParaRPr lang="en-US" dirty="0"/>
+          </a:p>
+        </p:txBody>
+      </p:sp>
+      <p:sp>
+        <p:nvSpPr>
+          <p:cNvPr id="2" name="Footer Placeholder 1">
+            <a:extLst>
+              <a:ext uri="{FF2B5EF4-FFF2-40B4-BE49-F238E27FC236}">
+                <a16:creationId xmlns:a16="http://schemas.microsoft.com/office/drawing/2014/main" id="{F0D287BD-4C92-C96B-04AC-579912B80D3C}"/>
+              </a:ext>
+            </a:extLst>
+          </p:cNvPr>
+          <p:cNvSpPr>
+            <a:spLocks noGrp="1"/>
+          </p:cNvSpPr>
+          <p:nvPr>
+            <p:ph type="ftr" sz="quarter" idx="11"/>
+          </p:nvPr>
+        </p:nvSpPr>
+        <p:spPr/>
+        <p:txBody>
+          <a:bodyPr/>
+          <a:lstStyle/>
+          <a:p>
+            <a:r>
+              <a:rPr lang="en-US" dirty="0"/>
+              <a:t>Fundamental Programming with Python</a:t>
+            </a:r>
           </a:p>
         </p:txBody>
       </p:sp>
@@ -6661,7 +6934,7 @@
           <p:cNvPr id="2" name="Title 1">
             <a:extLst>
               <a:ext uri="{FF2B5EF4-FFF2-40B4-BE49-F238E27FC236}">
-                <a16:creationId xmlns:a16="http://schemas.microsoft.com/office/drawing/2014/main" id="{3772ADBF-CEEC-30F3-8F79-9A543325CF92}"/>
+                <a16:creationId xmlns:a16="http://schemas.microsoft.com/office/drawing/2014/main" id="{F7E46E8D-235E-375F-B741-75114D449530}"/>
               </a:ext>
             </a:extLst>
           </p:cNvPr>
@@ -6679,48 +6952,116 @@
           <a:p>
             <a:r>
               <a:rPr lang="en-US" dirty="0"/>
-              <a:t>Be in path</a:t>
-            </a:r>
-          </a:p>
-        </p:txBody>
-      </p:sp>
-      <p:graphicFrame>
-        <p:nvGraphicFramePr>
-          <p:cNvPr id="5" name="Content Placeholder 4">
+              <a:t>TAs plan</a:t>
+            </a:r>
+          </a:p>
+        </p:txBody>
+      </p:sp>
+      <p:sp>
+        <p:nvSpPr>
+          <p:cNvPr id="3" name="Content Placeholder 2">
             <a:extLst>
               <a:ext uri="{FF2B5EF4-FFF2-40B4-BE49-F238E27FC236}">
-                <a16:creationId xmlns:a16="http://schemas.microsoft.com/office/drawing/2014/main" id="{DAF4DD1D-D663-526A-A7A3-111B5165503A}"/>
+                <a16:creationId xmlns:a16="http://schemas.microsoft.com/office/drawing/2014/main" id="{1BE971E8-1A7E-251F-B4B6-DD09B24EA38E}"/>
               </a:ext>
             </a:extLst>
           </p:cNvPr>
-          <p:cNvGraphicFramePr>
-            <a:graphicFrameLocks noGrp="1"/>
-          </p:cNvGraphicFramePr>
+          <p:cNvSpPr>
+            <a:spLocks noGrp="1"/>
+          </p:cNvSpPr>
           <p:nvPr>
             <p:ph idx="1"/>
-            <p:extLst>
-              <p:ext uri="{D42A27DB-BD31-4B8C-83A1-F6EECF244321}">
-                <p14:modId xmlns:p14="http://schemas.microsoft.com/office/powerpoint/2010/main" val="584304422"/>
-              </p:ext>
-            </p:extLst>
-          </p:nvPr>
-        </p:nvGraphicFramePr>
-        <p:xfrm>
-          <a:off x="1203325" y="2011363"/>
-          <a:ext cx="9783763" cy="4206875"/>
-        </p:xfrm>
-        <a:graphic>
-          <a:graphicData uri="http://schemas.openxmlformats.org/drawingml/2006/diagram">
-            <dgm:relIds xmlns:dgm="http://schemas.openxmlformats.org/drawingml/2006/diagram" xmlns:r="http://schemas.openxmlformats.org/officeDocument/2006/relationships" r:dm="rId2" r:lo="rId3" r:qs="rId4" r:cs="rId5"/>
-          </a:graphicData>
-        </a:graphic>
-      </p:graphicFrame>
+          </p:nvPr>
+        </p:nvSpPr>
+        <p:spPr/>
+        <p:txBody>
+          <a:bodyPr>
+            <a:normAutofit fontScale="85000" lnSpcReduction="20000"/>
+          </a:bodyPr>
+          <a:lstStyle/>
+          <a:p>
+            <a:r>
+              <a:rPr lang="en-US" dirty="0"/>
+              <a:t>Python workshop abut AI and DS</a:t>
+            </a:r>
+          </a:p>
+          <a:p>
+            <a:r>
+              <a:rPr lang="en-US" dirty="0"/>
+              <a:t>Python Coding class for assignments</a:t>
+            </a:r>
+          </a:p>
+          <a:p>
+            <a:r>
+              <a:rPr lang="en-US" dirty="0"/>
+              <a:t>Python Event for CE department </a:t>
+            </a:r>
+            <a:r>
+              <a:rPr lang="en-US" sz="2200" dirty="0"/>
+              <a:t>(maybe)</a:t>
+            </a:r>
+            <a:endParaRPr lang="en-US" dirty="0"/>
+          </a:p>
+          <a:p>
+            <a:r>
+              <a:rPr lang="en-US" dirty="0"/>
+              <a:t>Useful Python toolkits in industry:</a:t>
+            </a:r>
+          </a:p>
+          <a:p>
+            <a:pPr lvl="1"/>
+            <a:r>
+              <a:rPr lang="en-US" dirty="0"/>
+              <a:t>Git, GitHub</a:t>
+            </a:r>
+          </a:p>
+          <a:p>
+            <a:pPr lvl="1"/>
+            <a:r>
+              <a:rPr lang="en-US" dirty="0"/>
+              <a:t>Docker</a:t>
+            </a:r>
+          </a:p>
+          <a:p>
+            <a:pPr lvl="1"/>
+            <a:r>
+              <a:rPr lang="en-US" dirty="0" err="1"/>
+              <a:t>FastAPI</a:t>
+            </a:r>
+            <a:endParaRPr lang="en-US" dirty="0"/>
+          </a:p>
+          <a:p>
+            <a:pPr lvl="1"/>
+            <a:r>
+              <a:rPr lang="en-US" dirty="0" err="1"/>
+              <a:t>Dask</a:t>
+            </a:r>
+            <a:endParaRPr lang="en-US" dirty="0"/>
+          </a:p>
+          <a:p>
+            <a:pPr lvl="1"/>
+            <a:r>
+              <a:rPr lang="en-US" dirty="0"/>
+              <a:t>…</a:t>
+            </a:r>
+          </a:p>
+          <a:p>
+            <a:pPr marL="0" indent="0">
+              <a:buNone/>
+            </a:pPr>
+            <a:r>
+              <a:rPr lang="en-US" dirty="0"/>
+              <a:t>					</a:t>
+            </a:r>
+          </a:p>
+        </p:txBody>
+      </p:sp>
       <p:sp>
         <p:nvSpPr>
           <p:cNvPr id="4" name="Slide Number Placeholder 3">
             <a:extLst>
               <a:ext uri="{FF2B5EF4-FFF2-40B4-BE49-F238E27FC236}">
-                <a16:creationId xmlns:a16="http://schemas.microsoft.com/office/drawing/2014/main" id="{3600E7C4-FC58-A4BB-AC4B-06D8DF759583}"/>
+                <a16:creationId xmlns:a16="http://schemas.microsoft.com/office/drawing/2014/main" id="{085672EF-B4D0-01BF-6119-4A0AD6F3EB79}"/>
               </a:ext>
             </a:extLst>
           </p:cNvPr>
@@ -6744,10 +7085,39 @@
           </a:p>
         </p:txBody>
       </p:sp>
+      <p:sp>
+        <p:nvSpPr>
+          <p:cNvPr id="5" name="Footer Placeholder 4">
+            <a:extLst>
+              <a:ext uri="{FF2B5EF4-FFF2-40B4-BE49-F238E27FC236}">
+                <a16:creationId xmlns:a16="http://schemas.microsoft.com/office/drawing/2014/main" id="{1F1E1BF0-142D-56FC-02A0-4219AC2FA93F}"/>
+              </a:ext>
+            </a:extLst>
+          </p:cNvPr>
+          <p:cNvSpPr>
+            <a:spLocks noGrp="1"/>
+          </p:cNvSpPr>
+          <p:nvPr>
+            <p:ph type="ftr" sz="quarter" idx="11"/>
+          </p:nvPr>
+        </p:nvSpPr>
+        <p:spPr/>
+        <p:txBody>
+          <a:bodyPr/>
+          <a:lstStyle/>
+          <a:p>
+            <a:r>
+              <a:rPr lang="en-US"/>
+              <a:t>Fundamental Programming with Python</a:t>
+            </a:r>
+            <a:endParaRPr lang="en-US" dirty="0"/>
+          </a:p>
+        </p:txBody>
+      </p:sp>
     </p:spTree>
     <p:extLst>
       <p:ext uri="{BB962C8B-B14F-4D97-AF65-F5344CB8AC3E}">
-        <p14:creationId xmlns:p14="http://schemas.microsoft.com/office/powerpoint/2010/main" val="2268256869"/>
+        <p14:creationId xmlns:p14="http://schemas.microsoft.com/office/powerpoint/2010/main" val="383317674"/>
       </p:ext>
     </p:extLst>
   </p:cSld>
@@ -6779,1501 +7149,6 @@
           <p:cNvPr id="2" name="Title 1">
             <a:extLst>
               <a:ext uri="{FF2B5EF4-FFF2-40B4-BE49-F238E27FC236}">
-                <a16:creationId xmlns:a16="http://schemas.microsoft.com/office/drawing/2014/main" id="{F7E46E8D-235E-375F-B741-75114D449530}"/>
-              </a:ext>
-            </a:extLst>
-          </p:cNvPr>
-          <p:cNvSpPr>
-            <a:spLocks noGrp="1"/>
-          </p:cNvSpPr>
-          <p:nvPr>
-            <p:ph type="title"/>
-          </p:nvPr>
-        </p:nvSpPr>
-        <p:spPr/>
-        <p:txBody>
-          <a:bodyPr/>
-          <a:lstStyle/>
-          <a:p>
-            <a:r>
-              <a:rPr lang="en-US" dirty="0"/>
-              <a:t>TAs plan</a:t>
-            </a:r>
-          </a:p>
-        </p:txBody>
-      </p:sp>
-      <p:sp>
-        <p:nvSpPr>
-          <p:cNvPr id="3" name="Content Placeholder 2">
-            <a:extLst>
-              <a:ext uri="{FF2B5EF4-FFF2-40B4-BE49-F238E27FC236}">
-                <a16:creationId xmlns:a16="http://schemas.microsoft.com/office/drawing/2014/main" id="{1BE971E8-1A7E-251F-B4B6-DD09B24EA38E}"/>
-              </a:ext>
-            </a:extLst>
-          </p:cNvPr>
-          <p:cNvSpPr>
-            <a:spLocks noGrp="1"/>
-          </p:cNvSpPr>
-          <p:nvPr>
-            <p:ph idx="1"/>
-          </p:nvPr>
-        </p:nvSpPr>
-        <p:spPr/>
-        <p:txBody>
-          <a:bodyPr>
-            <a:normAutofit fontScale="92500" lnSpcReduction="20000"/>
-          </a:bodyPr>
-          <a:lstStyle/>
-          <a:p>
-            <a:r>
-              <a:rPr lang="en-US" dirty="0"/>
-              <a:t>Python workshop abut AI and DS</a:t>
-            </a:r>
-          </a:p>
-          <a:p>
-            <a:r>
-              <a:rPr lang="en-US" dirty="0"/>
-              <a:t>Python Coding class for assignments</a:t>
-            </a:r>
-          </a:p>
-          <a:p>
-            <a:r>
-              <a:rPr lang="en-US" dirty="0"/>
-              <a:t>Python Event for CE department </a:t>
-            </a:r>
-            <a:r>
-              <a:rPr lang="en-US" sz="2200" dirty="0"/>
-              <a:t>(maybe)</a:t>
-            </a:r>
-            <a:endParaRPr lang="en-US" dirty="0"/>
-          </a:p>
-          <a:p>
-            <a:r>
-              <a:rPr lang="en-US" dirty="0"/>
-              <a:t>Useful Python toolkits in industry:</a:t>
-            </a:r>
-          </a:p>
-          <a:p>
-            <a:pPr lvl="1"/>
-            <a:r>
-              <a:rPr lang="en-US" dirty="0"/>
-              <a:t>Git, GitHub</a:t>
-            </a:r>
-          </a:p>
-          <a:p>
-            <a:pPr lvl="1"/>
-            <a:r>
-              <a:rPr lang="en-US" dirty="0"/>
-              <a:t>Docker</a:t>
-            </a:r>
-          </a:p>
-          <a:p>
-            <a:pPr lvl="1"/>
-            <a:r>
-              <a:rPr lang="en-US" dirty="0" err="1"/>
-              <a:t>FastAPI</a:t>
-            </a:r>
-            <a:endParaRPr lang="en-US" dirty="0"/>
-          </a:p>
-          <a:p>
-            <a:pPr lvl="1"/>
-            <a:r>
-              <a:rPr lang="en-US" dirty="0"/>
-              <a:t>…</a:t>
-            </a:r>
-          </a:p>
-          <a:p>
-            <a:pPr marL="0" indent="0">
-              <a:buNone/>
-            </a:pPr>
-            <a:r>
-              <a:rPr lang="en-US" dirty="0"/>
-              <a:t>					</a:t>
-            </a:r>
-          </a:p>
-        </p:txBody>
-      </p:sp>
-      <p:sp>
-        <p:nvSpPr>
-          <p:cNvPr id="4" name="Slide Number Placeholder 3">
-            <a:extLst>
-              <a:ext uri="{FF2B5EF4-FFF2-40B4-BE49-F238E27FC236}">
-                <a16:creationId xmlns:a16="http://schemas.microsoft.com/office/drawing/2014/main" id="{085672EF-B4D0-01BF-6119-4A0AD6F3EB79}"/>
-              </a:ext>
-            </a:extLst>
-          </p:cNvPr>
-          <p:cNvSpPr>
-            <a:spLocks noGrp="1"/>
-          </p:cNvSpPr>
-          <p:nvPr>
-            <p:ph type="sldNum" sz="quarter" idx="12"/>
-          </p:nvPr>
-        </p:nvSpPr>
-        <p:spPr/>
-        <p:txBody>
-          <a:bodyPr/>
-          <a:lstStyle/>
-          <a:p>
-            <a:fld id="{0079CAC6-A72B-4EF8-B465-34FA47827E7F}" type="slidenum">
-              <a:rPr lang="en-US" smtClean="0"/>
-              <a:t>11</a:t>
-            </a:fld>
-            <a:endParaRPr lang="en-US" dirty="0"/>
-          </a:p>
-        </p:txBody>
-      </p:sp>
-    </p:spTree>
-    <p:extLst>
-      <p:ext uri="{BB962C8B-B14F-4D97-AF65-F5344CB8AC3E}">
-        <p14:creationId xmlns:p14="http://schemas.microsoft.com/office/powerpoint/2010/main" val="383317674"/>
-      </p:ext>
-    </p:extLst>
-  </p:cSld>
-  <p:clrMapOvr>
-    <a:masterClrMapping/>
-  </p:clrMapOvr>
-</p:sld>
-</file>
-
-<file path=ppt/slides/slide12.xml><?xml version="1.0" encoding="utf-8"?>
-<p:sld xmlns:a="http://schemas.openxmlformats.org/drawingml/2006/main" xmlns:r="http://schemas.openxmlformats.org/officeDocument/2006/relationships" xmlns:p="http://schemas.openxmlformats.org/presentationml/2006/main">
-  <p:cSld>
-    <p:spTree>
-      <p:nvGrpSpPr>
-        <p:cNvPr id="1" name=""/>
-        <p:cNvGrpSpPr/>
-        <p:nvPr/>
-      </p:nvGrpSpPr>
-      <p:grpSpPr>
-        <a:xfrm>
-          <a:off x="0" y="0"/>
-          <a:ext cx="0" cy="0"/>
-          <a:chOff x="0" y="0"/>
-          <a:chExt cx="0" cy="0"/>
-        </a:xfrm>
-      </p:grpSpPr>
-      <p:sp>
-        <p:nvSpPr>
-          <p:cNvPr id="5" name="Title 4">
-            <a:extLst>
-              <a:ext uri="{FF2B5EF4-FFF2-40B4-BE49-F238E27FC236}">
-                <a16:creationId xmlns:a16="http://schemas.microsoft.com/office/drawing/2014/main" id="{3E1FC432-A453-870C-34F6-F5AB1E824DD3}"/>
-              </a:ext>
-            </a:extLst>
-          </p:cNvPr>
-          <p:cNvSpPr>
-            <a:spLocks noGrp="1"/>
-          </p:cNvSpPr>
-          <p:nvPr>
-            <p:ph type="title"/>
-          </p:nvPr>
-        </p:nvSpPr>
-        <p:spPr/>
-        <p:txBody>
-          <a:bodyPr/>
-          <a:lstStyle/>
-          <a:p>
-            <a:r>
-              <a:rPr lang="en-US" dirty="0"/>
-              <a:t>Discussion about Python in Research and Industries</a:t>
-            </a:r>
-            <a:endParaRPr lang="fa-IR" dirty="0"/>
-          </a:p>
-        </p:txBody>
-      </p:sp>
-      <p:sp>
-        <p:nvSpPr>
-          <p:cNvPr id="4" name="Slide Number Placeholder 3">
-            <a:extLst>
-              <a:ext uri="{FF2B5EF4-FFF2-40B4-BE49-F238E27FC236}">
-                <a16:creationId xmlns:a16="http://schemas.microsoft.com/office/drawing/2014/main" id="{872D2B23-7846-DE1D-E096-383132454A1B}"/>
-              </a:ext>
-            </a:extLst>
-          </p:cNvPr>
-          <p:cNvSpPr>
-            <a:spLocks noGrp="1"/>
-          </p:cNvSpPr>
-          <p:nvPr>
-            <p:ph type="sldNum" sz="quarter" idx="12"/>
-          </p:nvPr>
-        </p:nvSpPr>
-        <p:spPr/>
-        <p:txBody>
-          <a:bodyPr/>
-          <a:lstStyle/>
-          <a:p>
-            <a:fld id="{0079CAC6-A72B-4EF8-B465-34FA47827E7F}" type="slidenum">
-              <a:rPr lang="en-US" smtClean="0"/>
-              <a:t>12</a:t>
-            </a:fld>
-            <a:endParaRPr lang="en-US" dirty="0"/>
-          </a:p>
-        </p:txBody>
-      </p:sp>
-    </p:spTree>
-    <p:extLst>
-      <p:ext uri="{BB962C8B-B14F-4D97-AF65-F5344CB8AC3E}">
-        <p14:creationId xmlns:p14="http://schemas.microsoft.com/office/powerpoint/2010/main" val="1482815393"/>
-      </p:ext>
-    </p:extLst>
-  </p:cSld>
-  <p:clrMapOvr>
-    <a:masterClrMapping/>
-  </p:clrMapOvr>
-</p:sld>
-</file>
-
-<file path=ppt/slides/slide13.xml><?xml version="1.0" encoding="utf-8"?>
-<p:sld xmlns:a="http://schemas.openxmlformats.org/drawingml/2006/main" xmlns:r="http://schemas.openxmlformats.org/officeDocument/2006/relationships" xmlns:p="http://schemas.openxmlformats.org/presentationml/2006/main">
-  <p:cSld>
-    <p:spTree>
-      <p:nvGrpSpPr>
-        <p:cNvPr id="1" name=""/>
-        <p:cNvGrpSpPr/>
-        <p:nvPr/>
-      </p:nvGrpSpPr>
-      <p:grpSpPr>
-        <a:xfrm>
-          <a:off x="0" y="0"/>
-          <a:ext cx="0" cy="0"/>
-          <a:chOff x="0" y="0"/>
-          <a:chExt cx="0" cy="0"/>
-        </a:xfrm>
-      </p:grpSpPr>
-      <p:sp>
-        <p:nvSpPr>
-          <p:cNvPr id="4" name="Title 3">
-            <a:extLst>
-              <a:ext uri="{FF2B5EF4-FFF2-40B4-BE49-F238E27FC236}">
-                <a16:creationId xmlns:a16="http://schemas.microsoft.com/office/drawing/2014/main" id="{CDFAC395-6684-6EC5-A547-29745A5C169E}"/>
-              </a:ext>
-            </a:extLst>
-          </p:cNvPr>
-          <p:cNvSpPr>
-            <a:spLocks noGrp="1"/>
-          </p:cNvSpPr>
-          <p:nvPr>
-            <p:ph type="title"/>
-          </p:nvPr>
-        </p:nvSpPr>
-        <p:spPr/>
-        <p:txBody>
-          <a:bodyPr/>
-          <a:lstStyle/>
-          <a:p>
-            <a:r>
-              <a:rPr lang="en-US" dirty="0"/>
-              <a:t>What is programming?</a:t>
-            </a:r>
-          </a:p>
-        </p:txBody>
-      </p:sp>
-      <p:sp>
-        <p:nvSpPr>
-          <p:cNvPr id="5" name="Content Placeholder 4">
-            <a:extLst>
-              <a:ext uri="{FF2B5EF4-FFF2-40B4-BE49-F238E27FC236}">
-                <a16:creationId xmlns:a16="http://schemas.microsoft.com/office/drawing/2014/main" id="{EE4C67D5-DEBD-312C-10BD-FED589DCCC92}"/>
-              </a:ext>
-            </a:extLst>
-          </p:cNvPr>
-          <p:cNvSpPr>
-            <a:spLocks noGrp="1"/>
-          </p:cNvSpPr>
-          <p:nvPr>
-            <p:ph idx="1"/>
-          </p:nvPr>
-        </p:nvSpPr>
-        <p:spPr/>
-        <p:txBody>
-          <a:bodyPr/>
-          <a:lstStyle/>
-          <a:p>
-            <a:endParaRPr lang="en-US"/>
-          </a:p>
-        </p:txBody>
-      </p:sp>
-      <p:sp>
-        <p:nvSpPr>
-          <p:cNvPr id="3" name="Slide Number Placeholder 2">
-            <a:extLst>
-              <a:ext uri="{FF2B5EF4-FFF2-40B4-BE49-F238E27FC236}">
-                <a16:creationId xmlns:a16="http://schemas.microsoft.com/office/drawing/2014/main" id="{FB79BD38-7419-F0AA-97D9-3A0FCAC0216A}"/>
-              </a:ext>
-            </a:extLst>
-          </p:cNvPr>
-          <p:cNvSpPr>
-            <a:spLocks noGrp="1"/>
-          </p:cNvSpPr>
-          <p:nvPr>
-            <p:ph type="sldNum" sz="quarter" idx="12"/>
-          </p:nvPr>
-        </p:nvSpPr>
-        <p:spPr/>
-        <p:txBody>
-          <a:bodyPr/>
-          <a:lstStyle/>
-          <a:p>
-            <a:fld id="{0079CAC6-A72B-4EF8-B465-34FA47827E7F}" type="slidenum">
-              <a:rPr lang="en-US" smtClean="0"/>
-              <a:t>13</a:t>
-            </a:fld>
-            <a:endParaRPr lang="en-US" dirty="0"/>
-          </a:p>
-        </p:txBody>
-      </p:sp>
-    </p:spTree>
-    <p:extLst>
-      <p:ext uri="{BB962C8B-B14F-4D97-AF65-F5344CB8AC3E}">
-        <p14:creationId xmlns:p14="http://schemas.microsoft.com/office/powerpoint/2010/main" val="1620350319"/>
-      </p:ext>
-    </p:extLst>
-  </p:cSld>
-  <p:clrMapOvr>
-    <a:masterClrMapping/>
-  </p:clrMapOvr>
-</p:sld>
-</file>
-
-<file path=ppt/slides/slide14.xml><?xml version="1.0" encoding="utf-8"?>
-<p:sld xmlns:a="http://schemas.openxmlformats.org/drawingml/2006/main" xmlns:r="http://schemas.openxmlformats.org/officeDocument/2006/relationships" xmlns:p="http://schemas.openxmlformats.org/presentationml/2006/main">
-  <p:cSld>
-    <p:spTree>
-      <p:nvGrpSpPr>
-        <p:cNvPr id="1" name=""/>
-        <p:cNvGrpSpPr/>
-        <p:nvPr/>
-      </p:nvGrpSpPr>
-      <p:grpSpPr>
-        <a:xfrm>
-          <a:off x="0" y="0"/>
-          <a:ext cx="0" cy="0"/>
-          <a:chOff x="0" y="0"/>
-          <a:chExt cx="0" cy="0"/>
-        </a:xfrm>
-      </p:grpSpPr>
-      <p:sp>
-        <p:nvSpPr>
-          <p:cNvPr id="2" name="Title 1">
-            <a:extLst>
-              <a:ext uri="{FF2B5EF4-FFF2-40B4-BE49-F238E27FC236}">
-                <a16:creationId xmlns:a16="http://schemas.microsoft.com/office/drawing/2014/main" id="{6921409E-6881-0281-7758-3BE5076737D2}"/>
-              </a:ext>
-            </a:extLst>
-          </p:cNvPr>
-          <p:cNvSpPr>
-            <a:spLocks noGrp="1"/>
-          </p:cNvSpPr>
-          <p:nvPr>
-            <p:ph type="title"/>
-          </p:nvPr>
-        </p:nvSpPr>
-        <p:spPr/>
-        <p:txBody>
-          <a:bodyPr/>
-          <a:lstStyle/>
-          <a:p>
-            <a:r>
-              <a:rPr lang="en-US" dirty="0"/>
-              <a:t>What is Python?</a:t>
-            </a:r>
-          </a:p>
-        </p:txBody>
-      </p:sp>
-      <p:sp>
-        <p:nvSpPr>
-          <p:cNvPr id="3" name="Content Placeholder 2">
-            <a:extLst>
-              <a:ext uri="{FF2B5EF4-FFF2-40B4-BE49-F238E27FC236}">
-                <a16:creationId xmlns:a16="http://schemas.microsoft.com/office/drawing/2014/main" id="{0BF238A0-F075-0C25-E8F5-2D6C2A6B3888}"/>
-              </a:ext>
-            </a:extLst>
-          </p:cNvPr>
-          <p:cNvSpPr>
-            <a:spLocks noGrp="1"/>
-          </p:cNvSpPr>
-          <p:nvPr>
-            <p:ph idx="1"/>
-          </p:nvPr>
-        </p:nvSpPr>
-        <p:spPr/>
-        <p:txBody>
-          <a:bodyPr/>
-          <a:lstStyle/>
-          <a:p>
-            <a:endParaRPr lang="en-US"/>
-          </a:p>
-        </p:txBody>
-      </p:sp>
-      <p:sp>
-        <p:nvSpPr>
-          <p:cNvPr id="4" name="Slide Number Placeholder 3">
-            <a:extLst>
-              <a:ext uri="{FF2B5EF4-FFF2-40B4-BE49-F238E27FC236}">
-                <a16:creationId xmlns:a16="http://schemas.microsoft.com/office/drawing/2014/main" id="{A9734763-A69F-3C8F-A8B4-07694A112660}"/>
-              </a:ext>
-            </a:extLst>
-          </p:cNvPr>
-          <p:cNvSpPr>
-            <a:spLocks noGrp="1"/>
-          </p:cNvSpPr>
-          <p:nvPr>
-            <p:ph type="sldNum" sz="quarter" idx="12"/>
-          </p:nvPr>
-        </p:nvSpPr>
-        <p:spPr/>
-        <p:txBody>
-          <a:bodyPr/>
-          <a:lstStyle/>
-          <a:p>
-            <a:fld id="{0079CAC6-A72B-4EF8-B465-34FA47827E7F}" type="slidenum">
-              <a:rPr lang="en-US" smtClean="0"/>
-              <a:t>14</a:t>
-            </a:fld>
-            <a:endParaRPr lang="en-US" dirty="0"/>
-          </a:p>
-        </p:txBody>
-      </p:sp>
-    </p:spTree>
-    <p:extLst>
-      <p:ext uri="{BB962C8B-B14F-4D97-AF65-F5344CB8AC3E}">
-        <p14:creationId xmlns:p14="http://schemas.microsoft.com/office/powerpoint/2010/main" val="2926809325"/>
-      </p:ext>
-    </p:extLst>
-  </p:cSld>
-  <p:clrMapOvr>
-    <a:masterClrMapping/>
-  </p:clrMapOvr>
-</p:sld>
-</file>
-
-<file path=ppt/slides/slide15.xml><?xml version="1.0" encoding="utf-8"?>
-<p:sld xmlns:a="http://schemas.openxmlformats.org/drawingml/2006/main" xmlns:r="http://schemas.openxmlformats.org/officeDocument/2006/relationships" xmlns:p="http://schemas.openxmlformats.org/presentationml/2006/main">
-  <p:cSld>
-    <p:spTree>
-      <p:nvGrpSpPr>
-        <p:cNvPr id="1" name=""/>
-        <p:cNvGrpSpPr/>
-        <p:nvPr/>
-      </p:nvGrpSpPr>
-      <p:grpSpPr>
-        <a:xfrm>
-          <a:off x="0" y="0"/>
-          <a:ext cx="0" cy="0"/>
-          <a:chOff x="0" y="0"/>
-          <a:chExt cx="0" cy="0"/>
-        </a:xfrm>
-      </p:grpSpPr>
-      <p:sp>
-        <p:nvSpPr>
-          <p:cNvPr id="2" name="Title 1">
-            <a:extLst>
-              <a:ext uri="{FF2B5EF4-FFF2-40B4-BE49-F238E27FC236}">
-                <a16:creationId xmlns:a16="http://schemas.microsoft.com/office/drawing/2014/main" id="{5ECF98D6-7A9C-162D-C5DB-5E967F002229}"/>
-              </a:ext>
-            </a:extLst>
-          </p:cNvPr>
-          <p:cNvSpPr>
-            <a:spLocks noGrp="1"/>
-          </p:cNvSpPr>
-          <p:nvPr>
-            <p:ph type="title"/>
-          </p:nvPr>
-        </p:nvSpPr>
-        <p:spPr/>
-        <p:txBody>
-          <a:bodyPr/>
-          <a:lstStyle/>
-          <a:p>
-            <a:r>
-              <a:rPr lang="en-US" dirty="0"/>
-              <a:t>Do you know about its applications?</a:t>
-            </a:r>
-          </a:p>
-        </p:txBody>
-      </p:sp>
-      <p:sp>
-        <p:nvSpPr>
-          <p:cNvPr id="3" name="Content Placeholder 2">
-            <a:extLst>
-              <a:ext uri="{FF2B5EF4-FFF2-40B4-BE49-F238E27FC236}">
-                <a16:creationId xmlns:a16="http://schemas.microsoft.com/office/drawing/2014/main" id="{A380C208-D467-BA21-B41F-D68C102D06D3}"/>
-              </a:ext>
-            </a:extLst>
-          </p:cNvPr>
-          <p:cNvSpPr>
-            <a:spLocks noGrp="1"/>
-          </p:cNvSpPr>
-          <p:nvPr>
-            <p:ph idx="1"/>
-          </p:nvPr>
-        </p:nvSpPr>
-        <p:spPr/>
-        <p:txBody>
-          <a:bodyPr/>
-          <a:lstStyle/>
-          <a:p>
-            <a:endParaRPr lang="en-US"/>
-          </a:p>
-        </p:txBody>
-      </p:sp>
-      <p:sp>
-        <p:nvSpPr>
-          <p:cNvPr id="4" name="Slide Number Placeholder 3">
-            <a:extLst>
-              <a:ext uri="{FF2B5EF4-FFF2-40B4-BE49-F238E27FC236}">
-                <a16:creationId xmlns:a16="http://schemas.microsoft.com/office/drawing/2014/main" id="{58F41133-E423-BC64-0577-329B9D774C39}"/>
-              </a:ext>
-            </a:extLst>
-          </p:cNvPr>
-          <p:cNvSpPr>
-            <a:spLocks noGrp="1"/>
-          </p:cNvSpPr>
-          <p:nvPr>
-            <p:ph type="sldNum" sz="quarter" idx="12"/>
-          </p:nvPr>
-        </p:nvSpPr>
-        <p:spPr/>
-        <p:txBody>
-          <a:bodyPr/>
-          <a:lstStyle/>
-          <a:p>
-            <a:fld id="{0079CAC6-A72B-4EF8-B465-34FA47827E7F}" type="slidenum">
-              <a:rPr lang="en-US" smtClean="0"/>
-              <a:t>15</a:t>
-            </a:fld>
-            <a:endParaRPr lang="en-US" dirty="0"/>
-          </a:p>
-        </p:txBody>
-      </p:sp>
-    </p:spTree>
-    <p:extLst>
-      <p:ext uri="{BB962C8B-B14F-4D97-AF65-F5344CB8AC3E}">
-        <p14:creationId xmlns:p14="http://schemas.microsoft.com/office/powerpoint/2010/main" val="4187081450"/>
-      </p:ext>
-    </p:extLst>
-  </p:cSld>
-  <p:clrMapOvr>
-    <a:masterClrMapping/>
-  </p:clrMapOvr>
-</p:sld>
-</file>
-
-<file path=ppt/slides/slide16.xml><?xml version="1.0" encoding="utf-8"?>
-<p:sld xmlns:a="http://schemas.openxmlformats.org/drawingml/2006/main" xmlns:r="http://schemas.openxmlformats.org/officeDocument/2006/relationships" xmlns:p="http://schemas.openxmlformats.org/presentationml/2006/main">
-  <p:cSld>
-    <p:spTree>
-      <p:nvGrpSpPr>
-        <p:cNvPr id="1" name=""/>
-        <p:cNvGrpSpPr/>
-        <p:nvPr/>
-      </p:nvGrpSpPr>
-      <p:grpSpPr>
-        <a:xfrm>
-          <a:off x="0" y="0"/>
-          <a:ext cx="0" cy="0"/>
-          <a:chOff x="0" y="0"/>
-          <a:chExt cx="0" cy="0"/>
-        </a:xfrm>
-      </p:grpSpPr>
-      <p:sp>
-        <p:nvSpPr>
-          <p:cNvPr id="5" name="Title 4">
-            <a:extLst>
-              <a:ext uri="{FF2B5EF4-FFF2-40B4-BE49-F238E27FC236}">
-                <a16:creationId xmlns:a16="http://schemas.microsoft.com/office/drawing/2014/main" id="{3E1FC432-A453-870C-34F6-F5AB1E824DD3}"/>
-              </a:ext>
-            </a:extLst>
-          </p:cNvPr>
-          <p:cNvSpPr>
-            <a:spLocks noGrp="1"/>
-          </p:cNvSpPr>
-          <p:nvPr>
-            <p:ph type="title"/>
-          </p:nvPr>
-        </p:nvSpPr>
-        <p:spPr/>
-        <p:txBody>
-          <a:bodyPr/>
-          <a:lstStyle/>
-          <a:p>
-            <a:r>
-              <a:rPr lang="en-US" dirty="0"/>
-              <a:t>Why we use Python?</a:t>
-            </a:r>
-            <a:endParaRPr lang="fa-IR" dirty="0"/>
-          </a:p>
-        </p:txBody>
-      </p:sp>
-      <p:sp>
-        <p:nvSpPr>
-          <p:cNvPr id="4" name="Slide Number Placeholder 3">
-            <a:extLst>
-              <a:ext uri="{FF2B5EF4-FFF2-40B4-BE49-F238E27FC236}">
-                <a16:creationId xmlns:a16="http://schemas.microsoft.com/office/drawing/2014/main" id="{872D2B23-7846-DE1D-E096-383132454A1B}"/>
-              </a:ext>
-            </a:extLst>
-          </p:cNvPr>
-          <p:cNvSpPr>
-            <a:spLocks noGrp="1"/>
-          </p:cNvSpPr>
-          <p:nvPr>
-            <p:ph type="sldNum" sz="quarter" idx="12"/>
-          </p:nvPr>
-        </p:nvSpPr>
-        <p:spPr/>
-        <p:txBody>
-          <a:bodyPr/>
-          <a:lstStyle/>
-          <a:p>
-            <a:fld id="{0079CAC6-A72B-4EF8-B465-34FA47827E7F}" type="slidenum">
-              <a:rPr lang="en-US" smtClean="0"/>
-              <a:t>16</a:t>
-            </a:fld>
-            <a:endParaRPr lang="en-US" dirty="0"/>
-          </a:p>
-        </p:txBody>
-      </p:sp>
-    </p:spTree>
-    <p:extLst>
-      <p:ext uri="{BB962C8B-B14F-4D97-AF65-F5344CB8AC3E}">
-        <p14:creationId xmlns:p14="http://schemas.microsoft.com/office/powerpoint/2010/main" val="494583432"/>
-      </p:ext>
-    </p:extLst>
-  </p:cSld>
-  <p:clrMapOvr>
-    <a:masterClrMapping/>
-  </p:clrMapOvr>
-</p:sld>
-</file>
-
-<file path=ppt/slides/slide17.xml><?xml version="1.0" encoding="utf-8"?>
-<p:sld xmlns:a="http://schemas.openxmlformats.org/drawingml/2006/main" xmlns:r="http://schemas.openxmlformats.org/officeDocument/2006/relationships" xmlns:p="http://schemas.openxmlformats.org/presentationml/2006/main">
-  <p:cSld>
-    <p:spTree>
-      <p:nvGrpSpPr>
-        <p:cNvPr id="1" name=""/>
-        <p:cNvGrpSpPr/>
-        <p:nvPr/>
-      </p:nvGrpSpPr>
-      <p:grpSpPr>
-        <a:xfrm>
-          <a:off x="0" y="0"/>
-          <a:ext cx="0" cy="0"/>
-          <a:chOff x="0" y="0"/>
-          <a:chExt cx="0" cy="0"/>
-        </a:xfrm>
-      </p:grpSpPr>
-      <p:sp>
-        <p:nvSpPr>
-          <p:cNvPr id="2" name="Title 1">
-            <a:extLst>
-              <a:ext uri="{FF2B5EF4-FFF2-40B4-BE49-F238E27FC236}">
-                <a16:creationId xmlns:a16="http://schemas.microsoft.com/office/drawing/2014/main" id="{46C9694A-76BF-9D2A-8EE9-BC31C9C9BA4B}"/>
-              </a:ext>
-            </a:extLst>
-          </p:cNvPr>
-          <p:cNvSpPr>
-            <a:spLocks noGrp="1"/>
-          </p:cNvSpPr>
-          <p:nvPr>
-            <p:ph type="title"/>
-          </p:nvPr>
-        </p:nvSpPr>
-        <p:spPr/>
-        <p:txBody>
-          <a:bodyPr/>
-          <a:lstStyle/>
-          <a:p>
-            <a:r>
-              <a:rPr lang="en-US" dirty="0"/>
-              <a:t>How to use Python?</a:t>
-            </a:r>
-          </a:p>
-        </p:txBody>
-      </p:sp>
-      <p:sp>
-        <p:nvSpPr>
-          <p:cNvPr id="3" name="Slide Number Placeholder 2">
-            <a:extLst>
-              <a:ext uri="{FF2B5EF4-FFF2-40B4-BE49-F238E27FC236}">
-                <a16:creationId xmlns:a16="http://schemas.microsoft.com/office/drawing/2014/main" id="{0FB8C13E-1F9F-2F6F-E5FF-0C4C2CFB12F6}"/>
-              </a:ext>
-            </a:extLst>
-          </p:cNvPr>
-          <p:cNvSpPr>
-            <a:spLocks noGrp="1"/>
-          </p:cNvSpPr>
-          <p:nvPr>
-            <p:ph type="sldNum" sz="quarter" idx="12"/>
-          </p:nvPr>
-        </p:nvSpPr>
-        <p:spPr/>
-        <p:txBody>
-          <a:bodyPr/>
-          <a:lstStyle/>
-          <a:p>
-            <a:fld id="{0079CAC6-A72B-4EF8-B465-34FA47827E7F}" type="slidenum">
-              <a:rPr lang="en-US" smtClean="0"/>
-              <a:t>17</a:t>
-            </a:fld>
-            <a:endParaRPr lang="en-US" dirty="0"/>
-          </a:p>
-        </p:txBody>
-      </p:sp>
-    </p:spTree>
-    <p:extLst>
-      <p:ext uri="{BB962C8B-B14F-4D97-AF65-F5344CB8AC3E}">
-        <p14:creationId xmlns:p14="http://schemas.microsoft.com/office/powerpoint/2010/main" val="798838522"/>
-      </p:ext>
-    </p:extLst>
-  </p:cSld>
-  <p:clrMapOvr>
-    <a:masterClrMapping/>
-  </p:clrMapOvr>
-</p:sld>
-</file>
-
-<file path=ppt/slides/slide18.xml><?xml version="1.0" encoding="utf-8"?>
-<p:sld xmlns:a="http://schemas.openxmlformats.org/drawingml/2006/main" xmlns:r="http://schemas.openxmlformats.org/officeDocument/2006/relationships" xmlns:p="http://schemas.openxmlformats.org/presentationml/2006/main">
-  <p:cSld>
-    <p:spTree>
-      <p:nvGrpSpPr>
-        <p:cNvPr id="1" name=""/>
-        <p:cNvGrpSpPr/>
-        <p:nvPr/>
-      </p:nvGrpSpPr>
-      <p:grpSpPr>
-        <a:xfrm>
-          <a:off x="0" y="0"/>
-          <a:ext cx="0" cy="0"/>
-          <a:chOff x="0" y="0"/>
-          <a:chExt cx="0" cy="0"/>
-        </a:xfrm>
-      </p:grpSpPr>
-      <p:sp>
-        <p:nvSpPr>
-          <p:cNvPr id="7" name="Title 6">
-            <a:extLst>
-              <a:ext uri="{FF2B5EF4-FFF2-40B4-BE49-F238E27FC236}">
-                <a16:creationId xmlns:a16="http://schemas.microsoft.com/office/drawing/2014/main" id="{13FB7F1A-0AC5-6F75-4C1F-E42F81C38C3A}"/>
-              </a:ext>
-            </a:extLst>
-          </p:cNvPr>
-          <p:cNvSpPr>
-            <a:spLocks noGrp="1"/>
-          </p:cNvSpPr>
-          <p:nvPr>
-            <p:ph type="title"/>
-          </p:nvPr>
-        </p:nvSpPr>
-        <p:spPr/>
-        <p:txBody>
-          <a:bodyPr/>
-          <a:lstStyle/>
-          <a:p>
-            <a:r>
-              <a:rPr lang="en-US" dirty="0"/>
-              <a:t>First, install Python</a:t>
-            </a:r>
-          </a:p>
-        </p:txBody>
-      </p:sp>
-      <p:pic>
-        <p:nvPicPr>
-          <p:cNvPr id="10" name="Content Placeholder 9">
-            <a:extLst>
-              <a:ext uri="{FF2B5EF4-FFF2-40B4-BE49-F238E27FC236}">
-                <a16:creationId xmlns:a16="http://schemas.microsoft.com/office/drawing/2014/main" id="{54D1A209-195C-4A92-6504-343C41F0ED1D}"/>
-              </a:ext>
-            </a:extLst>
-          </p:cNvPr>
-          <p:cNvPicPr>
-            <a:picLocks noGrp="1" noChangeAspect="1"/>
-          </p:cNvPicPr>
-          <p:nvPr>
-            <p:ph idx="1"/>
-          </p:nvPr>
-        </p:nvPicPr>
-        <p:blipFill>
-          <a:blip r:embed="rId2"/>
-          <a:stretch>
-            <a:fillRect/>
-          </a:stretch>
-        </p:blipFill>
-        <p:spPr>
-          <a:xfrm>
-            <a:off x="1624808" y="2011363"/>
-            <a:ext cx="8940796" cy="4206875"/>
-          </a:xfrm>
-        </p:spPr>
-      </p:pic>
-      <p:sp>
-        <p:nvSpPr>
-          <p:cNvPr id="3" name="Slide Number Placeholder 2">
-            <a:extLst>
-              <a:ext uri="{FF2B5EF4-FFF2-40B4-BE49-F238E27FC236}">
-                <a16:creationId xmlns:a16="http://schemas.microsoft.com/office/drawing/2014/main" id="{632CE4F3-484D-2B19-6DCD-60CA5CFDF11B}"/>
-              </a:ext>
-            </a:extLst>
-          </p:cNvPr>
-          <p:cNvSpPr>
-            <a:spLocks noGrp="1"/>
-          </p:cNvSpPr>
-          <p:nvPr>
-            <p:ph type="sldNum" sz="quarter" idx="12"/>
-          </p:nvPr>
-        </p:nvSpPr>
-        <p:spPr/>
-        <p:txBody>
-          <a:bodyPr/>
-          <a:lstStyle/>
-          <a:p>
-            <a:fld id="{0079CAC6-A72B-4EF8-B465-34FA47827E7F}" type="slidenum">
-              <a:rPr lang="en-US" smtClean="0"/>
-              <a:t>18</a:t>
-            </a:fld>
-            <a:endParaRPr lang="en-US" dirty="0"/>
-          </a:p>
-        </p:txBody>
-      </p:sp>
-    </p:spTree>
-    <p:extLst>
-      <p:ext uri="{BB962C8B-B14F-4D97-AF65-F5344CB8AC3E}">
-        <p14:creationId xmlns:p14="http://schemas.microsoft.com/office/powerpoint/2010/main" val="3201571866"/>
-      </p:ext>
-    </p:extLst>
-  </p:cSld>
-  <p:clrMapOvr>
-    <a:masterClrMapping/>
-  </p:clrMapOvr>
-</p:sld>
-</file>
-
-<file path=ppt/slides/slide19.xml><?xml version="1.0" encoding="utf-8"?>
-<p:sld xmlns:a="http://schemas.openxmlformats.org/drawingml/2006/main" xmlns:r="http://schemas.openxmlformats.org/officeDocument/2006/relationships" xmlns:p="http://schemas.openxmlformats.org/presentationml/2006/main">
-  <p:cSld>
-    <p:spTree>
-      <p:nvGrpSpPr>
-        <p:cNvPr id="1" name=""/>
-        <p:cNvGrpSpPr/>
-        <p:nvPr/>
-      </p:nvGrpSpPr>
-      <p:grpSpPr>
-        <a:xfrm>
-          <a:off x="0" y="0"/>
-          <a:ext cx="0" cy="0"/>
-          <a:chOff x="0" y="0"/>
-          <a:chExt cx="0" cy="0"/>
-        </a:xfrm>
-      </p:grpSpPr>
-      <p:sp>
-        <p:nvSpPr>
-          <p:cNvPr id="2" name="Title 1">
-            <a:extLst>
-              <a:ext uri="{FF2B5EF4-FFF2-40B4-BE49-F238E27FC236}">
-                <a16:creationId xmlns:a16="http://schemas.microsoft.com/office/drawing/2014/main" id="{9A2A0C82-C8E1-97BC-230C-F1AA19FFD2F5}"/>
-              </a:ext>
-            </a:extLst>
-          </p:cNvPr>
-          <p:cNvSpPr>
-            <a:spLocks noGrp="1"/>
-          </p:cNvSpPr>
-          <p:nvPr>
-            <p:ph type="title"/>
-          </p:nvPr>
-        </p:nvSpPr>
-        <p:spPr/>
-        <p:txBody>
-          <a:bodyPr/>
-          <a:lstStyle/>
-          <a:p>
-            <a:r>
-              <a:rPr lang="en-US" dirty="0"/>
-              <a:t>Second, install visual studio code (</a:t>
-            </a:r>
-            <a:r>
-              <a:rPr lang="en-US" dirty="0" err="1"/>
-              <a:t>vscode</a:t>
-            </a:r>
-            <a:r>
-              <a:rPr lang="en-US" dirty="0"/>
-              <a:t>)</a:t>
-            </a:r>
-          </a:p>
-        </p:txBody>
-      </p:sp>
-      <p:sp>
-        <p:nvSpPr>
-          <p:cNvPr id="4" name="Slide Number Placeholder 3">
-            <a:extLst>
-              <a:ext uri="{FF2B5EF4-FFF2-40B4-BE49-F238E27FC236}">
-                <a16:creationId xmlns:a16="http://schemas.microsoft.com/office/drawing/2014/main" id="{FF8BAAC5-35CC-9BCF-42E0-8977DA25B7E6}"/>
-              </a:ext>
-            </a:extLst>
-          </p:cNvPr>
-          <p:cNvSpPr>
-            <a:spLocks noGrp="1"/>
-          </p:cNvSpPr>
-          <p:nvPr>
-            <p:ph type="sldNum" sz="quarter" idx="12"/>
-          </p:nvPr>
-        </p:nvSpPr>
-        <p:spPr/>
-        <p:txBody>
-          <a:bodyPr/>
-          <a:lstStyle/>
-          <a:p>
-            <a:fld id="{0079CAC6-A72B-4EF8-B465-34FA47827E7F}" type="slidenum">
-              <a:rPr lang="en-US" smtClean="0"/>
-              <a:t>19</a:t>
-            </a:fld>
-            <a:endParaRPr lang="en-US" dirty="0"/>
-          </a:p>
-        </p:txBody>
-      </p:sp>
-      <p:pic>
-        <p:nvPicPr>
-          <p:cNvPr id="5" name="Content Placeholder 5">
-            <a:extLst>
-              <a:ext uri="{FF2B5EF4-FFF2-40B4-BE49-F238E27FC236}">
-                <a16:creationId xmlns:a16="http://schemas.microsoft.com/office/drawing/2014/main" id="{CF1C0A80-386A-5684-5008-8D9DEA7B0CE3}"/>
-              </a:ext>
-            </a:extLst>
-          </p:cNvPr>
-          <p:cNvPicPr>
-            <a:picLocks noGrp="1" noChangeAspect="1"/>
-          </p:cNvPicPr>
-          <p:nvPr>
-            <p:ph idx="1"/>
-          </p:nvPr>
-        </p:nvPicPr>
-        <p:blipFill>
-          <a:blip r:embed="rId2"/>
-          <a:stretch>
-            <a:fillRect/>
-          </a:stretch>
-        </p:blipFill>
-        <p:spPr>
-          <a:xfrm>
-            <a:off x="1609935" y="2011363"/>
-            <a:ext cx="8970542" cy="4206875"/>
-          </a:xfrm>
-        </p:spPr>
-      </p:pic>
-    </p:spTree>
-    <p:extLst>
-      <p:ext uri="{BB962C8B-B14F-4D97-AF65-F5344CB8AC3E}">
-        <p14:creationId xmlns:p14="http://schemas.microsoft.com/office/powerpoint/2010/main" val="791333922"/>
-      </p:ext>
-    </p:extLst>
-  </p:cSld>
-  <p:clrMapOvr>
-    <a:masterClrMapping/>
-  </p:clrMapOvr>
-</p:sld>
-</file>
-
-<file path=ppt/slides/slide2.xml><?xml version="1.0" encoding="utf-8"?>
-<p:sld xmlns:a="http://schemas.openxmlformats.org/drawingml/2006/main" xmlns:r="http://schemas.openxmlformats.org/officeDocument/2006/relationships" xmlns:p="http://schemas.openxmlformats.org/presentationml/2006/main">
-  <p:cSld>
-    <p:spTree>
-      <p:nvGrpSpPr>
-        <p:cNvPr id="1" name=""/>
-        <p:cNvGrpSpPr/>
-        <p:nvPr/>
-      </p:nvGrpSpPr>
-      <p:grpSpPr>
-        <a:xfrm>
-          <a:off x="0" y="0"/>
-          <a:ext cx="0" cy="0"/>
-          <a:chOff x="0" y="0"/>
-          <a:chExt cx="0" cy="0"/>
-        </a:xfrm>
-      </p:grpSpPr>
-      <p:sp>
-        <p:nvSpPr>
-          <p:cNvPr id="2" name="Title 1">
-            <a:extLst>
-              <a:ext uri="{FF2B5EF4-FFF2-40B4-BE49-F238E27FC236}">
-                <a16:creationId xmlns:a16="http://schemas.microsoft.com/office/drawing/2014/main" id="{87B1A73B-6C72-C6E9-38EE-574B6DD11391}"/>
-              </a:ext>
-            </a:extLst>
-          </p:cNvPr>
-          <p:cNvSpPr>
-            <a:spLocks noGrp="1"/>
-          </p:cNvSpPr>
-          <p:nvPr>
-            <p:ph type="title"/>
-          </p:nvPr>
-        </p:nvSpPr>
-        <p:spPr/>
-        <p:txBody>
-          <a:bodyPr/>
-          <a:lstStyle/>
-          <a:p>
-            <a:r>
-              <a:rPr lang="en-US" dirty="0"/>
-              <a:t>Today</a:t>
-            </a:r>
-          </a:p>
-        </p:txBody>
-      </p:sp>
-      <p:sp>
-        <p:nvSpPr>
-          <p:cNvPr id="3" name="Content Placeholder 2">
-            <a:extLst>
-              <a:ext uri="{FF2B5EF4-FFF2-40B4-BE49-F238E27FC236}">
-                <a16:creationId xmlns:a16="http://schemas.microsoft.com/office/drawing/2014/main" id="{8F365F2D-194E-E711-907C-908961A12084}"/>
-              </a:ext>
-            </a:extLst>
-          </p:cNvPr>
-          <p:cNvSpPr>
-            <a:spLocks noGrp="1"/>
-          </p:cNvSpPr>
-          <p:nvPr>
-            <p:ph idx="1"/>
-          </p:nvPr>
-        </p:nvSpPr>
-        <p:spPr/>
-        <p:txBody>
-          <a:bodyPr/>
-          <a:lstStyle/>
-          <a:p>
-            <a:r>
-              <a:rPr lang="en-US" dirty="0"/>
-              <a:t>Course Information</a:t>
-            </a:r>
-          </a:p>
-          <a:p>
-            <a:r>
-              <a:rPr lang="en-US" dirty="0"/>
-              <a:t>Discussion about Programming and Python in Research and Industries</a:t>
-            </a:r>
-          </a:p>
-          <a:p>
-            <a:r>
-              <a:rPr lang="en-US" dirty="0"/>
-              <a:t>Why we use Python</a:t>
-            </a:r>
-          </a:p>
-          <a:p>
-            <a:r>
-              <a:rPr lang="en-US" dirty="0"/>
-              <a:t>How to use Python</a:t>
-            </a:r>
-            <a:endParaRPr lang="fa-IR" dirty="0"/>
-          </a:p>
-        </p:txBody>
-      </p:sp>
-      <p:sp>
-        <p:nvSpPr>
-          <p:cNvPr id="4" name="Slide Number Placeholder 3">
-            <a:extLst>
-              <a:ext uri="{FF2B5EF4-FFF2-40B4-BE49-F238E27FC236}">
-                <a16:creationId xmlns:a16="http://schemas.microsoft.com/office/drawing/2014/main" id="{2556300D-25DE-4DCB-83C2-F8447A300882}"/>
-              </a:ext>
-            </a:extLst>
-          </p:cNvPr>
-          <p:cNvSpPr>
-            <a:spLocks noGrp="1"/>
-          </p:cNvSpPr>
-          <p:nvPr>
-            <p:ph type="sldNum" sz="quarter" idx="12"/>
-          </p:nvPr>
-        </p:nvSpPr>
-        <p:spPr/>
-        <p:txBody>
-          <a:bodyPr/>
-          <a:lstStyle/>
-          <a:p>
-            <a:fld id="{0079CAC6-A72B-4EF8-B465-34FA47827E7F}" type="slidenum">
-              <a:rPr lang="en-US" smtClean="0"/>
-              <a:t>2</a:t>
-            </a:fld>
-            <a:endParaRPr lang="en-US" dirty="0"/>
-          </a:p>
-        </p:txBody>
-      </p:sp>
-    </p:spTree>
-    <p:extLst>
-      <p:ext uri="{BB962C8B-B14F-4D97-AF65-F5344CB8AC3E}">
-        <p14:creationId xmlns:p14="http://schemas.microsoft.com/office/powerpoint/2010/main" val="2786932843"/>
-      </p:ext>
-    </p:extLst>
-  </p:cSld>
-  <p:clrMapOvr>
-    <a:masterClrMapping/>
-  </p:clrMapOvr>
-</p:sld>
-</file>
-
-<file path=ppt/slides/slide20.xml><?xml version="1.0" encoding="utf-8"?>
-<p:sld xmlns:a="http://schemas.openxmlformats.org/drawingml/2006/main" xmlns:r="http://schemas.openxmlformats.org/officeDocument/2006/relationships" xmlns:p="http://schemas.openxmlformats.org/presentationml/2006/main">
-  <p:cSld>
-    <p:spTree>
-      <p:nvGrpSpPr>
-        <p:cNvPr id="1" name=""/>
-        <p:cNvGrpSpPr/>
-        <p:nvPr/>
-      </p:nvGrpSpPr>
-      <p:grpSpPr>
-        <a:xfrm>
-          <a:off x="0" y="0"/>
-          <a:ext cx="0" cy="0"/>
-          <a:chOff x="0" y="0"/>
-          <a:chExt cx="0" cy="0"/>
-        </a:xfrm>
-      </p:grpSpPr>
-      <p:sp>
-        <p:nvSpPr>
-          <p:cNvPr id="2" name="Title 1">
-            <a:extLst>
-              <a:ext uri="{FF2B5EF4-FFF2-40B4-BE49-F238E27FC236}">
-                <a16:creationId xmlns:a16="http://schemas.microsoft.com/office/drawing/2014/main" id="{4A178EFB-0C3C-3A93-A920-BC12235451CC}"/>
-              </a:ext>
-            </a:extLst>
-          </p:cNvPr>
-          <p:cNvSpPr>
-            <a:spLocks noGrp="1"/>
-          </p:cNvSpPr>
-          <p:nvPr>
-            <p:ph type="title"/>
-          </p:nvPr>
-        </p:nvSpPr>
-        <p:spPr/>
-        <p:txBody>
-          <a:bodyPr/>
-          <a:lstStyle/>
-          <a:p>
-            <a:r>
-              <a:rPr lang="en-US" dirty="0"/>
-              <a:t>Third, register in GitHub</a:t>
-            </a:r>
-          </a:p>
-        </p:txBody>
-      </p:sp>
-      <p:sp>
-        <p:nvSpPr>
-          <p:cNvPr id="4" name="Slide Number Placeholder 3">
-            <a:extLst>
-              <a:ext uri="{FF2B5EF4-FFF2-40B4-BE49-F238E27FC236}">
-                <a16:creationId xmlns:a16="http://schemas.microsoft.com/office/drawing/2014/main" id="{966E5104-2678-330A-1281-D6CBA5AAA018}"/>
-              </a:ext>
-            </a:extLst>
-          </p:cNvPr>
-          <p:cNvSpPr>
-            <a:spLocks noGrp="1"/>
-          </p:cNvSpPr>
-          <p:nvPr>
-            <p:ph type="sldNum" sz="quarter" idx="12"/>
-          </p:nvPr>
-        </p:nvSpPr>
-        <p:spPr/>
-        <p:txBody>
-          <a:bodyPr/>
-          <a:lstStyle/>
-          <a:p>
-            <a:fld id="{0079CAC6-A72B-4EF8-B465-34FA47827E7F}" type="slidenum">
-              <a:rPr lang="en-US" smtClean="0"/>
-              <a:t>20</a:t>
-            </a:fld>
-            <a:endParaRPr lang="en-US" dirty="0"/>
-          </a:p>
-        </p:txBody>
-      </p:sp>
-      <p:pic>
-        <p:nvPicPr>
-          <p:cNvPr id="10" name="Content Placeholder 9">
-            <a:extLst>
-              <a:ext uri="{FF2B5EF4-FFF2-40B4-BE49-F238E27FC236}">
-                <a16:creationId xmlns:a16="http://schemas.microsoft.com/office/drawing/2014/main" id="{FCC025BC-1A07-0E25-4845-34A0B0BC1A91}"/>
-              </a:ext>
-            </a:extLst>
-          </p:cNvPr>
-          <p:cNvPicPr>
-            <a:picLocks noGrp="1" noChangeAspect="1"/>
-          </p:cNvPicPr>
-          <p:nvPr>
-            <p:ph idx="1"/>
-          </p:nvPr>
-        </p:nvPicPr>
-        <p:blipFill>
-          <a:blip r:embed="rId2"/>
-          <a:stretch>
-            <a:fillRect/>
-          </a:stretch>
-        </p:blipFill>
-        <p:spPr>
-          <a:xfrm>
-            <a:off x="2143425" y="2011363"/>
-            <a:ext cx="7903563" cy="4206875"/>
-          </a:xfrm>
-        </p:spPr>
-      </p:pic>
-    </p:spTree>
-    <p:extLst>
-      <p:ext uri="{BB962C8B-B14F-4D97-AF65-F5344CB8AC3E}">
-        <p14:creationId xmlns:p14="http://schemas.microsoft.com/office/powerpoint/2010/main" val="3392395063"/>
-      </p:ext>
-    </p:extLst>
-  </p:cSld>
-  <p:clrMapOvr>
-    <a:masterClrMapping/>
-  </p:clrMapOvr>
-</p:sld>
-</file>
-
-<file path=ppt/slides/slide21.xml><?xml version="1.0" encoding="utf-8"?>
-<p:sld xmlns:a="http://schemas.openxmlformats.org/drawingml/2006/main" xmlns:r="http://schemas.openxmlformats.org/officeDocument/2006/relationships" xmlns:p="http://schemas.openxmlformats.org/presentationml/2006/main">
-  <p:cSld>
-    <p:spTree>
-      <p:nvGrpSpPr>
-        <p:cNvPr id="1" name=""/>
-        <p:cNvGrpSpPr/>
-        <p:nvPr/>
-      </p:nvGrpSpPr>
-      <p:grpSpPr>
-        <a:xfrm>
-          <a:off x="0" y="0"/>
-          <a:ext cx="0" cy="0"/>
-          <a:chOff x="0" y="0"/>
-          <a:chExt cx="0" cy="0"/>
-        </a:xfrm>
-      </p:grpSpPr>
-      <p:sp>
-        <p:nvSpPr>
-          <p:cNvPr id="2" name="Title 1">
-            <a:extLst>
-              <a:ext uri="{FF2B5EF4-FFF2-40B4-BE49-F238E27FC236}">
-                <a16:creationId xmlns:a16="http://schemas.microsoft.com/office/drawing/2014/main" id="{E92F330D-D4D3-1FB3-78DD-69C8BB218F3E}"/>
-              </a:ext>
-            </a:extLst>
-          </p:cNvPr>
-          <p:cNvSpPr>
-            <a:spLocks noGrp="1"/>
-          </p:cNvSpPr>
-          <p:nvPr>
-            <p:ph type="title"/>
-          </p:nvPr>
-        </p:nvSpPr>
-        <p:spPr/>
-        <p:txBody>
-          <a:bodyPr/>
-          <a:lstStyle/>
-          <a:p>
-            <a:r>
-              <a:rPr lang="en-US" dirty="0"/>
-              <a:t>Fourth, install Git</a:t>
-            </a:r>
-          </a:p>
-        </p:txBody>
-      </p:sp>
-      <p:pic>
-        <p:nvPicPr>
-          <p:cNvPr id="6" name="Content Placeholder 5">
-            <a:extLst>
-              <a:ext uri="{FF2B5EF4-FFF2-40B4-BE49-F238E27FC236}">
-                <a16:creationId xmlns:a16="http://schemas.microsoft.com/office/drawing/2014/main" id="{2EB12FFC-DCE6-835D-1322-F360696BD22B}"/>
-              </a:ext>
-            </a:extLst>
-          </p:cNvPr>
-          <p:cNvPicPr>
-            <a:picLocks noGrp="1" noChangeAspect="1"/>
-          </p:cNvPicPr>
-          <p:nvPr>
-            <p:ph idx="1"/>
-          </p:nvPr>
-        </p:nvPicPr>
-        <p:blipFill>
-          <a:blip r:embed="rId2"/>
-          <a:stretch>
-            <a:fillRect/>
-          </a:stretch>
-        </p:blipFill>
-        <p:spPr>
-          <a:xfrm>
-            <a:off x="1664156" y="2011363"/>
-            <a:ext cx="8862101" cy="4206875"/>
-          </a:xfrm>
-        </p:spPr>
-      </p:pic>
-      <p:sp>
-        <p:nvSpPr>
-          <p:cNvPr id="4" name="Slide Number Placeholder 3">
-            <a:extLst>
-              <a:ext uri="{FF2B5EF4-FFF2-40B4-BE49-F238E27FC236}">
-                <a16:creationId xmlns:a16="http://schemas.microsoft.com/office/drawing/2014/main" id="{210DD302-8964-B399-91AB-E798B0E52FE9}"/>
-              </a:ext>
-            </a:extLst>
-          </p:cNvPr>
-          <p:cNvSpPr>
-            <a:spLocks noGrp="1"/>
-          </p:cNvSpPr>
-          <p:nvPr>
-            <p:ph type="sldNum" sz="quarter" idx="12"/>
-          </p:nvPr>
-        </p:nvSpPr>
-        <p:spPr/>
-        <p:txBody>
-          <a:bodyPr/>
-          <a:lstStyle/>
-          <a:p>
-            <a:fld id="{0079CAC6-A72B-4EF8-B465-34FA47827E7F}" type="slidenum">
-              <a:rPr lang="en-US" smtClean="0"/>
-              <a:t>21</a:t>
-            </a:fld>
-            <a:endParaRPr lang="en-US" dirty="0"/>
-          </a:p>
-        </p:txBody>
-      </p:sp>
-    </p:spTree>
-    <p:extLst>
-      <p:ext uri="{BB962C8B-B14F-4D97-AF65-F5344CB8AC3E}">
-        <p14:creationId xmlns:p14="http://schemas.microsoft.com/office/powerpoint/2010/main" val="168768394"/>
-      </p:ext>
-    </p:extLst>
-  </p:cSld>
-  <p:clrMapOvr>
-    <a:masterClrMapping/>
-  </p:clrMapOvr>
-</p:sld>
-</file>
-
-<file path=ppt/slides/slide22.xml><?xml version="1.0" encoding="utf-8"?>
-<p:sld xmlns:a="http://schemas.openxmlformats.org/drawingml/2006/main" xmlns:r="http://schemas.openxmlformats.org/officeDocument/2006/relationships" xmlns:p="http://schemas.openxmlformats.org/presentationml/2006/main">
-  <p:cSld>
-    <p:spTree>
-      <p:nvGrpSpPr>
-        <p:cNvPr id="1" name=""/>
-        <p:cNvGrpSpPr/>
-        <p:nvPr/>
-      </p:nvGrpSpPr>
-      <p:grpSpPr>
-        <a:xfrm>
-          <a:off x="0" y="0"/>
-          <a:ext cx="0" cy="0"/>
-          <a:chOff x="0" y="0"/>
-          <a:chExt cx="0" cy="0"/>
-        </a:xfrm>
-      </p:grpSpPr>
-      <p:sp>
-        <p:nvSpPr>
-          <p:cNvPr id="2" name="Title 1">
-            <a:extLst>
-              <a:ext uri="{FF2B5EF4-FFF2-40B4-BE49-F238E27FC236}">
-                <a16:creationId xmlns:a16="http://schemas.microsoft.com/office/drawing/2014/main" id="{E971B2D1-ED4F-3F7E-6680-17E47645F005}"/>
-              </a:ext>
-            </a:extLst>
-          </p:cNvPr>
-          <p:cNvSpPr>
-            <a:spLocks noGrp="1"/>
-          </p:cNvSpPr>
-          <p:nvPr>
-            <p:ph type="title"/>
-          </p:nvPr>
-        </p:nvSpPr>
-        <p:spPr/>
-        <p:txBody>
-          <a:bodyPr/>
-          <a:lstStyle/>
-          <a:p>
-            <a:r>
-              <a:rPr lang="en-US" dirty="0"/>
-              <a:t>Lecture Resources</a:t>
-            </a:r>
-          </a:p>
-        </p:txBody>
-      </p:sp>
-      <p:sp>
-        <p:nvSpPr>
-          <p:cNvPr id="3" name="Content Placeholder 2">
-            <a:extLst>
-              <a:ext uri="{FF2B5EF4-FFF2-40B4-BE49-F238E27FC236}">
-                <a16:creationId xmlns:a16="http://schemas.microsoft.com/office/drawing/2014/main" id="{048171A8-7BC9-A1CC-24DE-D1A363BFCAAB}"/>
-              </a:ext>
-            </a:extLst>
-          </p:cNvPr>
-          <p:cNvSpPr>
-            <a:spLocks noGrp="1"/>
-          </p:cNvSpPr>
-          <p:nvPr>
-            <p:ph idx="1"/>
-          </p:nvPr>
-        </p:nvSpPr>
-        <p:spPr/>
-        <p:txBody>
-          <a:bodyPr/>
-          <a:lstStyle/>
-          <a:p>
-            <a:endParaRPr lang="en-US"/>
-          </a:p>
-        </p:txBody>
-      </p:sp>
-      <p:sp>
-        <p:nvSpPr>
-          <p:cNvPr id="4" name="Slide Number Placeholder 3">
-            <a:extLst>
-              <a:ext uri="{FF2B5EF4-FFF2-40B4-BE49-F238E27FC236}">
-                <a16:creationId xmlns:a16="http://schemas.microsoft.com/office/drawing/2014/main" id="{1A07D2F6-E8B4-DCE8-6D7F-E8A49CF5128B}"/>
-              </a:ext>
-            </a:extLst>
-          </p:cNvPr>
-          <p:cNvSpPr>
-            <a:spLocks noGrp="1"/>
-          </p:cNvSpPr>
-          <p:nvPr>
-            <p:ph type="sldNum" sz="quarter" idx="12"/>
-          </p:nvPr>
-        </p:nvSpPr>
-        <p:spPr/>
-        <p:txBody>
-          <a:bodyPr/>
-          <a:lstStyle/>
-          <a:p>
-            <a:fld id="{0079CAC6-A72B-4EF8-B465-34FA47827E7F}" type="slidenum">
-              <a:rPr lang="en-US" smtClean="0"/>
-              <a:t>22</a:t>
-            </a:fld>
-            <a:endParaRPr lang="en-US" dirty="0"/>
-          </a:p>
-        </p:txBody>
-      </p:sp>
-    </p:spTree>
-    <p:extLst>
-      <p:ext uri="{BB962C8B-B14F-4D97-AF65-F5344CB8AC3E}">
-        <p14:creationId xmlns:p14="http://schemas.microsoft.com/office/powerpoint/2010/main" val="3233585793"/>
-      </p:ext>
-    </p:extLst>
-  </p:cSld>
-  <p:clrMapOvr>
-    <a:masterClrMapping/>
-  </p:clrMapOvr>
-</p:sld>
-</file>
-
-<file path=ppt/slides/slide3.xml><?xml version="1.0" encoding="utf-8"?>
-<p:sld xmlns:a="http://schemas.openxmlformats.org/drawingml/2006/main" xmlns:r="http://schemas.openxmlformats.org/officeDocument/2006/relationships" xmlns:p="http://schemas.openxmlformats.org/presentationml/2006/main">
-  <p:cSld>
-    <p:spTree>
-      <p:nvGrpSpPr>
-        <p:cNvPr id="1" name=""/>
-        <p:cNvGrpSpPr/>
-        <p:nvPr/>
-      </p:nvGrpSpPr>
-      <p:grpSpPr>
-        <a:xfrm>
-          <a:off x="0" y="0"/>
-          <a:ext cx="0" cy="0"/>
-          <a:chOff x="0" y="0"/>
-          <a:chExt cx="0" cy="0"/>
-        </a:xfrm>
-      </p:grpSpPr>
-      <p:sp>
-        <p:nvSpPr>
-          <p:cNvPr id="2" name="Title 1">
-            <a:extLst>
-              <a:ext uri="{FF2B5EF4-FFF2-40B4-BE49-F238E27FC236}">
                 <a16:creationId xmlns:a16="http://schemas.microsoft.com/office/drawing/2014/main" id="{0FFAB9E4-D363-08F5-1FFF-9B47DA24D796}"/>
               </a:ext>
             </a:extLst>
@@ -8324,7 +7199,7 @@
           <a:p>
             <a:fld id="{0079CAC6-A72B-4EF8-B465-34FA47827E7F}" type="slidenum">
               <a:rPr lang="en-US" smtClean="0"/>
-              <a:t>3</a:t>
+              <a:t>11</a:t>
             </a:fld>
             <a:endParaRPr lang="en-US" dirty="0"/>
           </a:p>
@@ -8509,10 +7384,2149 @@
           </a:p>
         </p:txBody>
       </p:sp>
+      <p:sp>
+        <p:nvSpPr>
+          <p:cNvPr id="3" name="Footer Placeholder 2">
+            <a:extLst>
+              <a:ext uri="{FF2B5EF4-FFF2-40B4-BE49-F238E27FC236}">
+                <a16:creationId xmlns:a16="http://schemas.microsoft.com/office/drawing/2014/main" id="{ADC01087-2BCF-4DB6-F8E4-00BA749D1CCA}"/>
+              </a:ext>
+            </a:extLst>
+          </p:cNvPr>
+          <p:cNvSpPr>
+            <a:spLocks noGrp="1"/>
+          </p:cNvSpPr>
+          <p:nvPr>
+            <p:ph type="ftr" sz="quarter" idx="11"/>
+          </p:nvPr>
+        </p:nvSpPr>
+        <p:spPr/>
+        <p:txBody>
+          <a:bodyPr/>
+          <a:lstStyle/>
+          <a:p>
+            <a:r>
+              <a:rPr lang="en-US"/>
+              <a:t>Fundamental Programming with Python</a:t>
+            </a:r>
+            <a:endParaRPr lang="en-US" dirty="0"/>
+          </a:p>
+        </p:txBody>
+      </p:sp>
     </p:spTree>
     <p:extLst>
       <p:ext uri="{BB962C8B-B14F-4D97-AF65-F5344CB8AC3E}">
         <p14:creationId xmlns:p14="http://schemas.microsoft.com/office/powerpoint/2010/main" val="2267688858"/>
+      </p:ext>
+    </p:extLst>
+  </p:cSld>
+  <p:clrMapOvr>
+    <a:masterClrMapping/>
+  </p:clrMapOvr>
+</p:sld>
+</file>
+
+<file path=ppt/slides/slide12.xml><?xml version="1.0" encoding="utf-8"?>
+<p:sld xmlns:a="http://schemas.openxmlformats.org/drawingml/2006/main" xmlns:r="http://schemas.openxmlformats.org/officeDocument/2006/relationships" xmlns:p="http://schemas.openxmlformats.org/presentationml/2006/main">
+  <p:cSld>
+    <p:spTree>
+      <p:nvGrpSpPr>
+        <p:cNvPr id="1" name=""/>
+        <p:cNvGrpSpPr/>
+        <p:nvPr/>
+      </p:nvGrpSpPr>
+      <p:grpSpPr>
+        <a:xfrm>
+          <a:off x="0" y="0"/>
+          <a:ext cx="0" cy="0"/>
+          <a:chOff x="0" y="0"/>
+          <a:chExt cx="0" cy="0"/>
+        </a:xfrm>
+      </p:grpSpPr>
+      <p:sp>
+        <p:nvSpPr>
+          <p:cNvPr id="5" name="Title 4">
+            <a:extLst>
+              <a:ext uri="{FF2B5EF4-FFF2-40B4-BE49-F238E27FC236}">
+                <a16:creationId xmlns:a16="http://schemas.microsoft.com/office/drawing/2014/main" id="{3E1FC432-A453-870C-34F6-F5AB1E824DD3}"/>
+              </a:ext>
+            </a:extLst>
+          </p:cNvPr>
+          <p:cNvSpPr>
+            <a:spLocks noGrp="1"/>
+          </p:cNvSpPr>
+          <p:nvPr>
+            <p:ph type="title"/>
+          </p:nvPr>
+        </p:nvSpPr>
+        <p:spPr/>
+        <p:txBody>
+          <a:bodyPr/>
+          <a:lstStyle/>
+          <a:p>
+            <a:r>
+              <a:rPr lang="en-US" dirty="0"/>
+              <a:t>Discussion about Python in Research and Industries</a:t>
+            </a:r>
+            <a:endParaRPr lang="fa-IR" dirty="0"/>
+          </a:p>
+        </p:txBody>
+      </p:sp>
+      <p:sp>
+        <p:nvSpPr>
+          <p:cNvPr id="4" name="Slide Number Placeholder 3">
+            <a:extLst>
+              <a:ext uri="{FF2B5EF4-FFF2-40B4-BE49-F238E27FC236}">
+                <a16:creationId xmlns:a16="http://schemas.microsoft.com/office/drawing/2014/main" id="{872D2B23-7846-DE1D-E096-383132454A1B}"/>
+              </a:ext>
+            </a:extLst>
+          </p:cNvPr>
+          <p:cNvSpPr>
+            <a:spLocks noGrp="1"/>
+          </p:cNvSpPr>
+          <p:nvPr>
+            <p:ph type="sldNum" sz="quarter" idx="12"/>
+          </p:nvPr>
+        </p:nvSpPr>
+        <p:spPr/>
+        <p:txBody>
+          <a:bodyPr/>
+          <a:lstStyle/>
+          <a:p>
+            <a:fld id="{0079CAC6-A72B-4EF8-B465-34FA47827E7F}" type="slidenum">
+              <a:rPr lang="en-US" smtClean="0"/>
+              <a:t>12</a:t>
+            </a:fld>
+            <a:endParaRPr lang="en-US" dirty="0"/>
+          </a:p>
+        </p:txBody>
+      </p:sp>
+      <p:sp>
+        <p:nvSpPr>
+          <p:cNvPr id="2" name="Footer Placeholder 1">
+            <a:extLst>
+              <a:ext uri="{FF2B5EF4-FFF2-40B4-BE49-F238E27FC236}">
+                <a16:creationId xmlns:a16="http://schemas.microsoft.com/office/drawing/2014/main" id="{2F0D17F8-2B41-B08E-623A-F33C53DDDA0D}"/>
+              </a:ext>
+            </a:extLst>
+          </p:cNvPr>
+          <p:cNvSpPr>
+            <a:spLocks noGrp="1"/>
+          </p:cNvSpPr>
+          <p:nvPr>
+            <p:ph type="ftr" sz="quarter" idx="11"/>
+          </p:nvPr>
+        </p:nvSpPr>
+        <p:spPr/>
+        <p:txBody>
+          <a:bodyPr/>
+          <a:lstStyle/>
+          <a:p>
+            <a:r>
+              <a:rPr lang="en-US"/>
+              <a:t>Fundamental Programming with Python</a:t>
+            </a:r>
+            <a:endParaRPr lang="en-US" dirty="0"/>
+          </a:p>
+        </p:txBody>
+      </p:sp>
+    </p:spTree>
+    <p:extLst>
+      <p:ext uri="{BB962C8B-B14F-4D97-AF65-F5344CB8AC3E}">
+        <p14:creationId xmlns:p14="http://schemas.microsoft.com/office/powerpoint/2010/main" val="1482815393"/>
+      </p:ext>
+    </p:extLst>
+  </p:cSld>
+  <p:clrMapOvr>
+    <a:masterClrMapping/>
+  </p:clrMapOvr>
+</p:sld>
+</file>
+
+<file path=ppt/slides/slide13.xml><?xml version="1.0" encoding="utf-8"?>
+<p:sld xmlns:a="http://schemas.openxmlformats.org/drawingml/2006/main" xmlns:r="http://schemas.openxmlformats.org/officeDocument/2006/relationships" xmlns:p="http://schemas.openxmlformats.org/presentationml/2006/main">
+  <p:cSld>
+    <p:spTree>
+      <p:nvGrpSpPr>
+        <p:cNvPr id="1" name=""/>
+        <p:cNvGrpSpPr/>
+        <p:nvPr/>
+      </p:nvGrpSpPr>
+      <p:grpSpPr>
+        <a:xfrm>
+          <a:off x="0" y="0"/>
+          <a:ext cx="0" cy="0"/>
+          <a:chOff x="0" y="0"/>
+          <a:chExt cx="0" cy="0"/>
+        </a:xfrm>
+      </p:grpSpPr>
+      <p:sp>
+        <p:nvSpPr>
+          <p:cNvPr id="4" name="Title 3">
+            <a:extLst>
+              <a:ext uri="{FF2B5EF4-FFF2-40B4-BE49-F238E27FC236}">
+                <a16:creationId xmlns:a16="http://schemas.microsoft.com/office/drawing/2014/main" id="{CDFAC395-6684-6EC5-A547-29745A5C169E}"/>
+              </a:ext>
+            </a:extLst>
+          </p:cNvPr>
+          <p:cNvSpPr>
+            <a:spLocks noGrp="1"/>
+          </p:cNvSpPr>
+          <p:nvPr>
+            <p:ph type="title"/>
+          </p:nvPr>
+        </p:nvSpPr>
+        <p:spPr/>
+        <p:txBody>
+          <a:bodyPr/>
+          <a:lstStyle/>
+          <a:p>
+            <a:r>
+              <a:rPr lang="en-US" dirty="0"/>
+              <a:t>What is programming?</a:t>
+            </a:r>
+          </a:p>
+        </p:txBody>
+      </p:sp>
+      <p:sp>
+        <p:nvSpPr>
+          <p:cNvPr id="5" name="Content Placeholder 4">
+            <a:extLst>
+              <a:ext uri="{FF2B5EF4-FFF2-40B4-BE49-F238E27FC236}">
+                <a16:creationId xmlns:a16="http://schemas.microsoft.com/office/drawing/2014/main" id="{EE4C67D5-DEBD-312C-10BD-FED589DCCC92}"/>
+              </a:ext>
+            </a:extLst>
+          </p:cNvPr>
+          <p:cNvSpPr>
+            <a:spLocks noGrp="1"/>
+          </p:cNvSpPr>
+          <p:nvPr>
+            <p:ph idx="1"/>
+          </p:nvPr>
+        </p:nvSpPr>
+        <p:spPr/>
+        <p:txBody>
+          <a:bodyPr/>
+          <a:lstStyle/>
+          <a:p>
+            <a:endParaRPr lang="en-US"/>
+          </a:p>
+        </p:txBody>
+      </p:sp>
+      <p:sp>
+        <p:nvSpPr>
+          <p:cNvPr id="3" name="Slide Number Placeholder 2">
+            <a:extLst>
+              <a:ext uri="{FF2B5EF4-FFF2-40B4-BE49-F238E27FC236}">
+                <a16:creationId xmlns:a16="http://schemas.microsoft.com/office/drawing/2014/main" id="{FB79BD38-7419-F0AA-97D9-3A0FCAC0216A}"/>
+              </a:ext>
+            </a:extLst>
+          </p:cNvPr>
+          <p:cNvSpPr>
+            <a:spLocks noGrp="1"/>
+          </p:cNvSpPr>
+          <p:nvPr>
+            <p:ph type="sldNum" sz="quarter" idx="12"/>
+          </p:nvPr>
+        </p:nvSpPr>
+        <p:spPr/>
+        <p:txBody>
+          <a:bodyPr/>
+          <a:lstStyle/>
+          <a:p>
+            <a:fld id="{0079CAC6-A72B-4EF8-B465-34FA47827E7F}" type="slidenum">
+              <a:rPr lang="en-US" smtClean="0"/>
+              <a:t>13</a:t>
+            </a:fld>
+            <a:endParaRPr lang="en-US" dirty="0"/>
+          </a:p>
+        </p:txBody>
+      </p:sp>
+      <p:sp>
+        <p:nvSpPr>
+          <p:cNvPr id="6" name="Footer Placeholder 5">
+            <a:extLst>
+              <a:ext uri="{FF2B5EF4-FFF2-40B4-BE49-F238E27FC236}">
+                <a16:creationId xmlns:a16="http://schemas.microsoft.com/office/drawing/2014/main" id="{099A35A8-647A-055B-A1A7-0623308AADBA}"/>
+              </a:ext>
+            </a:extLst>
+          </p:cNvPr>
+          <p:cNvSpPr>
+            <a:spLocks noGrp="1"/>
+          </p:cNvSpPr>
+          <p:nvPr>
+            <p:ph type="ftr" sz="quarter" idx="11"/>
+          </p:nvPr>
+        </p:nvSpPr>
+        <p:spPr/>
+        <p:txBody>
+          <a:bodyPr/>
+          <a:lstStyle/>
+          <a:p>
+            <a:r>
+              <a:rPr lang="en-US"/>
+              <a:t>Fundamental Programming with Python</a:t>
+            </a:r>
+            <a:endParaRPr lang="en-US" dirty="0"/>
+          </a:p>
+        </p:txBody>
+      </p:sp>
+    </p:spTree>
+    <p:extLst>
+      <p:ext uri="{BB962C8B-B14F-4D97-AF65-F5344CB8AC3E}">
+        <p14:creationId xmlns:p14="http://schemas.microsoft.com/office/powerpoint/2010/main" val="1620350319"/>
+      </p:ext>
+    </p:extLst>
+  </p:cSld>
+  <p:clrMapOvr>
+    <a:masterClrMapping/>
+  </p:clrMapOvr>
+</p:sld>
+</file>
+
+<file path=ppt/slides/slide14.xml><?xml version="1.0" encoding="utf-8"?>
+<p:sld xmlns:a="http://schemas.openxmlformats.org/drawingml/2006/main" xmlns:r="http://schemas.openxmlformats.org/officeDocument/2006/relationships" xmlns:p="http://schemas.openxmlformats.org/presentationml/2006/main">
+  <p:cSld>
+    <p:spTree>
+      <p:nvGrpSpPr>
+        <p:cNvPr id="1" name=""/>
+        <p:cNvGrpSpPr/>
+        <p:nvPr/>
+      </p:nvGrpSpPr>
+      <p:grpSpPr>
+        <a:xfrm>
+          <a:off x="0" y="0"/>
+          <a:ext cx="0" cy="0"/>
+          <a:chOff x="0" y="0"/>
+          <a:chExt cx="0" cy="0"/>
+        </a:xfrm>
+      </p:grpSpPr>
+      <p:sp>
+        <p:nvSpPr>
+          <p:cNvPr id="2" name="Title 1">
+            <a:extLst>
+              <a:ext uri="{FF2B5EF4-FFF2-40B4-BE49-F238E27FC236}">
+                <a16:creationId xmlns:a16="http://schemas.microsoft.com/office/drawing/2014/main" id="{6921409E-6881-0281-7758-3BE5076737D2}"/>
+              </a:ext>
+            </a:extLst>
+          </p:cNvPr>
+          <p:cNvSpPr>
+            <a:spLocks noGrp="1"/>
+          </p:cNvSpPr>
+          <p:nvPr>
+            <p:ph type="title"/>
+          </p:nvPr>
+        </p:nvSpPr>
+        <p:spPr/>
+        <p:txBody>
+          <a:bodyPr/>
+          <a:lstStyle/>
+          <a:p>
+            <a:r>
+              <a:rPr lang="en-US" dirty="0"/>
+              <a:t>What is Python?</a:t>
+            </a:r>
+          </a:p>
+        </p:txBody>
+      </p:sp>
+      <p:sp>
+        <p:nvSpPr>
+          <p:cNvPr id="3" name="Content Placeholder 2">
+            <a:extLst>
+              <a:ext uri="{FF2B5EF4-FFF2-40B4-BE49-F238E27FC236}">
+                <a16:creationId xmlns:a16="http://schemas.microsoft.com/office/drawing/2014/main" id="{0BF238A0-F075-0C25-E8F5-2D6C2A6B3888}"/>
+              </a:ext>
+            </a:extLst>
+          </p:cNvPr>
+          <p:cNvSpPr>
+            <a:spLocks noGrp="1"/>
+          </p:cNvSpPr>
+          <p:nvPr>
+            <p:ph idx="1"/>
+          </p:nvPr>
+        </p:nvSpPr>
+        <p:spPr/>
+        <p:txBody>
+          <a:bodyPr/>
+          <a:lstStyle/>
+          <a:p>
+            <a:endParaRPr lang="en-US"/>
+          </a:p>
+        </p:txBody>
+      </p:sp>
+      <p:sp>
+        <p:nvSpPr>
+          <p:cNvPr id="4" name="Slide Number Placeholder 3">
+            <a:extLst>
+              <a:ext uri="{FF2B5EF4-FFF2-40B4-BE49-F238E27FC236}">
+                <a16:creationId xmlns:a16="http://schemas.microsoft.com/office/drawing/2014/main" id="{A9734763-A69F-3C8F-A8B4-07694A112660}"/>
+              </a:ext>
+            </a:extLst>
+          </p:cNvPr>
+          <p:cNvSpPr>
+            <a:spLocks noGrp="1"/>
+          </p:cNvSpPr>
+          <p:nvPr>
+            <p:ph type="sldNum" sz="quarter" idx="12"/>
+          </p:nvPr>
+        </p:nvSpPr>
+        <p:spPr/>
+        <p:txBody>
+          <a:bodyPr/>
+          <a:lstStyle/>
+          <a:p>
+            <a:fld id="{0079CAC6-A72B-4EF8-B465-34FA47827E7F}" type="slidenum">
+              <a:rPr lang="en-US" smtClean="0"/>
+              <a:t>14</a:t>
+            </a:fld>
+            <a:endParaRPr lang="en-US" dirty="0"/>
+          </a:p>
+        </p:txBody>
+      </p:sp>
+      <p:sp>
+        <p:nvSpPr>
+          <p:cNvPr id="5" name="Footer Placeholder 4">
+            <a:extLst>
+              <a:ext uri="{FF2B5EF4-FFF2-40B4-BE49-F238E27FC236}">
+                <a16:creationId xmlns:a16="http://schemas.microsoft.com/office/drawing/2014/main" id="{ED8EF56F-F825-ACC6-A628-28AD38651766}"/>
+              </a:ext>
+            </a:extLst>
+          </p:cNvPr>
+          <p:cNvSpPr>
+            <a:spLocks noGrp="1"/>
+          </p:cNvSpPr>
+          <p:nvPr>
+            <p:ph type="ftr" sz="quarter" idx="11"/>
+          </p:nvPr>
+        </p:nvSpPr>
+        <p:spPr/>
+        <p:txBody>
+          <a:bodyPr/>
+          <a:lstStyle/>
+          <a:p>
+            <a:r>
+              <a:rPr lang="en-US"/>
+              <a:t>Fundamental Programming with Python</a:t>
+            </a:r>
+            <a:endParaRPr lang="en-US" dirty="0"/>
+          </a:p>
+        </p:txBody>
+      </p:sp>
+    </p:spTree>
+    <p:extLst>
+      <p:ext uri="{BB962C8B-B14F-4D97-AF65-F5344CB8AC3E}">
+        <p14:creationId xmlns:p14="http://schemas.microsoft.com/office/powerpoint/2010/main" val="2926809325"/>
+      </p:ext>
+    </p:extLst>
+  </p:cSld>
+  <p:clrMapOvr>
+    <a:masterClrMapping/>
+  </p:clrMapOvr>
+</p:sld>
+</file>
+
+<file path=ppt/slides/slide15.xml><?xml version="1.0" encoding="utf-8"?>
+<p:sld xmlns:a="http://schemas.openxmlformats.org/drawingml/2006/main" xmlns:r="http://schemas.openxmlformats.org/officeDocument/2006/relationships" xmlns:p="http://schemas.openxmlformats.org/presentationml/2006/main">
+  <p:cSld>
+    <p:spTree>
+      <p:nvGrpSpPr>
+        <p:cNvPr id="1" name=""/>
+        <p:cNvGrpSpPr/>
+        <p:nvPr/>
+      </p:nvGrpSpPr>
+      <p:grpSpPr>
+        <a:xfrm>
+          <a:off x="0" y="0"/>
+          <a:ext cx="0" cy="0"/>
+          <a:chOff x="0" y="0"/>
+          <a:chExt cx="0" cy="0"/>
+        </a:xfrm>
+      </p:grpSpPr>
+      <p:sp>
+        <p:nvSpPr>
+          <p:cNvPr id="2" name="Title 1">
+            <a:extLst>
+              <a:ext uri="{FF2B5EF4-FFF2-40B4-BE49-F238E27FC236}">
+                <a16:creationId xmlns:a16="http://schemas.microsoft.com/office/drawing/2014/main" id="{5ECF98D6-7A9C-162D-C5DB-5E967F002229}"/>
+              </a:ext>
+            </a:extLst>
+          </p:cNvPr>
+          <p:cNvSpPr>
+            <a:spLocks noGrp="1"/>
+          </p:cNvSpPr>
+          <p:nvPr>
+            <p:ph type="title"/>
+          </p:nvPr>
+        </p:nvSpPr>
+        <p:spPr/>
+        <p:txBody>
+          <a:bodyPr/>
+          <a:lstStyle/>
+          <a:p>
+            <a:r>
+              <a:rPr lang="en-US" dirty="0"/>
+              <a:t>Do you know about its applications?</a:t>
+            </a:r>
+          </a:p>
+        </p:txBody>
+      </p:sp>
+      <p:pic>
+        <p:nvPicPr>
+          <p:cNvPr id="10" name="Content Placeholder 9">
+            <a:extLst>
+              <a:ext uri="{FF2B5EF4-FFF2-40B4-BE49-F238E27FC236}">
+                <a16:creationId xmlns:a16="http://schemas.microsoft.com/office/drawing/2014/main" id="{ABE8BFFB-5ADD-46E4-97C1-07E004E8FC21}"/>
+              </a:ext>
+            </a:extLst>
+          </p:cNvPr>
+          <p:cNvPicPr>
+            <a:picLocks noGrp="1" noChangeAspect="1"/>
+          </p:cNvPicPr>
+          <p:nvPr>
+            <p:ph idx="1"/>
+          </p:nvPr>
+        </p:nvPicPr>
+        <p:blipFill>
+          <a:blip r:embed="rId2"/>
+          <a:stretch>
+            <a:fillRect/>
+          </a:stretch>
+        </p:blipFill>
+        <p:spPr>
+          <a:xfrm>
+            <a:off x="2075899" y="2011363"/>
+            <a:ext cx="8038614" cy="4206875"/>
+          </a:xfrm>
+        </p:spPr>
+      </p:pic>
+      <p:sp>
+        <p:nvSpPr>
+          <p:cNvPr id="4" name="Slide Number Placeholder 3">
+            <a:extLst>
+              <a:ext uri="{FF2B5EF4-FFF2-40B4-BE49-F238E27FC236}">
+                <a16:creationId xmlns:a16="http://schemas.microsoft.com/office/drawing/2014/main" id="{58F41133-E423-BC64-0577-329B9D774C39}"/>
+              </a:ext>
+            </a:extLst>
+          </p:cNvPr>
+          <p:cNvSpPr>
+            <a:spLocks noGrp="1"/>
+          </p:cNvSpPr>
+          <p:nvPr>
+            <p:ph type="sldNum" sz="quarter" idx="12"/>
+          </p:nvPr>
+        </p:nvSpPr>
+        <p:spPr/>
+        <p:txBody>
+          <a:bodyPr/>
+          <a:lstStyle/>
+          <a:p>
+            <a:fld id="{0079CAC6-A72B-4EF8-B465-34FA47827E7F}" type="slidenum">
+              <a:rPr lang="en-US" smtClean="0"/>
+              <a:t>15</a:t>
+            </a:fld>
+            <a:endParaRPr lang="en-US" dirty="0"/>
+          </a:p>
+        </p:txBody>
+      </p:sp>
+      <p:sp>
+        <p:nvSpPr>
+          <p:cNvPr id="5" name="Footer Placeholder 4">
+            <a:extLst>
+              <a:ext uri="{FF2B5EF4-FFF2-40B4-BE49-F238E27FC236}">
+                <a16:creationId xmlns:a16="http://schemas.microsoft.com/office/drawing/2014/main" id="{E4784F55-6A9E-36BA-5C25-6425B3C02B19}"/>
+              </a:ext>
+            </a:extLst>
+          </p:cNvPr>
+          <p:cNvSpPr>
+            <a:spLocks noGrp="1"/>
+          </p:cNvSpPr>
+          <p:nvPr>
+            <p:ph type="ftr" sz="quarter" idx="11"/>
+          </p:nvPr>
+        </p:nvSpPr>
+        <p:spPr/>
+        <p:txBody>
+          <a:bodyPr/>
+          <a:lstStyle/>
+          <a:p>
+            <a:r>
+              <a:rPr lang="en-US"/>
+              <a:t>Fundamental Programming with Python</a:t>
+            </a:r>
+            <a:endParaRPr lang="en-US" dirty="0"/>
+          </a:p>
+        </p:txBody>
+      </p:sp>
+    </p:spTree>
+    <p:extLst>
+      <p:ext uri="{BB962C8B-B14F-4D97-AF65-F5344CB8AC3E}">
+        <p14:creationId xmlns:p14="http://schemas.microsoft.com/office/powerpoint/2010/main" val="4187081450"/>
+      </p:ext>
+    </p:extLst>
+  </p:cSld>
+  <p:clrMapOvr>
+    <a:masterClrMapping/>
+  </p:clrMapOvr>
+  <p:timing>
+    <p:tnLst>
+      <p:par>
+        <p:cTn id="1" dur="indefinite" restart="never" nodeType="tmRoot">
+          <p:childTnLst>
+            <p:seq concurrent="1" nextAc="seek">
+              <p:cTn id="2" dur="indefinite" nodeType="mainSeq">
+                <p:childTnLst>
+                  <p:par>
+                    <p:cTn id="3" fill="hold">
+                      <p:stCondLst>
+                        <p:cond delay="indefinite"/>
+                      </p:stCondLst>
+                      <p:childTnLst>
+                        <p:par>
+                          <p:cTn id="4" fill="hold">
+                            <p:stCondLst>
+                              <p:cond delay="0"/>
+                            </p:stCondLst>
+                            <p:childTnLst>
+                              <p:par>
+                                <p:cTn id="5" presetID="22" presetClass="entr" presetSubtype="4" fill="hold" nodeType="clickEffect">
+                                  <p:stCondLst>
+                                    <p:cond delay="0"/>
+                                  </p:stCondLst>
+                                  <p:childTnLst>
+                                    <p:set>
+                                      <p:cBhvr>
+                                        <p:cTn id="6" dur="1" fill="hold">
+                                          <p:stCondLst>
+                                            <p:cond delay="0"/>
+                                          </p:stCondLst>
+                                        </p:cTn>
+                                        <p:tgtEl>
+                                          <p:spTgt spid="10"/>
+                                        </p:tgtEl>
+                                        <p:attrNameLst>
+                                          <p:attrName>style.visibility</p:attrName>
+                                        </p:attrNameLst>
+                                      </p:cBhvr>
+                                      <p:to>
+                                        <p:strVal val="visible"/>
+                                      </p:to>
+                                    </p:set>
+                                    <p:animEffect transition="in" filter="wipe(down)">
+                                      <p:cBhvr>
+                                        <p:cTn id="7" dur="500"/>
+                                        <p:tgtEl>
+                                          <p:spTgt spid="10"/>
+                                        </p:tgtEl>
+                                      </p:cBhvr>
+                                    </p:animEffect>
+                                  </p:childTnLst>
+                                </p:cTn>
+                              </p:par>
+                            </p:childTnLst>
+                          </p:cTn>
+                        </p:par>
+                      </p:childTnLst>
+                    </p:cTn>
+                  </p:par>
+                </p:childTnLst>
+              </p:cTn>
+              <p:prevCondLst>
+                <p:cond evt="onPrev" delay="0">
+                  <p:tgtEl>
+                    <p:sldTgt/>
+                  </p:tgtEl>
+                </p:cond>
+              </p:prevCondLst>
+              <p:nextCondLst>
+                <p:cond evt="onNext" delay="0">
+                  <p:tgtEl>
+                    <p:sldTgt/>
+                  </p:tgtEl>
+                </p:cond>
+              </p:nextCondLst>
+            </p:seq>
+          </p:childTnLst>
+        </p:cTn>
+      </p:par>
+    </p:tnLst>
+  </p:timing>
+</p:sld>
+</file>
+
+<file path=ppt/slides/slide16.xml><?xml version="1.0" encoding="utf-8"?>
+<p:sld xmlns:a="http://schemas.openxmlformats.org/drawingml/2006/main" xmlns:r="http://schemas.openxmlformats.org/officeDocument/2006/relationships" xmlns:p="http://schemas.openxmlformats.org/presentationml/2006/main">
+  <p:cSld>
+    <p:spTree>
+      <p:nvGrpSpPr>
+        <p:cNvPr id="1" name=""/>
+        <p:cNvGrpSpPr/>
+        <p:nvPr/>
+      </p:nvGrpSpPr>
+      <p:grpSpPr>
+        <a:xfrm>
+          <a:off x="0" y="0"/>
+          <a:ext cx="0" cy="0"/>
+          <a:chOff x="0" y="0"/>
+          <a:chExt cx="0" cy="0"/>
+        </a:xfrm>
+      </p:grpSpPr>
+      <p:sp>
+        <p:nvSpPr>
+          <p:cNvPr id="5" name="Title 4">
+            <a:extLst>
+              <a:ext uri="{FF2B5EF4-FFF2-40B4-BE49-F238E27FC236}">
+                <a16:creationId xmlns:a16="http://schemas.microsoft.com/office/drawing/2014/main" id="{3E1FC432-A453-870C-34F6-F5AB1E824DD3}"/>
+              </a:ext>
+            </a:extLst>
+          </p:cNvPr>
+          <p:cNvSpPr>
+            <a:spLocks noGrp="1"/>
+          </p:cNvSpPr>
+          <p:nvPr>
+            <p:ph type="title"/>
+          </p:nvPr>
+        </p:nvSpPr>
+        <p:spPr/>
+        <p:txBody>
+          <a:bodyPr/>
+          <a:lstStyle/>
+          <a:p>
+            <a:r>
+              <a:rPr lang="en-US" dirty="0"/>
+              <a:t>Why we use Python?</a:t>
+            </a:r>
+            <a:endParaRPr lang="fa-IR" dirty="0"/>
+          </a:p>
+        </p:txBody>
+      </p:sp>
+      <p:sp>
+        <p:nvSpPr>
+          <p:cNvPr id="4" name="Slide Number Placeholder 3">
+            <a:extLst>
+              <a:ext uri="{FF2B5EF4-FFF2-40B4-BE49-F238E27FC236}">
+                <a16:creationId xmlns:a16="http://schemas.microsoft.com/office/drawing/2014/main" id="{872D2B23-7846-DE1D-E096-383132454A1B}"/>
+              </a:ext>
+            </a:extLst>
+          </p:cNvPr>
+          <p:cNvSpPr>
+            <a:spLocks noGrp="1"/>
+          </p:cNvSpPr>
+          <p:nvPr>
+            <p:ph type="sldNum" sz="quarter" idx="12"/>
+          </p:nvPr>
+        </p:nvSpPr>
+        <p:spPr/>
+        <p:txBody>
+          <a:bodyPr/>
+          <a:lstStyle/>
+          <a:p>
+            <a:fld id="{0079CAC6-A72B-4EF8-B465-34FA47827E7F}" type="slidenum">
+              <a:rPr lang="en-US" smtClean="0"/>
+              <a:t>16</a:t>
+            </a:fld>
+            <a:endParaRPr lang="en-US" dirty="0"/>
+          </a:p>
+        </p:txBody>
+      </p:sp>
+      <p:sp>
+        <p:nvSpPr>
+          <p:cNvPr id="2" name="Footer Placeholder 1">
+            <a:extLst>
+              <a:ext uri="{FF2B5EF4-FFF2-40B4-BE49-F238E27FC236}">
+                <a16:creationId xmlns:a16="http://schemas.microsoft.com/office/drawing/2014/main" id="{9D973DD2-9E59-B86B-CB85-E9DA996A250D}"/>
+              </a:ext>
+            </a:extLst>
+          </p:cNvPr>
+          <p:cNvSpPr>
+            <a:spLocks noGrp="1"/>
+          </p:cNvSpPr>
+          <p:nvPr>
+            <p:ph type="ftr" sz="quarter" idx="11"/>
+          </p:nvPr>
+        </p:nvSpPr>
+        <p:spPr/>
+        <p:txBody>
+          <a:bodyPr/>
+          <a:lstStyle/>
+          <a:p>
+            <a:r>
+              <a:rPr lang="en-US"/>
+              <a:t>Fundamental Programming with Python</a:t>
+            </a:r>
+            <a:endParaRPr lang="en-US" dirty="0"/>
+          </a:p>
+        </p:txBody>
+      </p:sp>
+    </p:spTree>
+    <p:extLst>
+      <p:ext uri="{BB962C8B-B14F-4D97-AF65-F5344CB8AC3E}">
+        <p14:creationId xmlns:p14="http://schemas.microsoft.com/office/powerpoint/2010/main" val="494583432"/>
+      </p:ext>
+    </p:extLst>
+  </p:cSld>
+  <p:clrMapOvr>
+    <a:masterClrMapping/>
+  </p:clrMapOvr>
+</p:sld>
+</file>
+
+<file path=ppt/slides/slide17.xml><?xml version="1.0" encoding="utf-8"?>
+<p:sld xmlns:a="http://schemas.openxmlformats.org/drawingml/2006/main" xmlns:r="http://schemas.openxmlformats.org/officeDocument/2006/relationships" xmlns:p="http://schemas.openxmlformats.org/presentationml/2006/main">
+  <p:cSld>
+    <p:spTree>
+      <p:nvGrpSpPr>
+        <p:cNvPr id="1" name=""/>
+        <p:cNvGrpSpPr/>
+        <p:nvPr/>
+      </p:nvGrpSpPr>
+      <p:grpSpPr>
+        <a:xfrm>
+          <a:off x="0" y="0"/>
+          <a:ext cx="0" cy="0"/>
+          <a:chOff x="0" y="0"/>
+          <a:chExt cx="0" cy="0"/>
+        </a:xfrm>
+      </p:grpSpPr>
+      <p:sp>
+        <p:nvSpPr>
+          <p:cNvPr id="5" name="Title 4">
+            <a:extLst>
+              <a:ext uri="{FF2B5EF4-FFF2-40B4-BE49-F238E27FC236}">
+                <a16:creationId xmlns:a16="http://schemas.microsoft.com/office/drawing/2014/main" id="{2838BE04-5AE0-129D-87A1-B67717A13F19}"/>
+              </a:ext>
+            </a:extLst>
+          </p:cNvPr>
+          <p:cNvSpPr>
+            <a:spLocks noGrp="1"/>
+          </p:cNvSpPr>
+          <p:nvPr>
+            <p:ph type="title"/>
+          </p:nvPr>
+        </p:nvSpPr>
+        <p:spPr/>
+        <p:txBody>
+          <a:bodyPr/>
+          <a:lstStyle/>
+          <a:p>
+            <a:r>
+              <a:rPr lang="en-US" dirty="0"/>
+              <a:t>Language!</a:t>
+            </a:r>
+          </a:p>
+        </p:txBody>
+      </p:sp>
+      <p:pic>
+        <p:nvPicPr>
+          <p:cNvPr id="9" name="Content Placeholder 8">
+            <a:extLst>
+              <a:ext uri="{FF2B5EF4-FFF2-40B4-BE49-F238E27FC236}">
+                <a16:creationId xmlns:a16="http://schemas.microsoft.com/office/drawing/2014/main" id="{F20C62F2-7985-D1AC-8BA3-6AA7A618A53F}"/>
+              </a:ext>
+            </a:extLst>
+          </p:cNvPr>
+          <p:cNvPicPr>
+            <a:picLocks noGrp="1" noChangeAspect="1"/>
+          </p:cNvPicPr>
+          <p:nvPr>
+            <p:ph idx="1"/>
+          </p:nvPr>
+        </p:nvPicPr>
+        <p:blipFill>
+          <a:blip r:embed="rId2"/>
+          <a:stretch>
+            <a:fillRect/>
+          </a:stretch>
+        </p:blipFill>
+        <p:spPr>
+          <a:xfrm>
+            <a:off x="1892611" y="1856122"/>
+            <a:ext cx="7841844" cy="5001878"/>
+          </a:xfrm>
+        </p:spPr>
+      </p:pic>
+      <p:sp>
+        <p:nvSpPr>
+          <p:cNvPr id="3" name="Footer Placeholder 2">
+            <a:extLst>
+              <a:ext uri="{FF2B5EF4-FFF2-40B4-BE49-F238E27FC236}">
+                <a16:creationId xmlns:a16="http://schemas.microsoft.com/office/drawing/2014/main" id="{B0ED330E-FB10-CC82-1855-010A6AFCCEC9}"/>
+              </a:ext>
+            </a:extLst>
+          </p:cNvPr>
+          <p:cNvSpPr>
+            <a:spLocks noGrp="1"/>
+          </p:cNvSpPr>
+          <p:nvPr>
+            <p:ph type="ftr" sz="quarter" idx="11"/>
+          </p:nvPr>
+        </p:nvSpPr>
+        <p:spPr/>
+        <p:txBody>
+          <a:bodyPr/>
+          <a:lstStyle/>
+          <a:p>
+            <a:r>
+              <a:rPr lang="en-US"/>
+              <a:t>Fundamental Programming with Python</a:t>
+            </a:r>
+            <a:endParaRPr lang="en-US" dirty="0"/>
+          </a:p>
+        </p:txBody>
+      </p:sp>
+      <p:sp>
+        <p:nvSpPr>
+          <p:cNvPr id="4" name="Slide Number Placeholder 3">
+            <a:extLst>
+              <a:ext uri="{FF2B5EF4-FFF2-40B4-BE49-F238E27FC236}">
+                <a16:creationId xmlns:a16="http://schemas.microsoft.com/office/drawing/2014/main" id="{5A6FCB98-0B56-61C9-3F1F-28D697D494AB}"/>
+              </a:ext>
+            </a:extLst>
+          </p:cNvPr>
+          <p:cNvSpPr>
+            <a:spLocks noGrp="1"/>
+          </p:cNvSpPr>
+          <p:nvPr>
+            <p:ph type="sldNum" sz="quarter" idx="12"/>
+          </p:nvPr>
+        </p:nvSpPr>
+        <p:spPr/>
+        <p:txBody>
+          <a:bodyPr/>
+          <a:lstStyle/>
+          <a:p>
+            <a:fld id="{0079CAC6-A72B-4EF8-B465-34FA47827E7F}" type="slidenum">
+              <a:rPr lang="en-US" smtClean="0"/>
+              <a:t>17</a:t>
+            </a:fld>
+            <a:endParaRPr lang="en-US" dirty="0"/>
+          </a:p>
+        </p:txBody>
+      </p:sp>
+    </p:spTree>
+    <p:extLst>
+      <p:ext uri="{BB962C8B-B14F-4D97-AF65-F5344CB8AC3E}">
+        <p14:creationId xmlns:p14="http://schemas.microsoft.com/office/powerpoint/2010/main" val="1740246414"/>
+      </p:ext>
+    </p:extLst>
+  </p:cSld>
+  <p:clrMapOvr>
+    <a:masterClrMapping/>
+  </p:clrMapOvr>
+  <p:timing>
+    <p:tnLst>
+      <p:par>
+        <p:cTn id="1" dur="indefinite" restart="never" nodeType="tmRoot">
+          <p:childTnLst>
+            <p:seq concurrent="1" nextAc="seek">
+              <p:cTn id="2" dur="indefinite" nodeType="mainSeq">
+                <p:childTnLst>
+                  <p:par>
+                    <p:cTn id="3" fill="hold">
+                      <p:stCondLst>
+                        <p:cond delay="indefinite"/>
+                      </p:stCondLst>
+                      <p:childTnLst>
+                        <p:par>
+                          <p:cTn id="4" fill="hold">
+                            <p:stCondLst>
+                              <p:cond delay="0"/>
+                            </p:stCondLst>
+                            <p:childTnLst>
+                              <p:par>
+                                <p:cTn id="5" presetID="16" presetClass="entr" presetSubtype="42" fill="hold" nodeType="clickEffect">
+                                  <p:stCondLst>
+                                    <p:cond delay="0"/>
+                                  </p:stCondLst>
+                                  <p:childTnLst>
+                                    <p:set>
+                                      <p:cBhvr>
+                                        <p:cTn id="6" dur="1" fill="hold">
+                                          <p:stCondLst>
+                                            <p:cond delay="0"/>
+                                          </p:stCondLst>
+                                        </p:cTn>
+                                        <p:tgtEl>
+                                          <p:spTgt spid="9"/>
+                                        </p:tgtEl>
+                                        <p:attrNameLst>
+                                          <p:attrName>style.visibility</p:attrName>
+                                        </p:attrNameLst>
+                                      </p:cBhvr>
+                                      <p:to>
+                                        <p:strVal val="visible"/>
+                                      </p:to>
+                                    </p:set>
+                                    <p:animEffect transition="in" filter="barn(outHorizontal)">
+                                      <p:cBhvr>
+                                        <p:cTn id="7" dur="500"/>
+                                        <p:tgtEl>
+                                          <p:spTgt spid="9"/>
+                                        </p:tgtEl>
+                                      </p:cBhvr>
+                                    </p:animEffect>
+                                  </p:childTnLst>
+                                </p:cTn>
+                              </p:par>
+                            </p:childTnLst>
+                          </p:cTn>
+                        </p:par>
+                      </p:childTnLst>
+                    </p:cTn>
+                  </p:par>
+                </p:childTnLst>
+              </p:cTn>
+              <p:prevCondLst>
+                <p:cond evt="onPrev" delay="0">
+                  <p:tgtEl>
+                    <p:sldTgt/>
+                  </p:tgtEl>
+                </p:cond>
+              </p:prevCondLst>
+              <p:nextCondLst>
+                <p:cond evt="onNext" delay="0">
+                  <p:tgtEl>
+                    <p:sldTgt/>
+                  </p:tgtEl>
+                </p:cond>
+              </p:nextCondLst>
+            </p:seq>
+          </p:childTnLst>
+        </p:cTn>
+      </p:par>
+    </p:tnLst>
+  </p:timing>
+</p:sld>
+</file>
+
+<file path=ppt/slides/slide18.xml><?xml version="1.0" encoding="utf-8"?>
+<p:sld xmlns:a="http://schemas.openxmlformats.org/drawingml/2006/main" xmlns:r="http://schemas.openxmlformats.org/officeDocument/2006/relationships" xmlns:p="http://schemas.openxmlformats.org/presentationml/2006/main">
+  <p:cSld>
+    <p:spTree>
+      <p:nvGrpSpPr>
+        <p:cNvPr id="1" name=""/>
+        <p:cNvGrpSpPr/>
+        <p:nvPr/>
+      </p:nvGrpSpPr>
+      <p:grpSpPr>
+        <a:xfrm>
+          <a:off x="0" y="0"/>
+          <a:ext cx="0" cy="0"/>
+          <a:chOff x="0" y="0"/>
+          <a:chExt cx="0" cy="0"/>
+        </a:xfrm>
+      </p:grpSpPr>
+      <p:sp>
+        <p:nvSpPr>
+          <p:cNvPr id="2" name="Title 1">
+            <a:extLst>
+              <a:ext uri="{FF2B5EF4-FFF2-40B4-BE49-F238E27FC236}">
+                <a16:creationId xmlns:a16="http://schemas.microsoft.com/office/drawing/2014/main" id="{46C9694A-76BF-9D2A-8EE9-BC31C9C9BA4B}"/>
+              </a:ext>
+            </a:extLst>
+          </p:cNvPr>
+          <p:cNvSpPr>
+            <a:spLocks noGrp="1"/>
+          </p:cNvSpPr>
+          <p:nvPr>
+            <p:ph type="title"/>
+          </p:nvPr>
+        </p:nvSpPr>
+        <p:spPr/>
+        <p:txBody>
+          <a:bodyPr/>
+          <a:lstStyle/>
+          <a:p>
+            <a:r>
+              <a:rPr lang="en-US" dirty="0"/>
+              <a:t>How to use Python?</a:t>
+            </a:r>
+          </a:p>
+        </p:txBody>
+      </p:sp>
+      <p:sp>
+        <p:nvSpPr>
+          <p:cNvPr id="3" name="Slide Number Placeholder 2">
+            <a:extLst>
+              <a:ext uri="{FF2B5EF4-FFF2-40B4-BE49-F238E27FC236}">
+                <a16:creationId xmlns:a16="http://schemas.microsoft.com/office/drawing/2014/main" id="{0FB8C13E-1F9F-2F6F-E5FF-0C4C2CFB12F6}"/>
+              </a:ext>
+            </a:extLst>
+          </p:cNvPr>
+          <p:cNvSpPr>
+            <a:spLocks noGrp="1"/>
+          </p:cNvSpPr>
+          <p:nvPr>
+            <p:ph type="sldNum" sz="quarter" idx="12"/>
+          </p:nvPr>
+        </p:nvSpPr>
+        <p:spPr/>
+        <p:txBody>
+          <a:bodyPr/>
+          <a:lstStyle/>
+          <a:p>
+            <a:fld id="{0079CAC6-A72B-4EF8-B465-34FA47827E7F}" type="slidenum">
+              <a:rPr lang="en-US" smtClean="0"/>
+              <a:t>18</a:t>
+            </a:fld>
+            <a:endParaRPr lang="en-US" dirty="0"/>
+          </a:p>
+        </p:txBody>
+      </p:sp>
+      <p:sp>
+        <p:nvSpPr>
+          <p:cNvPr id="4" name="Footer Placeholder 3">
+            <a:extLst>
+              <a:ext uri="{FF2B5EF4-FFF2-40B4-BE49-F238E27FC236}">
+                <a16:creationId xmlns:a16="http://schemas.microsoft.com/office/drawing/2014/main" id="{367392B0-318B-489A-CCFF-6523FC1EBEC8}"/>
+              </a:ext>
+            </a:extLst>
+          </p:cNvPr>
+          <p:cNvSpPr>
+            <a:spLocks noGrp="1"/>
+          </p:cNvSpPr>
+          <p:nvPr>
+            <p:ph type="ftr" sz="quarter" idx="11"/>
+          </p:nvPr>
+        </p:nvSpPr>
+        <p:spPr/>
+        <p:txBody>
+          <a:bodyPr/>
+          <a:lstStyle/>
+          <a:p>
+            <a:r>
+              <a:rPr lang="en-US"/>
+              <a:t>Fundamental Programming with Python</a:t>
+            </a:r>
+            <a:endParaRPr lang="en-US" dirty="0"/>
+          </a:p>
+        </p:txBody>
+      </p:sp>
+    </p:spTree>
+    <p:extLst>
+      <p:ext uri="{BB962C8B-B14F-4D97-AF65-F5344CB8AC3E}">
+        <p14:creationId xmlns:p14="http://schemas.microsoft.com/office/powerpoint/2010/main" val="798838522"/>
+      </p:ext>
+    </p:extLst>
+  </p:cSld>
+  <p:clrMapOvr>
+    <a:masterClrMapping/>
+  </p:clrMapOvr>
+</p:sld>
+</file>
+
+<file path=ppt/slides/slide19.xml><?xml version="1.0" encoding="utf-8"?>
+<p:sld xmlns:a="http://schemas.openxmlformats.org/drawingml/2006/main" xmlns:r="http://schemas.openxmlformats.org/officeDocument/2006/relationships" xmlns:p="http://schemas.openxmlformats.org/presentationml/2006/main">
+  <p:cSld>
+    <p:spTree>
+      <p:nvGrpSpPr>
+        <p:cNvPr id="1" name=""/>
+        <p:cNvGrpSpPr/>
+        <p:nvPr/>
+      </p:nvGrpSpPr>
+      <p:grpSpPr>
+        <a:xfrm>
+          <a:off x="0" y="0"/>
+          <a:ext cx="0" cy="0"/>
+          <a:chOff x="0" y="0"/>
+          <a:chExt cx="0" cy="0"/>
+        </a:xfrm>
+      </p:grpSpPr>
+      <p:sp>
+        <p:nvSpPr>
+          <p:cNvPr id="7" name="Title 6">
+            <a:extLst>
+              <a:ext uri="{FF2B5EF4-FFF2-40B4-BE49-F238E27FC236}">
+                <a16:creationId xmlns:a16="http://schemas.microsoft.com/office/drawing/2014/main" id="{13FB7F1A-0AC5-6F75-4C1F-E42F81C38C3A}"/>
+              </a:ext>
+            </a:extLst>
+          </p:cNvPr>
+          <p:cNvSpPr>
+            <a:spLocks noGrp="1"/>
+          </p:cNvSpPr>
+          <p:nvPr>
+            <p:ph type="title"/>
+          </p:nvPr>
+        </p:nvSpPr>
+        <p:spPr/>
+        <p:txBody>
+          <a:bodyPr/>
+          <a:lstStyle/>
+          <a:p>
+            <a:r>
+              <a:rPr lang="en-US" dirty="0"/>
+              <a:t>First, install Python</a:t>
+            </a:r>
+          </a:p>
+        </p:txBody>
+      </p:sp>
+      <p:pic>
+        <p:nvPicPr>
+          <p:cNvPr id="10" name="Content Placeholder 9">
+            <a:extLst>
+              <a:ext uri="{FF2B5EF4-FFF2-40B4-BE49-F238E27FC236}">
+                <a16:creationId xmlns:a16="http://schemas.microsoft.com/office/drawing/2014/main" id="{54D1A209-195C-4A92-6504-343C41F0ED1D}"/>
+              </a:ext>
+            </a:extLst>
+          </p:cNvPr>
+          <p:cNvPicPr>
+            <a:picLocks noGrp="1" noChangeAspect="1"/>
+          </p:cNvPicPr>
+          <p:nvPr>
+            <p:ph idx="1"/>
+          </p:nvPr>
+        </p:nvPicPr>
+        <p:blipFill>
+          <a:blip r:embed="rId2"/>
+          <a:stretch>
+            <a:fillRect/>
+          </a:stretch>
+        </p:blipFill>
+        <p:spPr>
+          <a:xfrm>
+            <a:off x="1624808" y="2011363"/>
+            <a:ext cx="8940796" cy="4206875"/>
+          </a:xfrm>
+        </p:spPr>
+      </p:pic>
+      <p:sp>
+        <p:nvSpPr>
+          <p:cNvPr id="3" name="Slide Number Placeholder 2">
+            <a:extLst>
+              <a:ext uri="{FF2B5EF4-FFF2-40B4-BE49-F238E27FC236}">
+                <a16:creationId xmlns:a16="http://schemas.microsoft.com/office/drawing/2014/main" id="{632CE4F3-484D-2B19-6DCD-60CA5CFDF11B}"/>
+              </a:ext>
+            </a:extLst>
+          </p:cNvPr>
+          <p:cNvSpPr>
+            <a:spLocks noGrp="1"/>
+          </p:cNvSpPr>
+          <p:nvPr>
+            <p:ph type="sldNum" sz="quarter" idx="12"/>
+          </p:nvPr>
+        </p:nvSpPr>
+        <p:spPr/>
+        <p:txBody>
+          <a:bodyPr/>
+          <a:lstStyle/>
+          <a:p>
+            <a:fld id="{0079CAC6-A72B-4EF8-B465-34FA47827E7F}" type="slidenum">
+              <a:rPr lang="en-US" smtClean="0"/>
+              <a:t>19</a:t>
+            </a:fld>
+            <a:endParaRPr lang="en-US" dirty="0"/>
+          </a:p>
+        </p:txBody>
+      </p:sp>
+      <p:sp>
+        <p:nvSpPr>
+          <p:cNvPr id="11" name="Footer Placeholder 10">
+            <a:extLst>
+              <a:ext uri="{FF2B5EF4-FFF2-40B4-BE49-F238E27FC236}">
+                <a16:creationId xmlns:a16="http://schemas.microsoft.com/office/drawing/2014/main" id="{F499F18E-7CDA-AC9A-8AFB-7A7B61F9AFF1}"/>
+              </a:ext>
+            </a:extLst>
+          </p:cNvPr>
+          <p:cNvSpPr>
+            <a:spLocks noGrp="1"/>
+          </p:cNvSpPr>
+          <p:nvPr>
+            <p:ph type="ftr" sz="quarter" idx="11"/>
+          </p:nvPr>
+        </p:nvSpPr>
+        <p:spPr/>
+        <p:txBody>
+          <a:bodyPr/>
+          <a:lstStyle/>
+          <a:p>
+            <a:r>
+              <a:rPr lang="en-US"/>
+              <a:t>Fundamental Programming with Python</a:t>
+            </a:r>
+            <a:endParaRPr lang="en-US" dirty="0"/>
+          </a:p>
+        </p:txBody>
+      </p:sp>
+    </p:spTree>
+    <p:extLst>
+      <p:ext uri="{BB962C8B-B14F-4D97-AF65-F5344CB8AC3E}">
+        <p14:creationId xmlns:p14="http://schemas.microsoft.com/office/powerpoint/2010/main" val="3201571866"/>
+      </p:ext>
+    </p:extLst>
+  </p:cSld>
+  <p:clrMapOvr>
+    <a:masterClrMapping/>
+  </p:clrMapOvr>
+</p:sld>
+</file>
+
+<file path=ppt/slides/slide2.xml><?xml version="1.0" encoding="utf-8"?>
+<p:sld xmlns:a="http://schemas.openxmlformats.org/drawingml/2006/main" xmlns:r="http://schemas.openxmlformats.org/officeDocument/2006/relationships" xmlns:p="http://schemas.openxmlformats.org/presentationml/2006/main">
+  <p:cSld>
+    <p:spTree>
+      <p:nvGrpSpPr>
+        <p:cNvPr id="1" name=""/>
+        <p:cNvGrpSpPr/>
+        <p:nvPr/>
+      </p:nvGrpSpPr>
+      <p:grpSpPr>
+        <a:xfrm>
+          <a:off x="0" y="0"/>
+          <a:ext cx="0" cy="0"/>
+          <a:chOff x="0" y="0"/>
+          <a:chExt cx="0" cy="0"/>
+        </a:xfrm>
+      </p:grpSpPr>
+      <p:sp>
+        <p:nvSpPr>
+          <p:cNvPr id="2" name="Title 1">
+            <a:extLst>
+              <a:ext uri="{FF2B5EF4-FFF2-40B4-BE49-F238E27FC236}">
+                <a16:creationId xmlns:a16="http://schemas.microsoft.com/office/drawing/2014/main" id="{87B1A73B-6C72-C6E9-38EE-574B6DD11391}"/>
+              </a:ext>
+            </a:extLst>
+          </p:cNvPr>
+          <p:cNvSpPr>
+            <a:spLocks noGrp="1"/>
+          </p:cNvSpPr>
+          <p:nvPr>
+            <p:ph type="title"/>
+          </p:nvPr>
+        </p:nvSpPr>
+        <p:spPr/>
+        <p:txBody>
+          <a:bodyPr/>
+          <a:lstStyle/>
+          <a:p>
+            <a:r>
+              <a:rPr lang="en-US" dirty="0"/>
+              <a:t>Today</a:t>
+            </a:r>
+          </a:p>
+        </p:txBody>
+      </p:sp>
+      <p:sp>
+        <p:nvSpPr>
+          <p:cNvPr id="3" name="Content Placeholder 2">
+            <a:extLst>
+              <a:ext uri="{FF2B5EF4-FFF2-40B4-BE49-F238E27FC236}">
+                <a16:creationId xmlns:a16="http://schemas.microsoft.com/office/drawing/2014/main" id="{8F365F2D-194E-E711-907C-908961A12084}"/>
+              </a:ext>
+            </a:extLst>
+          </p:cNvPr>
+          <p:cNvSpPr>
+            <a:spLocks noGrp="1"/>
+          </p:cNvSpPr>
+          <p:nvPr>
+            <p:ph idx="1"/>
+          </p:nvPr>
+        </p:nvSpPr>
+        <p:spPr/>
+        <p:txBody>
+          <a:bodyPr/>
+          <a:lstStyle/>
+          <a:p>
+            <a:r>
+              <a:rPr lang="en-US" dirty="0"/>
+              <a:t>Course Information</a:t>
+            </a:r>
+          </a:p>
+          <a:p>
+            <a:r>
+              <a:rPr lang="en-US" dirty="0"/>
+              <a:t>Discussion about Programming and Python in Research and Industries</a:t>
+            </a:r>
+          </a:p>
+          <a:p>
+            <a:r>
+              <a:rPr lang="en-US" dirty="0"/>
+              <a:t>Why we use Python</a:t>
+            </a:r>
+          </a:p>
+          <a:p>
+            <a:r>
+              <a:rPr lang="en-US" dirty="0"/>
+              <a:t>How to use Python</a:t>
+            </a:r>
+            <a:endParaRPr lang="fa-IR" dirty="0"/>
+          </a:p>
+        </p:txBody>
+      </p:sp>
+      <p:sp>
+        <p:nvSpPr>
+          <p:cNvPr id="4" name="Slide Number Placeholder 3">
+            <a:extLst>
+              <a:ext uri="{FF2B5EF4-FFF2-40B4-BE49-F238E27FC236}">
+                <a16:creationId xmlns:a16="http://schemas.microsoft.com/office/drawing/2014/main" id="{2556300D-25DE-4DCB-83C2-F8447A300882}"/>
+              </a:ext>
+            </a:extLst>
+          </p:cNvPr>
+          <p:cNvSpPr>
+            <a:spLocks noGrp="1"/>
+          </p:cNvSpPr>
+          <p:nvPr>
+            <p:ph type="sldNum" sz="quarter" idx="12"/>
+          </p:nvPr>
+        </p:nvSpPr>
+        <p:spPr/>
+        <p:txBody>
+          <a:bodyPr/>
+          <a:lstStyle/>
+          <a:p>
+            <a:fld id="{0079CAC6-A72B-4EF8-B465-34FA47827E7F}" type="slidenum">
+              <a:rPr lang="en-US" smtClean="0"/>
+              <a:t>2</a:t>
+            </a:fld>
+            <a:endParaRPr lang="en-US" dirty="0"/>
+          </a:p>
+        </p:txBody>
+      </p:sp>
+      <p:sp>
+        <p:nvSpPr>
+          <p:cNvPr id="5" name="Footer Placeholder 4">
+            <a:extLst>
+              <a:ext uri="{FF2B5EF4-FFF2-40B4-BE49-F238E27FC236}">
+                <a16:creationId xmlns:a16="http://schemas.microsoft.com/office/drawing/2014/main" id="{C698F15F-8CBD-19A6-FD8E-9F54F23195D9}"/>
+              </a:ext>
+            </a:extLst>
+          </p:cNvPr>
+          <p:cNvSpPr>
+            <a:spLocks noGrp="1"/>
+          </p:cNvSpPr>
+          <p:nvPr>
+            <p:ph type="ftr" sz="quarter" idx="11"/>
+          </p:nvPr>
+        </p:nvSpPr>
+        <p:spPr/>
+        <p:txBody>
+          <a:bodyPr/>
+          <a:lstStyle/>
+          <a:p>
+            <a:r>
+              <a:rPr lang="en-US"/>
+              <a:t>Fundamental Programming with Python</a:t>
+            </a:r>
+            <a:endParaRPr lang="en-US" dirty="0"/>
+          </a:p>
+        </p:txBody>
+      </p:sp>
+    </p:spTree>
+    <p:extLst>
+      <p:ext uri="{BB962C8B-B14F-4D97-AF65-F5344CB8AC3E}">
+        <p14:creationId xmlns:p14="http://schemas.microsoft.com/office/powerpoint/2010/main" val="2786932843"/>
+      </p:ext>
+    </p:extLst>
+  </p:cSld>
+  <p:clrMapOvr>
+    <a:masterClrMapping/>
+  </p:clrMapOvr>
+</p:sld>
+</file>
+
+<file path=ppt/slides/slide20.xml><?xml version="1.0" encoding="utf-8"?>
+<p:sld xmlns:a="http://schemas.openxmlformats.org/drawingml/2006/main" xmlns:r="http://schemas.openxmlformats.org/officeDocument/2006/relationships" xmlns:p="http://schemas.openxmlformats.org/presentationml/2006/main">
+  <p:cSld>
+    <p:spTree>
+      <p:nvGrpSpPr>
+        <p:cNvPr id="1" name=""/>
+        <p:cNvGrpSpPr/>
+        <p:nvPr/>
+      </p:nvGrpSpPr>
+      <p:grpSpPr>
+        <a:xfrm>
+          <a:off x="0" y="0"/>
+          <a:ext cx="0" cy="0"/>
+          <a:chOff x="0" y="0"/>
+          <a:chExt cx="0" cy="0"/>
+        </a:xfrm>
+      </p:grpSpPr>
+      <p:sp>
+        <p:nvSpPr>
+          <p:cNvPr id="2" name="Title 1">
+            <a:extLst>
+              <a:ext uri="{FF2B5EF4-FFF2-40B4-BE49-F238E27FC236}">
+                <a16:creationId xmlns:a16="http://schemas.microsoft.com/office/drawing/2014/main" id="{9A2A0C82-C8E1-97BC-230C-F1AA19FFD2F5}"/>
+              </a:ext>
+            </a:extLst>
+          </p:cNvPr>
+          <p:cNvSpPr>
+            <a:spLocks noGrp="1"/>
+          </p:cNvSpPr>
+          <p:nvPr>
+            <p:ph type="title"/>
+          </p:nvPr>
+        </p:nvSpPr>
+        <p:spPr/>
+        <p:txBody>
+          <a:bodyPr/>
+          <a:lstStyle/>
+          <a:p>
+            <a:r>
+              <a:rPr lang="en-US" dirty="0"/>
+              <a:t>Second, install visual studio code (</a:t>
+            </a:r>
+            <a:r>
+              <a:rPr lang="en-US" dirty="0" err="1"/>
+              <a:t>vscode</a:t>
+            </a:r>
+            <a:r>
+              <a:rPr lang="en-US" dirty="0"/>
+              <a:t>)</a:t>
+            </a:r>
+          </a:p>
+        </p:txBody>
+      </p:sp>
+      <p:sp>
+        <p:nvSpPr>
+          <p:cNvPr id="4" name="Slide Number Placeholder 3">
+            <a:extLst>
+              <a:ext uri="{FF2B5EF4-FFF2-40B4-BE49-F238E27FC236}">
+                <a16:creationId xmlns:a16="http://schemas.microsoft.com/office/drawing/2014/main" id="{FF8BAAC5-35CC-9BCF-42E0-8977DA25B7E6}"/>
+              </a:ext>
+            </a:extLst>
+          </p:cNvPr>
+          <p:cNvSpPr>
+            <a:spLocks noGrp="1"/>
+          </p:cNvSpPr>
+          <p:nvPr>
+            <p:ph type="sldNum" sz="quarter" idx="12"/>
+          </p:nvPr>
+        </p:nvSpPr>
+        <p:spPr/>
+        <p:txBody>
+          <a:bodyPr/>
+          <a:lstStyle/>
+          <a:p>
+            <a:fld id="{0079CAC6-A72B-4EF8-B465-34FA47827E7F}" type="slidenum">
+              <a:rPr lang="en-US" smtClean="0"/>
+              <a:t>20</a:t>
+            </a:fld>
+            <a:endParaRPr lang="en-US" dirty="0"/>
+          </a:p>
+        </p:txBody>
+      </p:sp>
+      <p:pic>
+        <p:nvPicPr>
+          <p:cNvPr id="5" name="Content Placeholder 5">
+            <a:extLst>
+              <a:ext uri="{FF2B5EF4-FFF2-40B4-BE49-F238E27FC236}">
+                <a16:creationId xmlns:a16="http://schemas.microsoft.com/office/drawing/2014/main" id="{CF1C0A80-386A-5684-5008-8D9DEA7B0CE3}"/>
+              </a:ext>
+            </a:extLst>
+          </p:cNvPr>
+          <p:cNvPicPr>
+            <a:picLocks noGrp="1" noChangeAspect="1"/>
+          </p:cNvPicPr>
+          <p:nvPr>
+            <p:ph idx="1"/>
+          </p:nvPr>
+        </p:nvPicPr>
+        <p:blipFill>
+          <a:blip r:embed="rId2"/>
+          <a:stretch>
+            <a:fillRect/>
+          </a:stretch>
+        </p:blipFill>
+        <p:spPr>
+          <a:xfrm>
+            <a:off x="1609935" y="2011363"/>
+            <a:ext cx="8970542" cy="4206875"/>
+          </a:xfrm>
+        </p:spPr>
+      </p:pic>
+      <p:sp>
+        <p:nvSpPr>
+          <p:cNvPr id="6" name="Footer Placeholder 5">
+            <a:extLst>
+              <a:ext uri="{FF2B5EF4-FFF2-40B4-BE49-F238E27FC236}">
+                <a16:creationId xmlns:a16="http://schemas.microsoft.com/office/drawing/2014/main" id="{59ADD55E-1025-A5F6-CE8A-EEA7472B039D}"/>
+              </a:ext>
+            </a:extLst>
+          </p:cNvPr>
+          <p:cNvSpPr>
+            <a:spLocks noGrp="1"/>
+          </p:cNvSpPr>
+          <p:nvPr>
+            <p:ph type="ftr" sz="quarter" idx="11"/>
+          </p:nvPr>
+        </p:nvSpPr>
+        <p:spPr/>
+        <p:txBody>
+          <a:bodyPr/>
+          <a:lstStyle/>
+          <a:p>
+            <a:r>
+              <a:rPr lang="en-US"/>
+              <a:t>Fundamental Programming with Python</a:t>
+            </a:r>
+            <a:endParaRPr lang="en-US" dirty="0"/>
+          </a:p>
+        </p:txBody>
+      </p:sp>
+    </p:spTree>
+    <p:extLst>
+      <p:ext uri="{BB962C8B-B14F-4D97-AF65-F5344CB8AC3E}">
+        <p14:creationId xmlns:p14="http://schemas.microsoft.com/office/powerpoint/2010/main" val="791333922"/>
+      </p:ext>
+    </p:extLst>
+  </p:cSld>
+  <p:clrMapOvr>
+    <a:masterClrMapping/>
+  </p:clrMapOvr>
+</p:sld>
+</file>
+
+<file path=ppt/slides/slide21.xml><?xml version="1.0" encoding="utf-8"?>
+<p:sld xmlns:a="http://schemas.openxmlformats.org/drawingml/2006/main" xmlns:r="http://schemas.openxmlformats.org/officeDocument/2006/relationships" xmlns:p="http://schemas.openxmlformats.org/presentationml/2006/main">
+  <p:cSld>
+    <p:spTree>
+      <p:nvGrpSpPr>
+        <p:cNvPr id="1" name=""/>
+        <p:cNvGrpSpPr/>
+        <p:nvPr/>
+      </p:nvGrpSpPr>
+      <p:grpSpPr>
+        <a:xfrm>
+          <a:off x="0" y="0"/>
+          <a:ext cx="0" cy="0"/>
+          <a:chOff x="0" y="0"/>
+          <a:chExt cx="0" cy="0"/>
+        </a:xfrm>
+      </p:grpSpPr>
+      <p:sp>
+        <p:nvSpPr>
+          <p:cNvPr id="2" name="Title 1">
+            <a:extLst>
+              <a:ext uri="{FF2B5EF4-FFF2-40B4-BE49-F238E27FC236}">
+                <a16:creationId xmlns:a16="http://schemas.microsoft.com/office/drawing/2014/main" id="{4A178EFB-0C3C-3A93-A920-BC12235451CC}"/>
+              </a:ext>
+            </a:extLst>
+          </p:cNvPr>
+          <p:cNvSpPr>
+            <a:spLocks noGrp="1"/>
+          </p:cNvSpPr>
+          <p:nvPr>
+            <p:ph type="title"/>
+          </p:nvPr>
+        </p:nvSpPr>
+        <p:spPr/>
+        <p:txBody>
+          <a:bodyPr/>
+          <a:lstStyle/>
+          <a:p>
+            <a:r>
+              <a:rPr lang="en-US" dirty="0"/>
+              <a:t>Third, register in GitHub</a:t>
+            </a:r>
+          </a:p>
+        </p:txBody>
+      </p:sp>
+      <p:sp>
+        <p:nvSpPr>
+          <p:cNvPr id="4" name="Slide Number Placeholder 3">
+            <a:extLst>
+              <a:ext uri="{FF2B5EF4-FFF2-40B4-BE49-F238E27FC236}">
+                <a16:creationId xmlns:a16="http://schemas.microsoft.com/office/drawing/2014/main" id="{966E5104-2678-330A-1281-D6CBA5AAA018}"/>
+              </a:ext>
+            </a:extLst>
+          </p:cNvPr>
+          <p:cNvSpPr>
+            <a:spLocks noGrp="1"/>
+          </p:cNvSpPr>
+          <p:nvPr>
+            <p:ph type="sldNum" sz="quarter" idx="12"/>
+          </p:nvPr>
+        </p:nvSpPr>
+        <p:spPr/>
+        <p:txBody>
+          <a:bodyPr/>
+          <a:lstStyle/>
+          <a:p>
+            <a:fld id="{0079CAC6-A72B-4EF8-B465-34FA47827E7F}" type="slidenum">
+              <a:rPr lang="en-US" smtClean="0"/>
+              <a:t>21</a:t>
+            </a:fld>
+            <a:endParaRPr lang="en-US" dirty="0"/>
+          </a:p>
+        </p:txBody>
+      </p:sp>
+      <p:pic>
+        <p:nvPicPr>
+          <p:cNvPr id="10" name="Content Placeholder 9">
+            <a:extLst>
+              <a:ext uri="{FF2B5EF4-FFF2-40B4-BE49-F238E27FC236}">
+                <a16:creationId xmlns:a16="http://schemas.microsoft.com/office/drawing/2014/main" id="{FCC025BC-1A07-0E25-4845-34A0B0BC1A91}"/>
+              </a:ext>
+            </a:extLst>
+          </p:cNvPr>
+          <p:cNvPicPr>
+            <a:picLocks noGrp="1" noChangeAspect="1"/>
+          </p:cNvPicPr>
+          <p:nvPr>
+            <p:ph idx="1"/>
+          </p:nvPr>
+        </p:nvPicPr>
+        <p:blipFill>
+          <a:blip r:embed="rId2"/>
+          <a:stretch>
+            <a:fillRect/>
+          </a:stretch>
+        </p:blipFill>
+        <p:spPr>
+          <a:xfrm>
+            <a:off x="2143425" y="2011363"/>
+            <a:ext cx="7903563" cy="4206875"/>
+          </a:xfrm>
+        </p:spPr>
+      </p:pic>
+      <p:sp>
+        <p:nvSpPr>
+          <p:cNvPr id="11" name="Footer Placeholder 10">
+            <a:extLst>
+              <a:ext uri="{FF2B5EF4-FFF2-40B4-BE49-F238E27FC236}">
+                <a16:creationId xmlns:a16="http://schemas.microsoft.com/office/drawing/2014/main" id="{5523D1D0-8950-74E2-0709-75847B27DAC8}"/>
+              </a:ext>
+            </a:extLst>
+          </p:cNvPr>
+          <p:cNvSpPr>
+            <a:spLocks noGrp="1"/>
+          </p:cNvSpPr>
+          <p:nvPr>
+            <p:ph type="ftr" sz="quarter" idx="11"/>
+          </p:nvPr>
+        </p:nvSpPr>
+        <p:spPr/>
+        <p:txBody>
+          <a:bodyPr/>
+          <a:lstStyle/>
+          <a:p>
+            <a:r>
+              <a:rPr lang="en-US"/>
+              <a:t>Fundamental Programming with Python</a:t>
+            </a:r>
+            <a:endParaRPr lang="en-US" dirty="0"/>
+          </a:p>
+        </p:txBody>
+      </p:sp>
+    </p:spTree>
+    <p:extLst>
+      <p:ext uri="{BB962C8B-B14F-4D97-AF65-F5344CB8AC3E}">
+        <p14:creationId xmlns:p14="http://schemas.microsoft.com/office/powerpoint/2010/main" val="3392395063"/>
+      </p:ext>
+    </p:extLst>
+  </p:cSld>
+  <p:clrMapOvr>
+    <a:masterClrMapping/>
+  </p:clrMapOvr>
+</p:sld>
+</file>
+
+<file path=ppt/slides/slide22.xml><?xml version="1.0" encoding="utf-8"?>
+<p:sld xmlns:a="http://schemas.openxmlformats.org/drawingml/2006/main" xmlns:r="http://schemas.openxmlformats.org/officeDocument/2006/relationships" xmlns:p="http://schemas.openxmlformats.org/presentationml/2006/main">
+  <p:cSld>
+    <p:spTree>
+      <p:nvGrpSpPr>
+        <p:cNvPr id="1" name=""/>
+        <p:cNvGrpSpPr/>
+        <p:nvPr/>
+      </p:nvGrpSpPr>
+      <p:grpSpPr>
+        <a:xfrm>
+          <a:off x="0" y="0"/>
+          <a:ext cx="0" cy="0"/>
+          <a:chOff x="0" y="0"/>
+          <a:chExt cx="0" cy="0"/>
+        </a:xfrm>
+      </p:grpSpPr>
+      <p:sp>
+        <p:nvSpPr>
+          <p:cNvPr id="2" name="Title 1">
+            <a:extLst>
+              <a:ext uri="{FF2B5EF4-FFF2-40B4-BE49-F238E27FC236}">
+                <a16:creationId xmlns:a16="http://schemas.microsoft.com/office/drawing/2014/main" id="{E92F330D-D4D3-1FB3-78DD-69C8BB218F3E}"/>
+              </a:ext>
+            </a:extLst>
+          </p:cNvPr>
+          <p:cNvSpPr>
+            <a:spLocks noGrp="1"/>
+          </p:cNvSpPr>
+          <p:nvPr>
+            <p:ph type="title"/>
+          </p:nvPr>
+        </p:nvSpPr>
+        <p:spPr/>
+        <p:txBody>
+          <a:bodyPr/>
+          <a:lstStyle/>
+          <a:p>
+            <a:r>
+              <a:rPr lang="en-US" dirty="0"/>
+              <a:t>Fourth, install Git</a:t>
+            </a:r>
+          </a:p>
+        </p:txBody>
+      </p:sp>
+      <p:pic>
+        <p:nvPicPr>
+          <p:cNvPr id="6" name="Content Placeholder 5">
+            <a:extLst>
+              <a:ext uri="{FF2B5EF4-FFF2-40B4-BE49-F238E27FC236}">
+                <a16:creationId xmlns:a16="http://schemas.microsoft.com/office/drawing/2014/main" id="{2EB12FFC-DCE6-835D-1322-F360696BD22B}"/>
+              </a:ext>
+            </a:extLst>
+          </p:cNvPr>
+          <p:cNvPicPr>
+            <a:picLocks noGrp="1" noChangeAspect="1"/>
+          </p:cNvPicPr>
+          <p:nvPr>
+            <p:ph idx="1"/>
+          </p:nvPr>
+        </p:nvPicPr>
+        <p:blipFill>
+          <a:blip r:embed="rId2"/>
+          <a:stretch>
+            <a:fillRect/>
+          </a:stretch>
+        </p:blipFill>
+        <p:spPr>
+          <a:xfrm>
+            <a:off x="1664156" y="2011363"/>
+            <a:ext cx="8862101" cy="4206875"/>
+          </a:xfrm>
+        </p:spPr>
+      </p:pic>
+      <p:sp>
+        <p:nvSpPr>
+          <p:cNvPr id="4" name="Slide Number Placeholder 3">
+            <a:extLst>
+              <a:ext uri="{FF2B5EF4-FFF2-40B4-BE49-F238E27FC236}">
+                <a16:creationId xmlns:a16="http://schemas.microsoft.com/office/drawing/2014/main" id="{210DD302-8964-B399-91AB-E798B0E52FE9}"/>
+              </a:ext>
+            </a:extLst>
+          </p:cNvPr>
+          <p:cNvSpPr>
+            <a:spLocks noGrp="1"/>
+          </p:cNvSpPr>
+          <p:nvPr>
+            <p:ph type="sldNum" sz="quarter" idx="12"/>
+          </p:nvPr>
+        </p:nvSpPr>
+        <p:spPr/>
+        <p:txBody>
+          <a:bodyPr/>
+          <a:lstStyle/>
+          <a:p>
+            <a:fld id="{0079CAC6-A72B-4EF8-B465-34FA47827E7F}" type="slidenum">
+              <a:rPr lang="en-US" smtClean="0"/>
+              <a:t>22</a:t>
+            </a:fld>
+            <a:endParaRPr lang="en-US" dirty="0"/>
+          </a:p>
+        </p:txBody>
+      </p:sp>
+      <p:sp>
+        <p:nvSpPr>
+          <p:cNvPr id="7" name="Footer Placeholder 6">
+            <a:extLst>
+              <a:ext uri="{FF2B5EF4-FFF2-40B4-BE49-F238E27FC236}">
+                <a16:creationId xmlns:a16="http://schemas.microsoft.com/office/drawing/2014/main" id="{5488172E-B955-06A4-BAD9-6F7BFB84110B}"/>
+              </a:ext>
+            </a:extLst>
+          </p:cNvPr>
+          <p:cNvSpPr>
+            <a:spLocks noGrp="1"/>
+          </p:cNvSpPr>
+          <p:nvPr>
+            <p:ph type="ftr" sz="quarter" idx="11"/>
+          </p:nvPr>
+        </p:nvSpPr>
+        <p:spPr/>
+        <p:txBody>
+          <a:bodyPr/>
+          <a:lstStyle/>
+          <a:p>
+            <a:r>
+              <a:rPr lang="en-US"/>
+              <a:t>Fundamental Programming with Python</a:t>
+            </a:r>
+            <a:endParaRPr lang="en-US" dirty="0"/>
+          </a:p>
+        </p:txBody>
+      </p:sp>
+    </p:spTree>
+    <p:extLst>
+      <p:ext uri="{BB962C8B-B14F-4D97-AF65-F5344CB8AC3E}">
+        <p14:creationId xmlns:p14="http://schemas.microsoft.com/office/powerpoint/2010/main" val="168768394"/>
+      </p:ext>
+    </p:extLst>
+  </p:cSld>
+  <p:clrMapOvr>
+    <a:masterClrMapping/>
+  </p:clrMapOvr>
+</p:sld>
+</file>
+
+<file path=ppt/slides/slide23.xml><?xml version="1.0" encoding="utf-8"?>
+<p:sld xmlns:a="http://schemas.openxmlformats.org/drawingml/2006/main" xmlns:r="http://schemas.openxmlformats.org/officeDocument/2006/relationships" xmlns:p="http://schemas.openxmlformats.org/presentationml/2006/main">
+  <p:cSld>
+    <p:spTree>
+      <p:nvGrpSpPr>
+        <p:cNvPr id="1" name=""/>
+        <p:cNvGrpSpPr/>
+        <p:nvPr/>
+      </p:nvGrpSpPr>
+      <p:grpSpPr>
+        <a:xfrm>
+          <a:off x="0" y="0"/>
+          <a:ext cx="0" cy="0"/>
+          <a:chOff x="0" y="0"/>
+          <a:chExt cx="0" cy="0"/>
+        </a:xfrm>
+      </p:grpSpPr>
+      <p:sp>
+        <p:nvSpPr>
+          <p:cNvPr id="2" name="Title 1">
+            <a:extLst>
+              <a:ext uri="{FF2B5EF4-FFF2-40B4-BE49-F238E27FC236}">
+                <a16:creationId xmlns:a16="http://schemas.microsoft.com/office/drawing/2014/main" id="{E971B2D1-ED4F-3F7E-6680-17E47645F005}"/>
+              </a:ext>
+            </a:extLst>
+          </p:cNvPr>
+          <p:cNvSpPr>
+            <a:spLocks noGrp="1"/>
+          </p:cNvSpPr>
+          <p:nvPr>
+            <p:ph type="title"/>
+          </p:nvPr>
+        </p:nvSpPr>
+        <p:spPr/>
+        <p:txBody>
+          <a:bodyPr/>
+          <a:lstStyle/>
+          <a:p>
+            <a:r>
+              <a:rPr lang="en-US" dirty="0"/>
+              <a:t>Lecture Resources</a:t>
+            </a:r>
+          </a:p>
+        </p:txBody>
+      </p:sp>
+      <p:sp>
+        <p:nvSpPr>
+          <p:cNvPr id="3" name="Content Placeholder 2">
+            <a:extLst>
+              <a:ext uri="{FF2B5EF4-FFF2-40B4-BE49-F238E27FC236}">
+                <a16:creationId xmlns:a16="http://schemas.microsoft.com/office/drawing/2014/main" id="{048171A8-7BC9-A1CC-24DE-D1A363BFCAAB}"/>
+              </a:ext>
+            </a:extLst>
+          </p:cNvPr>
+          <p:cNvSpPr>
+            <a:spLocks noGrp="1"/>
+          </p:cNvSpPr>
+          <p:nvPr>
+            <p:ph idx="1"/>
+          </p:nvPr>
+        </p:nvSpPr>
+        <p:spPr/>
+        <p:txBody>
+          <a:bodyPr>
+            <a:normAutofit/>
+          </a:bodyPr>
+          <a:lstStyle/>
+          <a:p>
+            <a:pPr algn="just"/>
+            <a:r>
+              <a:rPr lang="en-US" sz="2800" i="1" dirty="0"/>
+              <a:t>P. Wentworth, J. </a:t>
+            </a:r>
+            <a:r>
+              <a:rPr lang="en-US" sz="2800" i="1" dirty="0" err="1"/>
+              <a:t>Elkner</a:t>
+            </a:r>
+            <a:r>
+              <a:rPr lang="en-US" sz="2800" i="1" dirty="0"/>
+              <a:t>, A. B. Downey, C. Meyers. How to Think Like a Computer Scientist: Learning with Python. 3rd Edition, Open Book Project, 2011.</a:t>
+            </a:r>
+          </a:p>
+        </p:txBody>
+      </p:sp>
+      <p:sp>
+        <p:nvSpPr>
+          <p:cNvPr id="4" name="Slide Number Placeholder 3">
+            <a:extLst>
+              <a:ext uri="{FF2B5EF4-FFF2-40B4-BE49-F238E27FC236}">
+                <a16:creationId xmlns:a16="http://schemas.microsoft.com/office/drawing/2014/main" id="{1A07D2F6-E8B4-DCE8-6D7F-E8A49CF5128B}"/>
+              </a:ext>
+            </a:extLst>
+          </p:cNvPr>
+          <p:cNvSpPr>
+            <a:spLocks noGrp="1"/>
+          </p:cNvSpPr>
+          <p:nvPr>
+            <p:ph type="sldNum" sz="quarter" idx="12"/>
+          </p:nvPr>
+        </p:nvSpPr>
+        <p:spPr/>
+        <p:txBody>
+          <a:bodyPr/>
+          <a:lstStyle/>
+          <a:p>
+            <a:fld id="{0079CAC6-A72B-4EF8-B465-34FA47827E7F}" type="slidenum">
+              <a:rPr lang="en-US" smtClean="0"/>
+              <a:t>23</a:t>
+            </a:fld>
+            <a:endParaRPr lang="en-US" dirty="0"/>
+          </a:p>
+        </p:txBody>
+      </p:sp>
+      <p:sp>
+        <p:nvSpPr>
+          <p:cNvPr id="5" name="Footer Placeholder 4">
+            <a:extLst>
+              <a:ext uri="{FF2B5EF4-FFF2-40B4-BE49-F238E27FC236}">
+                <a16:creationId xmlns:a16="http://schemas.microsoft.com/office/drawing/2014/main" id="{F7926C1C-F8F8-36AC-3F81-B1B9194574F2}"/>
+              </a:ext>
+            </a:extLst>
+          </p:cNvPr>
+          <p:cNvSpPr>
+            <a:spLocks noGrp="1"/>
+          </p:cNvSpPr>
+          <p:nvPr>
+            <p:ph type="ftr" sz="quarter" idx="11"/>
+          </p:nvPr>
+        </p:nvSpPr>
+        <p:spPr/>
+        <p:txBody>
+          <a:bodyPr/>
+          <a:lstStyle/>
+          <a:p>
+            <a:r>
+              <a:rPr lang="en-US"/>
+              <a:t>Fundamental Programming with Python</a:t>
+            </a:r>
+            <a:endParaRPr lang="en-US" dirty="0"/>
+          </a:p>
+        </p:txBody>
+      </p:sp>
+    </p:spTree>
+    <p:extLst>
+      <p:ext uri="{BB962C8B-B14F-4D97-AF65-F5344CB8AC3E}">
+        <p14:creationId xmlns:p14="http://schemas.microsoft.com/office/powerpoint/2010/main" val="3233585793"/>
+      </p:ext>
+    </p:extLst>
+  </p:cSld>
+  <p:clrMapOvr>
+    <a:masterClrMapping/>
+  </p:clrMapOvr>
+</p:sld>
+</file>
+
+<file path=ppt/slides/slide3.xml><?xml version="1.0" encoding="utf-8"?>
+<p:sld xmlns:a="http://schemas.openxmlformats.org/drawingml/2006/main" xmlns:r="http://schemas.openxmlformats.org/officeDocument/2006/relationships" xmlns:p="http://schemas.openxmlformats.org/presentationml/2006/main">
+  <p:cSld>
+    <p:spTree>
+      <p:nvGrpSpPr>
+        <p:cNvPr id="1" name=""/>
+        <p:cNvGrpSpPr/>
+        <p:nvPr/>
+      </p:nvGrpSpPr>
+      <p:grpSpPr>
+        <a:xfrm>
+          <a:off x="0" y="0"/>
+          <a:ext cx="0" cy="0"/>
+          <a:chOff x="0" y="0"/>
+          <a:chExt cx="0" cy="0"/>
+        </a:xfrm>
+      </p:grpSpPr>
+      <p:sp>
+        <p:nvSpPr>
+          <p:cNvPr id="5" name="Title 4">
+            <a:extLst>
+              <a:ext uri="{FF2B5EF4-FFF2-40B4-BE49-F238E27FC236}">
+                <a16:creationId xmlns:a16="http://schemas.microsoft.com/office/drawing/2014/main" id="{3E1FC432-A453-870C-34F6-F5AB1E824DD3}"/>
+              </a:ext>
+            </a:extLst>
+          </p:cNvPr>
+          <p:cNvSpPr>
+            <a:spLocks noGrp="1"/>
+          </p:cNvSpPr>
+          <p:nvPr>
+            <p:ph type="title"/>
+          </p:nvPr>
+        </p:nvSpPr>
+        <p:spPr/>
+        <p:txBody>
+          <a:bodyPr/>
+          <a:lstStyle/>
+          <a:p>
+            <a:r>
+              <a:rPr lang="en-US" dirty="0"/>
+              <a:t>Course Information</a:t>
+            </a:r>
+          </a:p>
+        </p:txBody>
+      </p:sp>
+      <p:sp>
+        <p:nvSpPr>
+          <p:cNvPr id="4" name="Slide Number Placeholder 3">
+            <a:extLst>
+              <a:ext uri="{FF2B5EF4-FFF2-40B4-BE49-F238E27FC236}">
+                <a16:creationId xmlns:a16="http://schemas.microsoft.com/office/drawing/2014/main" id="{872D2B23-7846-DE1D-E096-383132454A1B}"/>
+              </a:ext>
+            </a:extLst>
+          </p:cNvPr>
+          <p:cNvSpPr>
+            <a:spLocks noGrp="1"/>
+          </p:cNvSpPr>
+          <p:nvPr>
+            <p:ph type="sldNum" sz="quarter" idx="12"/>
+          </p:nvPr>
+        </p:nvSpPr>
+        <p:spPr/>
+        <p:txBody>
+          <a:bodyPr/>
+          <a:lstStyle/>
+          <a:p>
+            <a:fld id="{0079CAC6-A72B-4EF8-B465-34FA47827E7F}" type="slidenum">
+              <a:rPr lang="en-US" smtClean="0"/>
+              <a:t>3</a:t>
+            </a:fld>
+            <a:endParaRPr lang="en-US" dirty="0"/>
+          </a:p>
+        </p:txBody>
+      </p:sp>
+      <p:sp>
+        <p:nvSpPr>
+          <p:cNvPr id="2" name="Footer Placeholder 1">
+            <a:extLst>
+              <a:ext uri="{FF2B5EF4-FFF2-40B4-BE49-F238E27FC236}">
+                <a16:creationId xmlns:a16="http://schemas.microsoft.com/office/drawing/2014/main" id="{88F3A02B-EBDE-A1C4-048E-E606628F0D93}"/>
+              </a:ext>
+            </a:extLst>
+          </p:cNvPr>
+          <p:cNvSpPr>
+            <a:spLocks noGrp="1"/>
+          </p:cNvSpPr>
+          <p:nvPr>
+            <p:ph type="ftr" sz="quarter" idx="11"/>
+          </p:nvPr>
+        </p:nvSpPr>
+        <p:spPr/>
+        <p:txBody>
+          <a:bodyPr/>
+          <a:lstStyle/>
+          <a:p>
+            <a:r>
+              <a:rPr lang="en-US"/>
+              <a:t>Fundamental Programming with Python</a:t>
+            </a:r>
+            <a:endParaRPr lang="en-US" dirty="0"/>
+          </a:p>
+        </p:txBody>
+      </p:sp>
+    </p:spTree>
+    <p:extLst>
+      <p:ext uri="{BB962C8B-B14F-4D97-AF65-F5344CB8AC3E}">
+        <p14:creationId xmlns:p14="http://schemas.microsoft.com/office/powerpoint/2010/main" val="1880067755"/>
       </p:ext>
     </p:extLst>
   </p:cSld>
@@ -8544,7 +9558,7 @@
           <p:cNvPr id="5" name="Title 4">
             <a:extLst>
               <a:ext uri="{FF2B5EF4-FFF2-40B4-BE49-F238E27FC236}">
-                <a16:creationId xmlns:a16="http://schemas.microsoft.com/office/drawing/2014/main" id="{3E1FC432-A453-870C-34F6-F5AB1E824DD3}"/>
+                <a16:creationId xmlns:a16="http://schemas.microsoft.com/office/drawing/2014/main" id="{A135425A-286D-7342-4CC5-A4D17C32DD4D}"/>
               </a:ext>
             </a:extLst>
           </p:cNvPr>
@@ -8562,8 +9576,95 @@
           <a:p>
             <a:r>
               <a:rPr lang="en-US" dirty="0"/>
-              <a:t>Course Information</a:t>
-            </a:r>
+              <a:t>Grading</a:t>
+            </a:r>
+          </a:p>
+        </p:txBody>
+      </p:sp>
+      <p:sp>
+        <p:nvSpPr>
+          <p:cNvPr id="6" name="Content Placeholder 5">
+            <a:extLst>
+              <a:ext uri="{FF2B5EF4-FFF2-40B4-BE49-F238E27FC236}">
+                <a16:creationId xmlns:a16="http://schemas.microsoft.com/office/drawing/2014/main" id="{E0B5B0B7-3271-CEC5-46CD-01D86E5D602B}"/>
+              </a:ext>
+            </a:extLst>
+          </p:cNvPr>
+          <p:cNvSpPr>
+            <a:spLocks noGrp="1"/>
+          </p:cNvSpPr>
+          <p:nvPr>
+            <p:ph idx="1"/>
+          </p:nvPr>
+        </p:nvSpPr>
+        <p:spPr/>
+        <p:txBody>
+          <a:bodyPr>
+            <a:normAutofit fontScale="85000" lnSpcReduction="10000"/>
+          </a:bodyPr>
+          <a:lstStyle/>
+          <a:p>
+            <a:r>
+              <a:rPr lang="en-US" dirty="0"/>
+              <a:t>Approx.  20% Programming Assignments</a:t>
+            </a:r>
+          </a:p>
+          <a:p>
+            <a:r>
+              <a:rPr lang="en-US" dirty="0"/>
+              <a:t>Approx.  2% Challenging Questions and Contributions in Class</a:t>
+            </a:r>
+          </a:p>
+          <a:p>
+            <a:r>
+              <a:rPr lang="en-US" dirty="0"/>
+              <a:t>Approx. 13% Mid-term Project (alone)</a:t>
+            </a:r>
+          </a:p>
+          <a:p>
+            <a:r>
+              <a:rPr lang="en-US" dirty="0"/>
+              <a:t>Approx.  35% Final Project (team work~5 member)</a:t>
+            </a:r>
+          </a:p>
+          <a:p>
+            <a:pPr lvl="1"/>
+            <a:r>
+              <a:rPr lang="en-US" sz="3000" i="1" dirty="0"/>
+              <a:t>Proposal (about real needs)</a:t>
+            </a:r>
+          </a:p>
+          <a:p>
+            <a:pPr lvl="1"/>
+            <a:r>
+              <a:rPr lang="en-US" sz="3000" i="1" dirty="0"/>
+              <a:t>Coding</a:t>
+            </a:r>
+          </a:p>
+          <a:p>
+            <a:pPr lvl="1"/>
+            <a:r>
+              <a:rPr lang="en-US" sz="3000" i="1" dirty="0"/>
+              <a:t>Release</a:t>
+            </a:r>
+          </a:p>
+          <a:p>
+            <a:r>
+              <a:rPr lang="en-US" dirty="0"/>
+              <a:t>Approx. 30% Final Exam</a:t>
+            </a:r>
+          </a:p>
+          <a:p>
+            <a:r>
+              <a:rPr lang="en-US" dirty="0"/>
+              <a:t>Approx.  5% Presentation with Code(extra score)</a:t>
+            </a:r>
+          </a:p>
+          <a:p>
+            <a:endParaRPr lang="en-US" dirty="0"/>
+          </a:p>
+          <a:p>
+            <a:endParaRPr lang="en-US" dirty="0"/>
           </a:p>
         </p:txBody>
       </p:sp>
@@ -8572,7 +9673,7 @@
           <p:cNvPr id="4" name="Slide Number Placeholder 3">
             <a:extLst>
               <a:ext uri="{FF2B5EF4-FFF2-40B4-BE49-F238E27FC236}">
-                <a16:creationId xmlns:a16="http://schemas.microsoft.com/office/drawing/2014/main" id="{872D2B23-7846-DE1D-E096-383132454A1B}"/>
+                <a16:creationId xmlns:a16="http://schemas.microsoft.com/office/drawing/2014/main" id="{EE84407F-CFFA-DBD6-014C-FFE454C3BE09}"/>
               </a:ext>
             </a:extLst>
           </p:cNvPr>
@@ -8596,10 +9697,39 @@
           </a:p>
         </p:txBody>
       </p:sp>
+      <p:sp>
+        <p:nvSpPr>
+          <p:cNvPr id="2" name="Footer Placeholder 1">
+            <a:extLst>
+              <a:ext uri="{FF2B5EF4-FFF2-40B4-BE49-F238E27FC236}">
+                <a16:creationId xmlns:a16="http://schemas.microsoft.com/office/drawing/2014/main" id="{0313B2DA-F167-2111-2D7B-9BFFF80C62EB}"/>
+              </a:ext>
+            </a:extLst>
+          </p:cNvPr>
+          <p:cNvSpPr>
+            <a:spLocks noGrp="1"/>
+          </p:cNvSpPr>
+          <p:nvPr>
+            <p:ph type="ftr" sz="quarter" idx="11"/>
+          </p:nvPr>
+        </p:nvSpPr>
+        <p:spPr/>
+        <p:txBody>
+          <a:bodyPr/>
+          <a:lstStyle/>
+          <a:p>
+            <a:r>
+              <a:rPr lang="en-US"/>
+              <a:t>Fundamental Programming with Python</a:t>
+            </a:r>
+            <a:endParaRPr lang="en-US" dirty="0"/>
+          </a:p>
+        </p:txBody>
+      </p:sp>
     </p:spTree>
     <p:extLst>
       <p:ext uri="{BB962C8B-B14F-4D97-AF65-F5344CB8AC3E}">
-        <p14:creationId xmlns:p14="http://schemas.microsoft.com/office/powerpoint/2010/main" val="1880067755"/>
+        <p14:creationId xmlns:p14="http://schemas.microsoft.com/office/powerpoint/2010/main" val="214327160"/>
       </p:ext>
     </p:extLst>
   </p:cSld>
@@ -8628,180 +9758,6 @@
       </p:grpSpPr>
       <p:sp>
         <p:nvSpPr>
-          <p:cNvPr id="5" name="Title 4">
-            <a:extLst>
-              <a:ext uri="{FF2B5EF4-FFF2-40B4-BE49-F238E27FC236}">
-                <a16:creationId xmlns:a16="http://schemas.microsoft.com/office/drawing/2014/main" id="{A135425A-286D-7342-4CC5-A4D17C32DD4D}"/>
-              </a:ext>
-            </a:extLst>
-          </p:cNvPr>
-          <p:cNvSpPr>
-            <a:spLocks noGrp="1"/>
-          </p:cNvSpPr>
-          <p:nvPr>
-            <p:ph type="title"/>
-          </p:nvPr>
-        </p:nvSpPr>
-        <p:spPr/>
-        <p:txBody>
-          <a:bodyPr/>
-          <a:lstStyle/>
-          <a:p>
-            <a:r>
-              <a:rPr lang="en-US" dirty="0"/>
-              <a:t>Grading</a:t>
-            </a:r>
-          </a:p>
-        </p:txBody>
-      </p:sp>
-      <p:sp>
-        <p:nvSpPr>
-          <p:cNvPr id="6" name="Content Placeholder 5">
-            <a:extLst>
-              <a:ext uri="{FF2B5EF4-FFF2-40B4-BE49-F238E27FC236}">
-                <a16:creationId xmlns:a16="http://schemas.microsoft.com/office/drawing/2014/main" id="{E0B5B0B7-3271-CEC5-46CD-01D86E5D602B}"/>
-              </a:ext>
-            </a:extLst>
-          </p:cNvPr>
-          <p:cNvSpPr>
-            <a:spLocks noGrp="1"/>
-          </p:cNvSpPr>
-          <p:nvPr>
-            <p:ph idx="1"/>
-          </p:nvPr>
-        </p:nvSpPr>
-        <p:spPr/>
-        <p:txBody>
-          <a:bodyPr>
-            <a:normAutofit fontScale="85000" lnSpcReduction="10000"/>
-          </a:bodyPr>
-          <a:lstStyle/>
-          <a:p>
-            <a:r>
-              <a:rPr lang="en-US" dirty="0"/>
-              <a:t>Approx.  20% Programming Assignments</a:t>
-            </a:r>
-          </a:p>
-          <a:p>
-            <a:r>
-              <a:rPr lang="en-US" dirty="0"/>
-              <a:t>Approx.  2% Challenging Questions and Contributions in Class</a:t>
-            </a:r>
-          </a:p>
-          <a:p>
-            <a:r>
-              <a:rPr lang="en-US" dirty="0"/>
-              <a:t>Approx. 13% Mid-term Project (alone)</a:t>
-            </a:r>
-          </a:p>
-          <a:p>
-            <a:r>
-              <a:rPr lang="en-US" dirty="0"/>
-              <a:t>Approx.  35% Final Project (team work~5 member)</a:t>
-            </a:r>
-          </a:p>
-          <a:p>
-            <a:pPr lvl="1"/>
-            <a:r>
-              <a:rPr lang="en-US" sz="3000" i="1" dirty="0"/>
-              <a:t>Proposal (about real needs)</a:t>
-            </a:r>
-          </a:p>
-          <a:p>
-            <a:pPr lvl="1"/>
-            <a:r>
-              <a:rPr lang="en-US" sz="3000" i="1" dirty="0"/>
-              <a:t>Coding</a:t>
-            </a:r>
-          </a:p>
-          <a:p>
-            <a:pPr lvl="1"/>
-            <a:r>
-              <a:rPr lang="en-US" sz="3000" i="1" dirty="0"/>
-              <a:t>Release</a:t>
-            </a:r>
-          </a:p>
-          <a:p>
-            <a:r>
-              <a:rPr lang="en-US" dirty="0"/>
-              <a:t>Approx. 30% Final Exam</a:t>
-            </a:r>
-          </a:p>
-          <a:p>
-            <a:r>
-              <a:rPr lang="en-US" dirty="0"/>
-              <a:t>Approx.  5% Presentation with Code(extra score)</a:t>
-            </a:r>
-          </a:p>
-          <a:p>
-            <a:endParaRPr lang="en-US" dirty="0"/>
-          </a:p>
-          <a:p>
-            <a:endParaRPr lang="en-US" dirty="0"/>
-          </a:p>
-        </p:txBody>
-      </p:sp>
-      <p:sp>
-        <p:nvSpPr>
-          <p:cNvPr id="4" name="Slide Number Placeholder 3">
-            <a:extLst>
-              <a:ext uri="{FF2B5EF4-FFF2-40B4-BE49-F238E27FC236}">
-                <a16:creationId xmlns:a16="http://schemas.microsoft.com/office/drawing/2014/main" id="{EE84407F-CFFA-DBD6-014C-FFE454C3BE09}"/>
-              </a:ext>
-            </a:extLst>
-          </p:cNvPr>
-          <p:cNvSpPr>
-            <a:spLocks noGrp="1"/>
-          </p:cNvSpPr>
-          <p:nvPr>
-            <p:ph type="sldNum" sz="quarter" idx="12"/>
-          </p:nvPr>
-        </p:nvSpPr>
-        <p:spPr/>
-        <p:txBody>
-          <a:bodyPr/>
-          <a:lstStyle/>
-          <a:p>
-            <a:fld id="{0079CAC6-A72B-4EF8-B465-34FA47827E7F}" type="slidenum">
-              <a:rPr lang="en-US" smtClean="0"/>
-              <a:t>5</a:t>
-            </a:fld>
-            <a:endParaRPr lang="en-US" dirty="0"/>
-          </a:p>
-        </p:txBody>
-      </p:sp>
-    </p:spTree>
-    <p:extLst>
-      <p:ext uri="{BB962C8B-B14F-4D97-AF65-F5344CB8AC3E}">
-        <p14:creationId xmlns:p14="http://schemas.microsoft.com/office/powerpoint/2010/main" val="214327160"/>
-      </p:ext>
-    </p:extLst>
-  </p:cSld>
-  <p:clrMapOvr>
-    <a:masterClrMapping/>
-  </p:clrMapOvr>
-</p:sld>
-</file>
-
-<file path=ppt/slides/slide6.xml><?xml version="1.0" encoding="utf-8"?>
-<p:sld xmlns:a="http://schemas.openxmlformats.org/drawingml/2006/main" xmlns:r="http://schemas.openxmlformats.org/officeDocument/2006/relationships" xmlns:p="http://schemas.openxmlformats.org/presentationml/2006/main">
-  <p:cSld>
-    <p:spTree>
-      <p:nvGrpSpPr>
-        <p:cNvPr id="1" name=""/>
-        <p:cNvGrpSpPr/>
-        <p:nvPr/>
-      </p:nvGrpSpPr>
-      <p:grpSpPr>
-        <a:xfrm>
-          <a:off x="0" y="0"/>
-          <a:ext cx="0" cy="0"/>
-          <a:chOff x="0" y="0"/>
-          <a:chExt cx="0" cy="0"/>
-        </a:xfrm>
-      </p:grpSpPr>
-      <p:sp>
-        <p:nvSpPr>
           <p:cNvPr id="2" name="Title 1">
             <a:extLst>
               <a:ext uri="{FF2B5EF4-FFF2-40B4-BE49-F238E27FC236}">
@@ -8959,7 +9915,7 @@
           <a:p>
             <a:fld id="{0079CAC6-A72B-4EF8-B465-34FA47827E7F}" type="slidenum">
               <a:rPr lang="en-US" smtClean="0"/>
-              <a:t>6</a:t>
+              <a:t>5</a:t>
             </a:fld>
             <a:endParaRPr lang="en-US" dirty="0"/>
           </a:p>
@@ -9008,10 +9964,199 @@
           </a:effectLst>
         </p:spPr>
       </p:pic>
+      <p:sp>
+        <p:nvSpPr>
+          <p:cNvPr id="5" name="Footer Placeholder 4">
+            <a:extLst>
+              <a:ext uri="{FF2B5EF4-FFF2-40B4-BE49-F238E27FC236}">
+                <a16:creationId xmlns:a16="http://schemas.microsoft.com/office/drawing/2014/main" id="{550FDF0C-558A-AC2C-FC85-DCA32C2D70BB}"/>
+              </a:ext>
+            </a:extLst>
+          </p:cNvPr>
+          <p:cNvSpPr>
+            <a:spLocks noGrp="1"/>
+          </p:cNvSpPr>
+          <p:nvPr>
+            <p:ph type="ftr" sz="quarter" idx="11"/>
+          </p:nvPr>
+        </p:nvSpPr>
+        <p:spPr/>
+        <p:txBody>
+          <a:bodyPr/>
+          <a:lstStyle/>
+          <a:p>
+            <a:r>
+              <a:rPr lang="en-US"/>
+              <a:t>Fundamental Programming with Python</a:t>
+            </a:r>
+            <a:endParaRPr lang="en-US" dirty="0"/>
+          </a:p>
+        </p:txBody>
+      </p:sp>
     </p:spTree>
     <p:extLst>
       <p:ext uri="{BB962C8B-B14F-4D97-AF65-F5344CB8AC3E}">
         <p14:creationId xmlns:p14="http://schemas.microsoft.com/office/powerpoint/2010/main" val="4161332300"/>
+      </p:ext>
+    </p:extLst>
+  </p:cSld>
+  <p:clrMapOvr>
+    <a:masterClrMapping/>
+  </p:clrMapOvr>
+</p:sld>
+</file>
+
+<file path=ppt/slides/slide6.xml><?xml version="1.0" encoding="utf-8"?>
+<p:sld xmlns:a="http://schemas.openxmlformats.org/drawingml/2006/main" xmlns:r="http://schemas.openxmlformats.org/officeDocument/2006/relationships" xmlns:p="http://schemas.openxmlformats.org/presentationml/2006/main">
+  <p:cSld>
+    <p:spTree>
+      <p:nvGrpSpPr>
+        <p:cNvPr id="1" name=""/>
+        <p:cNvGrpSpPr/>
+        <p:nvPr/>
+      </p:nvGrpSpPr>
+      <p:grpSpPr>
+        <a:xfrm>
+          <a:off x="0" y="0"/>
+          <a:ext cx="0" cy="0"/>
+          <a:chOff x="0" y="0"/>
+          <a:chExt cx="0" cy="0"/>
+        </a:xfrm>
+      </p:grpSpPr>
+      <p:sp>
+        <p:nvSpPr>
+          <p:cNvPr id="2" name="Title 1">
+            <a:extLst>
+              <a:ext uri="{FF2B5EF4-FFF2-40B4-BE49-F238E27FC236}">
+                <a16:creationId xmlns:a16="http://schemas.microsoft.com/office/drawing/2014/main" id="{91929AF8-2DBE-FCC3-25ED-F4AC9A804F46}"/>
+              </a:ext>
+            </a:extLst>
+          </p:cNvPr>
+          <p:cNvSpPr>
+            <a:spLocks noGrp="1"/>
+          </p:cNvSpPr>
+          <p:nvPr>
+            <p:ph type="title"/>
+          </p:nvPr>
+        </p:nvSpPr>
+        <p:spPr/>
+        <p:txBody>
+          <a:bodyPr/>
+          <a:lstStyle/>
+          <a:p>
+            <a:r>
+              <a:rPr lang="en-US" dirty="0"/>
+              <a:t>Main links for </a:t>
+            </a:r>
+            <a:r>
+              <a:rPr lang="en-US"/>
+              <a:t>our class</a:t>
+            </a:r>
+            <a:endParaRPr lang="en-US" dirty="0"/>
+          </a:p>
+        </p:txBody>
+      </p:sp>
+      <p:sp>
+        <p:nvSpPr>
+          <p:cNvPr id="3" name="Content Placeholder 2">
+            <a:extLst>
+              <a:ext uri="{FF2B5EF4-FFF2-40B4-BE49-F238E27FC236}">
+                <a16:creationId xmlns:a16="http://schemas.microsoft.com/office/drawing/2014/main" id="{01542344-93A8-83A8-A31B-10C9F49E921E}"/>
+              </a:ext>
+            </a:extLst>
+          </p:cNvPr>
+          <p:cNvSpPr>
+            <a:spLocks noGrp="1"/>
+          </p:cNvSpPr>
+          <p:nvPr>
+            <p:ph idx="1"/>
+          </p:nvPr>
+        </p:nvSpPr>
+        <p:spPr/>
+        <p:txBody>
+          <a:bodyPr/>
+          <a:lstStyle/>
+          <a:p>
+            <a:r>
+              <a:rPr lang="en-US" dirty="0"/>
+              <a:t>Telegram group: t.me/SharifPythonSpace1401</a:t>
+            </a:r>
+          </a:p>
+          <a:p>
+            <a:r>
+              <a:rPr lang="en-US" dirty="0"/>
+              <a:t>GitHub organization: github.com/</a:t>
+            </a:r>
+            <a:r>
+              <a:rPr lang="en-US" dirty="0" err="1"/>
+              <a:t>SharifPythonSpace</a:t>
+            </a:r>
+            <a:endParaRPr lang="en-US" dirty="0"/>
+          </a:p>
+        </p:txBody>
+      </p:sp>
+      <p:sp>
+        <p:nvSpPr>
+          <p:cNvPr id="4" name="Slide Number Placeholder 3">
+            <a:extLst>
+              <a:ext uri="{FF2B5EF4-FFF2-40B4-BE49-F238E27FC236}">
+                <a16:creationId xmlns:a16="http://schemas.microsoft.com/office/drawing/2014/main" id="{94D86E94-A2C3-F217-2D4D-E097CD3E8D93}"/>
+              </a:ext>
+            </a:extLst>
+          </p:cNvPr>
+          <p:cNvSpPr>
+            <a:spLocks noGrp="1"/>
+          </p:cNvSpPr>
+          <p:nvPr>
+            <p:ph type="sldNum" sz="quarter" idx="12"/>
+          </p:nvPr>
+        </p:nvSpPr>
+        <p:spPr/>
+        <p:txBody>
+          <a:bodyPr/>
+          <a:lstStyle/>
+          <a:p>
+            <a:fld id="{0079CAC6-A72B-4EF8-B465-34FA47827E7F}" type="slidenum">
+              <a:rPr lang="en-US" smtClean="0"/>
+              <a:t>6</a:t>
+            </a:fld>
+            <a:endParaRPr lang="en-US" dirty="0"/>
+          </a:p>
+        </p:txBody>
+      </p:sp>
+      <p:sp>
+        <p:nvSpPr>
+          <p:cNvPr id="5" name="Footer Placeholder 4">
+            <a:extLst>
+              <a:ext uri="{FF2B5EF4-FFF2-40B4-BE49-F238E27FC236}">
+                <a16:creationId xmlns:a16="http://schemas.microsoft.com/office/drawing/2014/main" id="{631ED53A-7013-0F69-5EBF-C349AE546C37}"/>
+              </a:ext>
+            </a:extLst>
+          </p:cNvPr>
+          <p:cNvSpPr>
+            <a:spLocks noGrp="1"/>
+          </p:cNvSpPr>
+          <p:nvPr>
+            <p:ph type="ftr" sz="quarter" idx="11"/>
+          </p:nvPr>
+        </p:nvSpPr>
+        <p:spPr/>
+        <p:txBody>
+          <a:bodyPr/>
+          <a:lstStyle/>
+          <a:p>
+            <a:r>
+              <a:rPr lang="en-US"/>
+              <a:t>Fundamental Programming with Python</a:t>
+            </a:r>
+            <a:endParaRPr lang="en-US" dirty="0"/>
+          </a:p>
+        </p:txBody>
+      </p:sp>
+    </p:spTree>
+    <p:extLst>
+      <p:ext uri="{BB962C8B-B14F-4D97-AF65-F5344CB8AC3E}">
+        <p14:creationId xmlns:p14="http://schemas.microsoft.com/office/powerpoint/2010/main" val="196215238"/>
       </p:ext>
     </p:extLst>
   </p:cSld>
@@ -9043,7 +10188,7 @@
           <p:cNvPr id="2" name="Title 1">
             <a:extLst>
               <a:ext uri="{FF2B5EF4-FFF2-40B4-BE49-F238E27FC236}">
-                <a16:creationId xmlns:a16="http://schemas.microsoft.com/office/drawing/2014/main" id="{91929AF8-2DBE-FCC3-25ED-F4AC9A804F46}"/>
+                <a16:creationId xmlns:a16="http://schemas.microsoft.com/office/drawing/2014/main" id="{D04E7BF9-93E3-307D-03D4-E63181C84F1C}"/>
               </a:ext>
             </a:extLst>
           </p:cNvPr>
@@ -9061,13 +10206,8 @@
           <a:p>
             <a:r>
               <a:rPr lang="en-US" dirty="0"/>
-              <a:t>Main links for </a:t>
-            </a:r>
-            <a:r>
-              <a:rPr lang="en-US"/>
-              <a:t>our class</a:t>
-            </a:r>
-            <a:endParaRPr lang="en-US" dirty="0"/>
+              <a:t>Together</a:t>
+            </a:r>
           </a:p>
         </p:txBody>
       </p:sp>
@@ -9076,7 +10216,7 @@
           <p:cNvPr id="3" name="Content Placeholder 2">
             <a:extLst>
               <a:ext uri="{FF2B5EF4-FFF2-40B4-BE49-F238E27FC236}">
-                <a16:creationId xmlns:a16="http://schemas.microsoft.com/office/drawing/2014/main" id="{01542344-93A8-83A8-A31B-10C9F49E921E}"/>
+                <a16:creationId xmlns:a16="http://schemas.microsoft.com/office/drawing/2014/main" id="{A8B0ACF0-C99B-8FC1-911B-53228D0342B9}"/>
               </a:ext>
             </a:extLst>
           </p:cNvPr>
@@ -9089,24 +10229,24 @@
         </p:nvSpPr>
         <p:spPr/>
         <p:txBody>
-          <a:bodyPr/>
-          <a:lstStyle/>
-          <a:p>
-            <a:r>
-              <a:rPr lang="en-US" dirty="0"/>
-              <a:t>Telegram group: t.me/SharifPythonSpace1401</a:t>
-            </a:r>
-          </a:p>
-          <a:p>
-            <a:r>
-              <a:rPr lang="en-US" dirty="0"/>
-              <a:t>GitHub organization: github.com/</a:t>
-            </a:r>
-            <a:r>
-              <a:rPr lang="en-US" dirty="0" err="1"/>
-              <a:t>SharifPythonSpace</a:t>
-            </a:r>
-            <a:endParaRPr lang="en-US" dirty="0"/>
+          <a:bodyPr>
+            <a:normAutofit/>
+          </a:bodyPr>
+          <a:lstStyle/>
+          <a:p>
+            <a:pPr marL="0" indent="0" algn="ctr">
+              <a:buNone/>
+            </a:pPr>
+            <a:endParaRPr lang="en-US" sz="5400" dirty="0"/>
+          </a:p>
+          <a:p>
+            <a:pPr marL="0" indent="0" algn="ctr">
+              <a:buNone/>
+            </a:pPr>
+            <a:r>
+              <a:rPr lang="en-US" sz="5400" dirty="0"/>
+              <a:t>Send your feedback about the class whenever you want!</a:t>
+            </a:r>
           </a:p>
         </p:txBody>
       </p:sp>
@@ -9115,7 +10255,7 @@
           <p:cNvPr id="4" name="Slide Number Placeholder 3">
             <a:extLst>
               <a:ext uri="{FF2B5EF4-FFF2-40B4-BE49-F238E27FC236}">
-                <a16:creationId xmlns:a16="http://schemas.microsoft.com/office/drawing/2014/main" id="{94D86E94-A2C3-F217-2D4D-E097CD3E8D93}"/>
+                <a16:creationId xmlns:a16="http://schemas.microsoft.com/office/drawing/2014/main" id="{10BBBDA3-FF62-55E1-0184-D829C952C0AB}"/>
               </a:ext>
             </a:extLst>
           </p:cNvPr>
@@ -9139,10 +10279,39 @@
           </a:p>
         </p:txBody>
       </p:sp>
+      <p:sp>
+        <p:nvSpPr>
+          <p:cNvPr id="5" name="Footer Placeholder 4">
+            <a:extLst>
+              <a:ext uri="{FF2B5EF4-FFF2-40B4-BE49-F238E27FC236}">
+                <a16:creationId xmlns:a16="http://schemas.microsoft.com/office/drawing/2014/main" id="{F203BBF5-9EBB-38CE-9793-3F7C4BCC8E7E}"/>
+              </a:ext>
+            </a:extLst>
+          </p:cNvPr>
+          <p:cNvSpPr>
+            <a:spLocks noGrp="1"/>
+          </p:cNvSpPr>
+          <p:nvPr>
+            <p:ph type="ftr" sz="quarter" idx="11"/>
+          </p:nvPr>
+        </p:nvSpPr>
+        <p:spPr/>
+        <p:txBody>
+          <a:bodyPr/>
+          <a:lstStyle/>
+          <a:p>
+            <a:r>
+              <a:rPr lang="en-US"/>
+              <a:t>Fundamental Programming with Python</a:t>
+            </a:r>
+            <a:endParaRPr lang="en-US" dirty="0"/>
+          </a:p>
+        </p:txBody>
+      </p:sp>
     </p:spTree>
     <p:extLst>
       <p:ext uri="{BB962C8B-B14F-4D97-AF65-F5344CB8AC3E}">
-        <p14:creationId xmlns:p14="http://schemas.microsoft.com/office/powerpoint/2010/main" val="196215238"/>
+        <p14:creationId xmlns:p14="http://schemas.microsoft.com/office/powerpoint/2010/main" val="842730924"/>
       </p:ext>
     </p:extLst>
   </p:cSld>
@@ -9174,7 +10343,7 @@
           <p:cNvPr id="2" name="Title 1">
             <a:extLst>
               <a:ext uri="{FF2B5EF4-FFF2-40B4-BE49-F238E27FC236}">
-                <a16:creationId xmlns:a16="http://schemas.microsoft.com/office/drawing/2014/main" id="{D04E7BF9-93E3-307D-03D4-E63181C84F1C}"/>
+                <a16:creationId xmlns:a16="http://schemas.microsoft.com/office/drawing/2014/main" id="{06C518B8-F1CD-24A5-FDB3-37452A000BD7}"/>
               </a:ext>
             </a:extLst>
           </p:cNvPr>
@@ -9192,7 +10361,7 @@
           <a:p>
             <a:r>
               <a:rPr lang="en-US" dirty="0"/>
-              <a:t>Together</a:t>
+              <a:t>Course plan</a:t>
             </a:r>
           </a:p>
         </p:txBody>
@@ -9202,7 +10371,7 @@
           <p:cNvPr id="3" name="Content Placeholder 2">
             <a:extLst>
               <a:ext uri="{FF2B5EF4-FFF2-40B4-BE49-F238E27FC236}">
-                <a16:creationId xmlns:a16="http://schemas.microsoft.com/office/drawing/2014/main" id="{A8B0ACF0-C99B-8FC1-911B-53228D0342B9}"/>
+                <a16:creationId xmlns:a16="http://schemas.microsoft.com/office/drawing/2014/main" id="{337FAF97-4899-5041-0515-A035E4E88D7C}"/>
               </a:ext>
             </a:extLst>
           </p:cNvPr>
@@ -9213,26 +10382,48 @@
             <p:ph idx="1"/>
           </p:nvPr>
         </p:nvSpPr>
-        <p:spPr/>
-        <p:txBody>
-          <a:bodyPr>
-            <a:normAutofit/>
-          </a:bodyPr>
-          <a:lstStyle/>
-          <a:p>
-            <a:pPr marL="0" indent="0" algn="ctr">
-              <a:buNone/>
-            </a:pPr>
-            <a:endParaRPr lang="en-US" sz="5400" dirty="0"/>
-          </a:p>
-          <a:p>
-            <a:pPr marL="0" indent="0" algn="ctr">
-              <a:buNone/>
-            </a:pPr>
-            <a:r>
-              <a:rPr lang="en-US" sz="5400" dirty="0"/>
-              <a:t>Send your feedback about the class whenever you want!</a:t>
-            </a:r>
+        <p:spPr>
+          <a:xfrm>
+            <a:off x="640943" y="2011680"/>
+            <a:ext cx="11551057" cy="4206240"/>
+          </a:xfrm>
+        </p:spPr>
+        <p:txBody>
+          <a:bodyPr/>
+          <a:lstStyle/>
+          <a:p>
+            <a:r>
+              <a:rPr lang="en-US" dirty="0"/>
+              <a:t>Fundamental concepts in computer science</a:t>
+            </a:r>
+          </a:p>
+          <a:p>
+            <a:r>
+              <a:rPr lang="en-US" dirty="0"/>
+              <a:t>Algorithm thinking</a:t>
+            </a:r>
+          </a:p>
+          <a:p>
+            <a:r>
+              <a:rPr lang="en-US" dirty="0"/>
+              <a:t>Coding with Python</a:t>
+            </a:r>
+          </a:p>
+          <a:p>
+            <a:r>
+              <a:rPr lang="en-US" dirty="0"/>
+              <a:t>Some meetings with Python experts in different domains </a:t>
+            </a:r>
+            <a:r>
+              <a:rPr lang="en-US" sz="2400" dirty="0"/>
+              <a:t>(maybe)</a:t>
+            </a:r>
+          </a:p>
+          <a:p>
+            <a:endParaRPr lang="en-US" dirty="0"/>
+          </a:p>
+          <a:p>
+            <a:endParaRPr lang="en-US" dirty="0"/>
           </a:p>
         </p:txBody>
       </p:sp>
@@ -9241,7 +10432,7 @@
           <p:cNvPr id="4" name="Slide Number Placeholder 3">
             <a:extLst>
               <a:ext uri="{FF2B5EF4-FFF2-40B4-BE49-F238E27FC236}">
-                <a16:creationId xmlns:a16="http://schemas.microsoft.com/office/drawing/2014/main" id="{10BBBDA3-FF62-55E1-0184-D829C952C0AB}"/>
+                <a16:creationId xmlns:a16="http://schemas.microsoft.com/office/drawing/2014/main" id="{13689B02-5F0F-9508-A84B-D4337771C773}"/>
               </a:ext>
             </a:extLst>
           </p:cNvPr>
@@ -9265,10 +10456,39 @@
           </a:p>
         </p:txBody>
       </p:sp>
+      <p:sp>
+        <p:nvSpPr>
+          <p:cNvPr id="5" name="Footer Placeholder 4">
+            <a:extLst>
+              <a:ext uri="{FF2B5EF4-FFF2-40B4-BE49-F238E27FC236}">
+                <a16:creationId xmlns:a16="http://schemas.microsoft.com/office/drawing/2014/main" id="{CCA5B2F5-B9BC-DA69-D894-B884D801C0BE}"/>
+              </a:ext>
+            </a:extLst>
+          </p:cNvPr>
+          <p:cNvSpPr>
+            <a:spLocks noGrp="1"/>
+          </p:cNvSpPr>
+          <p:nvPr>
+            <p:ph type="ftr" sz="quarter" idx="11"/>
+          </p:nvPr>
+        </p:nvSpPr>
+        <p:spPr/>
+        <p:txBody>
+          <a:bodyPr/>
+          <a:lstStyle/>
+          <a:p>
+            <a:r>
+              <a:rPr lang="en-US"/>
+              <a:t>Fundamental Programming with Python</a:t>
+            </a:r>
+            <a:endParaRPr lang="en-US" dirty="0"/>
+          </a:p>
+        </p:txBody>
+      </p:sp>
     </p:spTree>
     <p:extLst>
       <p:ext uri="{BB962C8B-B14F-4D97-AF65-F5344CB8AC3E}">
-        <p14:creationId xmlns:p14="http://schemas.microsoft.com/office/powerpoint/2010/main" val="842730924"/>
+        <p14:creationId xmlns:p14="http://schemas.microsoft.com/office/powerpoint/2010/main" val="405812867"/>
       </p:ext>
     </p:extLst>
   </p:cSld>
@@ -9300,7 +10520,7 @@
           <p:cNvPr id="2" name="Title 1">
             <a:extLst>
               <a:ext uri="{FF2B5EF4-FFF2-40B4-BE49-F238E27FC236}">
-                <a16:creationId xmlns:a16="http://schemas.microsoft.com/office/drawing/2014/main" id="{06C518B8-F1CD-24A5-FDB3-37452A000BD7}"/>
+                <a16:creationId xmlns:a16="http://schemas.microsoft.com/office/drawing/2014/main" id="{3772ADBF-CEEC-30F3-8F79-9A543325CF92}"/>
               </a:ext>
             </a:extLst>
           </p:cNvPr>
@@ -9318,78 +10538,48 @@
           <a:p>
             <a:r>
               <a:rPr lang="en-US" dirty="0"/>
-              <a:t>Course plan</a:t>
-            </a:r>
-          </a:p>
-        </p:txBody>
-      </p:sp>
-      <p:sp>
-        <p:nvSpPr>
-          <p:cNvPr id="3" name="Content Placeholder 2">
+              <a:t>Be in path</a:t>
+            </a:r>
+          </a:p>
+        </p:txBody>
+      </p:sp>
+      <p:graphicFrame>
+        <p:nvGraphicFramePr>
+          <p:cNvPr id="5" name="Content Placeholder 4">
             <a:extLst>
               <a:ext uri="{FF2B5EF4-FFF2-40B4-BE49-F238E27FC236}">
-                <a16:creationId xmlns:a16="http://schemas.microsoft.com/office/drawing/2014/main" id="{337FAF97-4899-5041-0515-A035E4E88D7C}"/>
+                <a16:creationId xmlns:a16="http://schemas.microsoft.com/office/drawing/2014/main" id="{DAF4DD1D-D663-526A-A7A3-111B5165503A}"/>
               </a:ext>
             </a:extLst>
           </p:cNvPr>
-          <p:cNvSpPr>
-            <a:spLocks noGrp="1"/>
-          </p:cNvSpPr>
+          <p:cNvGraphicFramePr>
+            <a:graphicFrameLocks noGrp="1"/>
+          </p:cNvGraphicFramePr>
           <p:nvPr>
             <p:ph idx="1"/>
-          </p:nvPr>
-        </p:nvSpPr>
-        <p:spPr>
-          <a:xfrm>
-            <a:off x="640943" y="2011680"/>
-            <a:ext cx="11551057" cy="4206240"/>
-          </a:xfrm>
-        </p:spPr>
-        <p:txBody>
-          <a:bodyPr/>
-          <a:lstStyle/>
-          <a:p>
-            <a:r>
-              <a:rPr lang="en-US" dirty="0"/>
-              <a:t>Fundamental concepts in computer science</a:t>
-            </a:r>
-          </a:p>
-          <a:p>
-            <a:r>
-              <a:rPr lang="en-US" dirty="0"/>
-              <a:t>Algorithm thinking</a:t>
-            </a:r>
-          </a:p>
-          <a:p>
-            <a:r>
-              <a:rPr lang="en-US" dirty="0"/>
-              <a:t>Coding with Python</a:t>
-            </a:r>
-          </a:p>
-          <a:p>
-            <a:r>
-              <a:rPr lang="en-US" dirty="0"/>
-              <a:t>Some meetings with Python experts in different domains </a:t>
-            </a:r>
-            <a:r>
-              <a:rPr lang="en-US" sz="2400" dirty="0"/>
-              <a:t>(maybe)</a:t>
-            </a:r>
-          </a:p>
-          <a:p>
-            <a:endParaRPr lang="en-US" dirty="0"/>
-          </a:p>
-          <a:p>
-            <a:endParaRPr lang="en-US" dirty="0"/>
-          </a:p>
-        </p:txBody>
-      </p:sp>
+            <p:extLst>
+              <p:ext uri="{D42A27DB-BD31-4B8C-83A1-F6EECF244321}">
+                <p14:modId xmlns:p14="http://schemas.microsoft.com/office/powerpoint/2010/main" val="584304422"/>
+              </p:ext>
+            </p:extLst>
+          </p:nvPr>
+        </p:nvGraphicFramePr>
+        <p:xfrm>
+          <a:off x="1203325" y="2011363"/>
+          <a:ext cx="9783763" cy="4206875"/>
+        </p:xfrm>
+        <a:graphic>
+          <a:graphicData uri="http://schemas.openxmlformats.org/drawingml/2006/diagram">
+            <dgm:relIds xmlns:dgm="http://schemas.openxmlformats.org/drawingml/2006/diagram" xmlns:r="http://schemas.openxmlformats.org/officeDocument/2006/relationships" r:dm="rId2" r:lo="rId3" r:qs="rId4" r:cs="rId5"/>
+          </a:graphicData>
+        </a:graphic>
+      </p:graphicFrame>
       <p:sp>
         <p:nvSpPr>
           <p:cNvPr id="4" name="Slide Number Placeholder 3">
             <a:extLst>
               <a:ext uri="{FF2B5EF4-FFF2-40B4-BE49-F238E27FC236}">
-                <a16:creationId xmlns:a16="http://schemas.microsoft.com/office/drawing/2014/main" id="{13689B02-5F0F-9508-A84B-D4337771C773}"/>
+                <a16:creationId xmlns:a16="http://schemas.microsoft.com/office/drawing/2014/main" id="{3600E7C4-FC58-A4BB-AC4B-06D8DF759583}"/>
               </a:ext>
             </a:extLst>
           </p:cNvPr>
@@ -9413,10 +10603,39 @@
           </a:p>
         </p:txBody>
       </p:sp>
+      <p:sp>
+        <p:nvSpPr>
+          <p:cNvPr id="3" name="Footer Placeholder 2">
+            <a:extLst>
+              <a:ext uri="{FF2B5EF4-FFF2-40B4-BE49-F238E27FC236}">
+                <a16:creationId xmlns:a16="http://schemas.microsoft.com/office/drawing/2014/main" id="{E8EC59CD-5DA7-B47F-6748-372AEEC918FA}"/>
+              </a:ext>
+            </a:extLst>
+          </p:cNvPr>
+          <p:cNvSpPr>
+            <a:spLocks noGrp="1"/>
+          </p:cNvSpPr>
+          <p:nvPr>
+            <p:ph type="ftr" sz="quarter" idx="11"/>
+          </p:nvPr>
+        </p:nvSpPr>
+        <p:spPr/>
+        <p:txBody>
+          <a:bodyPr/>
+          <a:lstStyle/>
+          <a:p>
+            <a:r>
+              <a:rPr lang="en-US"/>
+              <a:t>Fundamental Programming with Python</a:t>
+            </a:r>
+            <a:endParaRPr lang="en-US" dirty="0"/>
+          </a:p>
+        </p:txBody>
+      </p:sp>
     </p:spTree>
     <p:extLst>
       <p:ext uri="{BB962C8B-B14F-4D97-AF65-F5344CB8AC3E}">
-        <p14:creationId xmlns:p14="http://schemas.microsoft.com/office/powerpoint/2010/main" val="405812867"/>
+        <p14:creationId xmlns:p14="http://schemas.microsoft.com/office/powerpoint/2010/main" val="2268256869"/>
       </p:ext>
     </p:extLst>
   </p:cSld>
